--- a/Fraud Detection.pptx
+++ b/Fraud Detection.pptx
@@ -8,22 +8,21 @@
     <p:sldId id="256" r:id="rId2"/>
     <p:sldId id="257" r:id="rId3"/>
     <p:sldId id="272" r:id="rId4"/>
-    <p:sldId id="258" r:id="rId5"/>
-    <p:sldId id="259" r:id="rId6"/>
-    <p:sldId id="260" r:id="rId7"/>
-    <p:sldId id="261" r:id="rId8"/>
-    <p:sldId id="262" r:id="rId9"/>
-    <p:sldId id="263" r:id="rId10"/>
-    <p:sldId id="264" r:id="rId11"/>
-    <p:sldId id="265" r:id="rId12"/>
-    <p:sldId id="267" r:id="rId13"/>
-    <p:sldId id="269" r:id="rId14"/>
-    <p:sldId id="266" r:id="rId15"/>
-    <p:sldId id="270" r:id="rId16"/>
-    <p:sldId id="271" r:id="rId17"/>
-    <p:sldId id="274" r:id="rId18"/>
-    <p:sldId id="275" r:id="rId19"/>
-    <p:sldId id="276" r:id="rId20"/>
+    <p:sldId id="259" r:id="rId5"/>
+    <p:sldId id="260" r:id="rId6"/>
+    <p:sldId id="261" r:id="rId7"/>
+    <p:sldId id="262" r:id="rId8"/>
+    <p:sldId id="263" r:id="rId9"/>
+    <p:sldId id="264" r:id="rId10"/>
+    <p:sldId id="265" r:id="rId11"/>
+    <p:sldId id="267" r:id="rId12"/>
+    <p:sldId id="269" r:id="rId13"/>
+    <p:sldId id="266" r:id="rId14"/>
+    <p:sldId id="270" r:id="rId15"/>
+    <p:sldId id="271" r:id="rId16"/>
+    <p:sldId id="274" r:id="rId17"/>
+    <p:sldId id="275" r:id="rId18"/>
+    <p:sldId id="276" r:id="rId19"/>
   </p:sldIdLst>
   <p:sldSz cx="12192000" cy="6858000"/>
   <p:notesSz cx="6858000" cy="9144000"/>
@@ -4001,618 +4000,6 @@
 <file path=ppt/slides/slide10.xml><?xml version="1.0" encoding="utf-8"?>
 <p:sld xmlns:a="http://schemas.openxmlformats.org/drawingml/2006/main" xmlns:r="http://schemas.openxmlformats.org/officeDocument/2006/relationships" xmlns:p="http://schemas.openxmlformats.org/presentationml/2006/main">
   <p:cSld>
-    <p:bg>
-      <p:bgPr>
-        <a:solidFill>
-          <a:schemeClr val="bg1"/>
-        </a:solidFill>
-        <a:effectLst/>
-      </p:bgPr>
-    </p:bg>
-    <p:spTree>
-      <p:nvGrpSpPr>
-        <p:cNvPr id="1" name=""/>
-        <p:cNvGrpSpPr/>
-        <p:nvPr/>
-      </p:nvGrpSpPr>
-      <p:grpSpPr>
-        <a:xfrm>
-          <a:off x="0" y="0"/>
-          <a:ext cx="0" cy="0"/>
-          <a:chOff x="0" y="0"/>
-          <a:chExt cx="0" cy="0"/>
-        </a:xfrm>
-      </p:grpSpPr>
-      <p:sp useBgFill="1">
-        <p:nvSpPr>
-          <p:cNvPr id="9" name="Rectangle 8">
-            <a:extLst>
-              <a:ext uri="{FF2B5EF4-FFF2-40B4-BE49-F238E27FC236}">
-                <a16:creationId xmlns:a16="http://schemas.microsoft.com/office/drawing/2014/main" id="{F13C74B1-5B17-4795-BED0-7140497B445A}"/>
-              </a:ext>
-              <a:ext uri="{C183D7F6-B498-43B3-948B-1728B52AA6E4}">
-                <adec:decorative xmlns:adec="http://schemas.microsoft.com/office/drawing/2017/decorative" val="1"/>
-              </a:ext>
-            </a:extLst>
-          </p:cNvPr>
-          <p:cNvSpPr>
-            <a:spLocks noGrp="1" noRot="1" noChangeAspect="1" noMove="1" noResize="1" noEditPoints="1" noAdjustHandles="1" noChangeArrowheads="1" noChangeShapeType="1" noTextEdit="1"/>
-          </p:cNvSpPr>
-          <p:nvPr>
-            <p:extLst>
-              <p:ext uri="{386F3935-93C4-4BCD-93E2-E3B085C9AB24}">
-                <p16:designElem xmlns:p16="http://schemas.microsoft.com/office/powerpoint/2015/main" val="1"/>
-              </p:ext>
-            </p:extLst>
-          </p:nvPr>
-        </p:nvSpPr>
-        <p:spPr>
-          <a:xfrm>
-            <a:off x="0" y="0"/>
-            <a:ext cx="12188952" cy="6858000"/>
-          </a:xfrm>
-          <a:prstGeom prst="rect">
-            <a:avLst/>
-          </a:prstGeom>
-          <a:ln>
-            <a:noFill/>
-          </a:ln>
-        </p:spPr>
-        <p:style>
-          <a:lnRef idx="2">
-            <a:schemeClr val="accent1">
-              <a:shade val="50000"/>
-            </a:schemeClr>
-          </a:lnRef>
-          <a:fillRef idx="1">
-            <a:schemeClr val="accent1"/>
-          </a:fillRef>
-          <a:effectRef idx="0">
-            <a:schemeClr val="accent1"/>
-          </a:effectRef>
-          <a:fontRef idx="minor">
-            <a:schemeClr val="lt1"/>
-          </a:fontRef>
-        </p:style>
-        <p:txBody>
-          <a:bodyPr rtlCol="0" anchor="ctr"/>
-          <a:lstStyle/>
-          <a:p>
-            <a:pPr algn="ctr"/>
-            <a:endParaRPr lang="en-US"/>
-          </a:p>
-        </p:txBody>
-      </p:sp>
-      <p:sp>
-        <p:nvSpPr>
-          <p:cNvPr id="2" name="Title 1">
-            <a:extLst>
-              <a:ext uri="{FF2B5EF4-FFF2-40B4-BE49-F238E27FC236}">
-                <a16:creationId xmlns:a16="http://schemas.microsoft.com/office/drawing/2014/main" id="{C5D3EF8F-85BE-B38F-836F-C91E8E8BEC80}"/>
-              </a:ext>
-            </a:extLst>
-          </p:cNvPr>
-          <p:cNvSpPr>
-            <a:spLocks noGrp="1"/>
-          </p:cNvSpPr>
-          <p:nvPr>
-            <p:ph type="title"/>
-          </p:nvPr>
-        </p:nvSpPr>
-        <p:spPr>
-          <a:xfrm>
-            <a:off x="640080" y="993313"/>
-            <a:ext cx="3760470" cy="1492397"/>
-          </a:xfrm>
-        </p:spPr>
-        <p:txBody>
-          <a:bodyPr anchor="b">
-            <a:noAutofit/>
-          </a:bodyPr>
-          <a:lstStyle/>
-          <a:p>
-            <a:r>
-              <a:rPr lang="cs-CZ" sz="5400" b="1" dirty="0"/>
-              <a:t>Feature Engineering</a:t>
-            </a:r>
-          </a:p>
-        </p:txBody>
-      </p:sp>
-      <p:sp>
-        <p:nvSpPr>
-          <p:cNvPr id="11" name="sketchy line">
-            <a:extLst>
-              <a:ext uri="{FF2B5EF4-FFF2-40B4-BE49-F238E27FC236}">
-                <a16:creationId xmlns:a16="http://schemas.microsoft.com/office/drawing/2014/main" id="{D4974D33-8DC5-464E-8C6D-BE58F0669C17}"/>
-              </a:ext>
-              <a:ext uri="{C183D7F6-B498-43B3-948B-1728B52AA6E4}">
-                <adec:decorative xmlns:adec="http://schemas.microsoft.com/office/drawing/2017/decorative" val="1"/>
-              </a:ext>
-            </a:extLst>
-          </p:cNvPr>
-          <p:cNvSpPr>
-            <a:spLocks noGrp="1" noRot="1" noChangeAspect="1" noMove="1" noResize="1" noEditPoints="1" noAdjustHandles="1" noChangeArrowheads="1" noChangeShapeType="1" noTextEdit="1"/>
-          </p:cNvSpPr>
-          <p:nvPr>
-            <p:extLst>
-              <p:ext uri="{386F3935-93C4-4BCD-93E2-E3B085C9AB24}">
-                <p16:designElem xmlns:p16="http://schemas.microsoft.com/office/powerpoint/2015/main" val="1"/>
-              </p:ext>
-            </p:extLst>
-          </p:nvPr>
-        </p:nvSpPr>
-        <p:spPr>
-          <a:xfrm>
-            <a:off x="640080" y="2586994"/>
-            <a:ext cx="3474720" cy="18288"/>
-          </a:xfrm>
-          <a:custGeom>
-            <a:avLst/>
-            <a:gdLst>
-              <a:gd name="connsiteX0" fmla="*/ 0 w 3474720"/>
-              <a:gd name="connsiteY0" fmla="*/ 0 h 18288"/>
-              <a:gd name="connsiteX1" fmla="*/ 694944 w 3474720"/>
-              <a:gd name="connsiteY1" fmla="*/ 0 h 18288"/>
-              <a:gd name="connsiteX2" fmla="*/ 1355141 w 3474720"/>
-              <a:gd name="connsiteY2" fmla="*/ 0 h 18288"/>
-              <a:gd name="connsiteX3" fmla="*/ 2015338 w 3474720"/>
-              <a:gd name="connsiteY3" fmla="*/ 0 h 18288"/>
-              <a:gd name="connsiteX4" fmla="*/ 2779776 w 3474720"/>
-              <a:gd name="connsiteY4" fmla="*/ 0 h 18288"/>
-              <a:gd name="connsiteX5" fmla="*/ 3474720 w 3474720"/>
-              <a:gd name="connsiteY5" fmla="*/ 0 h 18288"/>
-              <a:gd name="connsiteX6" fmla="*/ 3474720 w 3474720"/>
-              <a:gd name="connsiteY6" fmla="*/ 18288 h 18288"/>
-              <a:gd name="connsiteX7" fmla="*/ 2779776 w 3474720"/>
-              <a:gd name="connsiteY7" fmla="*/ 18288 h 18288"/>
-              <a:gd name="connsiteX8" fmla="*/ 2189074 w 3474720"/>
-              <a:gd name="connsiteY8" fmla="*/ 18288 h 18288"/>
-              <a:gd name="connsiteX9" fmla="*/ 1528877 w 3474720"/>
-              <a:gd name="connsiteY9" fmla="*/ 18288 h 18288"/>
-              <a:gd name="connsiteX10" fmla="*/ 868680 w 3474720"/>
-              <a:gd name="connsiteY10" fmla="*/ 18288 h 18288"/>
-              <a:gd name="connsiteX11" fmla="*/ 0 w 3474720"/>
-              <a:gd name="connsiteY11" fmla="*/ 18288 h 18288"/>
-              <a:gd name="connsiteX12" fmla="*/ 0 w 3474720"/>
-              <a:gd name="connsiteY12" fmla="*/ 0 h 18288"/>
-            </a:gdLst>
-            <a:ahLst/>
-            <a:cxnLst>
-              <a:cxn ang="0">
-                <a:pos x="connsiteX0" y="connsiteY0"/>
-              </a:cxn>
-              <a:cxn ang="0">
-                <a:pos x="connsiteX1" y="connsiteY1"/>
-              </a:cxn>
-              <a:cxn ang="0">
-                <a:pos x="connsiteX2" y="connsiteY2"/>
-              </a:cxn>
-              <a:cxn ang="0">
-                <a:pos x="connsiteX3" y="connsiteY3"/>
-              </a:cxn>
-              <a:cxn ang="0">
-                <a:pos x="connsiteX4" y="connsiteY4"/>
-              </a:cxn>
-              <a:cxn ang="0">
-                <a:pos x="connsiteX5" y="connsiteY5"/>
-              </a:cxn>
-              <a:cxn ang="0">
-                <a:pos x="connsiteX6" y="connsiteY6"/>
-              </a:cxn>
-              <a:cxn ang="0">
-                <a:pos x="connsiteX7" y="connsiteY7"/>
-              </a:cxn>
-              <a:cxn ang="0">
-                <a:pos x="connsiteX8" y="connsiteY8"/>
-              </a:cxn>
-              <a:cxn ang="0">
-                <a:pos x="connsiteX9" y="connsiteY9"/>
-              </a:cxn>
-              <a:cxn ang="0">
-                <a:pos x="connsiteX10" y="connsiteY10"/>
-              </a:cxn>
-              <a:cxn ang="0">
-                <a:pos x="connsiteX11" y="connsiteY11"/>
-              </a:cxn>
-              <a:cxn ang="0">
-                <a:pos x="connsiteX12" y="connsiteY12"/>
-              </a:cxn>
-            </a:cxnLst>
-            <a:rect l="l" t="t" r="r" b="b"/>
-            <a:pathLst>
-              <a:path w="3474720" h="18288" fill="none" extrusionOk="0">
-                <a:moveTo>
-                  <a:pt x="0" y="0"/>
-                </a:moveTo>
-                <a:cubicBezTo>
-                  <a:pt x="224454" y="-14544"/>
-                  <a:pt x="495407" y="26540"/>
-                  <a:pt x="694944" y="0"/>
-                </a:cubicBezTo>
-                <a:cubicBezTo>
-                  <a:pt x="894481" y="-26540"/>
-                  <a:pt x="1130063" y="24713"/>
-                  <a:pt x="1355141" y="0"/>
-                </a:cubicBezTo>
-                <a:cubicBezTo>
-                  <a:pt x="1580219" y="-24713"/>
-                  <a:pt x="1820099" y="26695"/>
-                  <a:pt x="2015338" y="0"/>
-                </a:cubicBezTo>
-                <a:cubicBezTo>
-                  <a:pt x="2210577" y="-26695"/>
-                  <a:pt x="2402045" y="165"/>
-                  <a:pt x="2779776" y="0"/>
-                </a:cubicBezTo>
-                <a:cubicBezTo>
-                  <a:pt x="3157507" y="-165"/>
-                  <a:pt x="3286859" y="-15571"/>
-                  <a:pt x="3474720" y="0"/>
-                </a:cubicBezTo>
-                <a:cubicBezTo>
-                  <a:pt x="3474286" y="7551"/>
-                  <a:pt x="3474253" y="9822"/>
-                  <a:pt x="3474720" y="18288"/>
-                </a:cubicBezTo>
-                <a:cubicBezTo>
-                  <a:pt x="3233904" y="29845"/>
-                  <a:pt x="2945134" y="-5256"/>
-                  <a:pt x="2779776" y="18288"/>
-                </a:cubicBezTo>
-                <a:cubicBezTo>
-                  <a:pt x="2614418" y="41832"/>
-                  <a:pt x="2339768" y="22709"/>
-                  <a:pt x="2189074" y="18288"/>
-                </a:cubicBezTo>
-                <a:cubicBezTo>
-                  <a:pt x="2038380" y="13867"/>
-                  <a:pt x="1817434" y="-4947"/>
-                  <a:pt x="1528877" y="18288"/>
-                </a:cubicBezTo>
-                <a:cubicBezTo>
-                  <a:pt x="1240320" y="41523"/>
-                  <a:pt x="1042447" y="37198"/>
-                  <a:pt x="868680" y="18288"/>
-                </a:cubicBezTo>
-                <a:cubicBezTo>
-                  <a:pt x="694913" y="-622"/>
-                  <a:pt x="233232" y="44909"/>
-                  <a:pt x="0" y="18288"/>
-                </a:cubicBezTo>
-                <a:cubicBezTo>
-                  <a:pt x="60" y="11696"/>
-                  <a:pt x="66" y="3758"/>
-                  <a:pt x="0" y="0"/>
-                </a:cubicBezTo>
-                <a:close/>
-              </a:path>
-              <a:path w="3474720" h="18288" stroke="0" extrusionOk="0">
-                <a:moveTo>
-                  <a:pt x="0" y="0"/>
-                </a:moveTo>
-                <a:cubicBezTo>
-                  <a:pt x="202328" y="-14716"/>
-                  <a:pt x="332722" y="-11499"/>
-                  <a:pt x="625450" y="0"/>
-                </a:cubicBezTo>
-                <a:cubicBezTo>
-                  <a:pt x="918178" y="11499"/>
-                  <a:pt x="1096688" y="5123"/>
-                  <a:pt x="1389888" y="0"/>
-                </a:cubicBezTo>
-                <a:cubicBezTo>
-                  <a:pt x="1683088" y="-5123"/>
-                  <a:pt x="1835981" y="-14038"/>
-                  <a:pt x="1980590" y="0"/>
-                </a:cubicBezTo>
-                <a:cubicBezTo>
-                  <a:pt x="2125199" y="14038"/>
-                  <a:pt x="2396099" y="-7203"/>
-                  <a:pt x="2571293" y="0"/>
-                </a:cubicBezTo>
-                <a:cubicBezTo>
-                  <a:pt x="2746487" y="7203"/>
-                  <a:pt x="3041609" y="-12036"/>
-                  <a:pt x="3474720" y="0"/>
-                </a:cubicBezTo>
-                <a:cubicBezTo>
-                  <a:pt x="3474638" y="4406"/>
-                  <a:pt x="3474631" y="9982"/>
-                  <a:pt x="3474720" y="18288"/>
-                </a:cubicBezTo>
-                <a:cubicBezTo>
-                  <a:pt x="3324873" y="21876"/>
-                  <a:pt x="3136771" y="12587"/>
-                  <a:pt x="2814523" y="18288"/>
-                </a:cubicBezTo>
-                <a:cubicBezTo>
-                  <a:pt x="2492275" y="23989"/>
-                  <a:pt x="2294402" y="47111"/>
-                  <a:pt x="2154326" y="18288"/>
-                </a:cubicBezTo>
-                <a:cubicBezTo>
-                  <a:pt x="2014250" y="-10535"/>
-                  <a:pt x="1820317" y="33903"/>
-                  <a:pt x="1494130" y="18288"/>
-                </a:cubicBezTo>
-                <a:cubicBezTo>
-                  <a:pt x="1167943" y="2673"/>
-                  <a:pt x="948432" y="14868"/>
-                  <a:pt x="729691" y="18288"/>
-                </a:cubicBezTo>
-                <a:cubicBezTo>
-                  <a:pt x="510950" y="21708"/>
-                  <a:pt x="264032" y="24354"/>
-                  <a:pt x="0" y="18288"/>
-                </a:cubicBezTo>
-                <a:cubicBezTo>
-                  <a:pt x="189" y="14288"/>
-                  <a:pt x="-703" y="3747"/>
-                  <a:pt x="0" y="0"/>
-                </a:cubicBezTo>
-                <a:close/>
-              </a:path>
-            </a:pathLst>
-          </a:custGeom>
-          <a:solidFill>
-            <a:schemeClr val="accent2"/>
-          </a:solidFill>
-          <a:ln w="44450" cap="rnd">
-            <a:solidFill>
-              <a:schemeClr val="accent2"/>
-            </a:solidFill>
-            <a:round/>
-            <a:extLst>
-              <a:ext uri="{C807C97D-BFC1-408E-A445-0C87EB9F89A2}">
-                <ask:lineSketchStyleProps xmlns:ask="http://schemas.microsoft.com/office/drawing/2018/sketchyshapes" sd="2863741219">
-                  <a:prstGeom prst="rect">
-                    <a:avLst/>
-                  </a:prstGeom>
-                  <ask:type>
-                    <ask:lineSketchFreehand/>
-                  </ask:type>
-                </ask:lineSketchStyleProps>
-              </a:ext>
-            </a:extLst>
-          </a:ln>
-        </p:spPr>
-        <p:style>
-          <a:lnRef idx="2">
-            <a:schemeClr val="accent1">
-              <a:shade val="50000"/>
-            </a:schemeClr>
-          </a:lnRef>
-          <a:fillRef idx="1">
-            <a:schemeClr val="accent1"/>
-          </a:fillRef>
-          <a:effectRef idx="0">
-            <a:schemeClr val="accent1"/>
-          </a:effectRef>
-          <a:fontRef idx="minor">
-            <a:schemeClr val="lt1"/>
-          </a:fontRef>
-        </p:style>
-        <p:txBody>
-          <a:bodyPr rtlCol="0" anchor="ctr"/>
-          <a:lstStyle/>
-          <a:p>
-            <a:pPr algn="ctr"/>
-            <a:endParaRPr lang="en-US"/>
-          </a:p>
-        </p:txBody>
-      </p:sp>
-      <p:sp>
-        <p:nvSpPr>
-          <p:cNvPr id="3" name="Content Placeholder 2">
-            <a:extLst>
-              <a:ext uri="{FF2B5EF4-FFF2-40B4-BE49-F238E27FC236}">
-                <a16:creationId xmlns:a16="http://schemas.microsoft.com/office/drawing/2014/main" id="{ECC47C5C-753E-5B83-4807-58F4F359EADD}"/>
-              </a:ext>
-            </a:extLst>
-          </p:cNvPr>
-          <p:cNvSpPr>
-            <a:spLocks noGrp="1"/>
-          </p:cNvSpPr>
-          <p:nvPr>
-            <p:ph idx="1"/>
-          </p:nvPr>
-        </p:nvSpPr>
-        <p:spPr>
-          <a:xfrm>
-            <a:off x="640080" y="3479023"/>
-            <a:ext cx="4243589" cy="2385663"/>
-          </a:xfrm>
-        </p:spPr>
-        <p:txBody>
-          <a:bodyPr>
-            <a:normAutofit lnSpcReduction="10000"/>
-          </a:bodyPr>
-          <a:lstStyle/>
-          <a:p>
-            <a:r>
-              <a:rPr lang="cs-CZ" sz="1500" dirty="0"/>
-              <a:t>Based on EDA, we created a new feature, „</a:t>
-            </a:r>
-            <a:r>
-              <a:rPr lang="cs-CZ" sz="1500" b="1" dirty="0"/>
-              <a:t>IsZero</a:t>
-            </a:r>
-            <a:r>
-              <a:rPr lang="cs-CZ" sz="1500" dirty="0"/>
-              <a:t>“, which aggregated results from columns oldBalanceDest and newBalancedest, where we found a pattern</a:t>
-            </a:r>
-          </a:p>
-          <a:p>
-            <a:r>
-              <a:rPr lang="cs-CZ" sz="1500" dirty="0"/>
-              <a:t>Comparing the results with and without this feature, the one with performer better.</a:t>
-            </a:r>
-          </a:p>
-          <a:p>
-            <a:r>
-              <a:rPr lang="cs-CZ" sz="1500" dirty="0"/>
-              <a:t>We also extracted first letters of nameDest and nameOrigin, which showed us account types (customer vs merchant). This again helped the model perform better.</a:t>
-            </a:r>
-          </a:p>
-        </p:txBody>
-      </p:sp>
-      <p:pic>
-        <p:nvPicPr>
-          <p:cNvPr id="4" name="Picture 3" descr="Financial graphs on a dark display">
-            <a:extLst>
-              <a:ext uri="{FF2B5EF4-FFF2-40B4-BE49-F238E27FC236}">
-                <a16:creationId xmlns:a16="http://schemas.microsoft.com/office/drawing/2014/main" id="{BBA2E2CA-C282-0D6F-0908-6ABD7204F805}"/>
-              </a:ext>
-            </a:extLst>
-          </p:cNvPr>
-          <p:cNvPicPr>
-            <a:picLocks noChangeAspect="1"/>
-          </p:cNvPicPr>
-          <p:nvPr/>
-        </p:nvPicPr>
-        <p:blipFill rotWithShape="1">
-          <a:blip r:embed="rId2"/>
-          <a:srcRect l="15752" r="21559"/>
-          <a:stretch/>
-        </p:blipFill>
-        <p:spPr>
-          <a:xfrm>
-            <a:off x="5313225" y="0"/>
-            <a:ext cx="6878775" cy="6857990"/>
-          </a:xfrm>
-          <a:custGeom>
-            <a:avLst/>
-            <a:gdLst/>
-            <a:ahLst/>
-            <a:cxnLst/>
-            <a:rect l="l" t="t" r="r" b="b"/>
-            <a:pathLst>
-              <a:path w="6878775" h="6858000">
-                <a:moveTo>
-                  <a:pt x="1102973" y="0"/>
-                </a:moveTo>
-                <a:lnTo>
-                  <a:pt x="1160688" y="0"/>
-                </a:lnTo>
-                <a:lnTo>
-                  <a:pt x="983189" y="331786"/>
-                </a:lnTo>
-                <a:cubicBezTo>
-                  <a:pt x="914866" y="469145"/>
-                  <a:pt x="850355" y="608712"/>
-                  <a:pt x="789261" y="750263"/>
-                </a:cubicBezTo>
-                <a:cubicBezTo>
-                  <a:pt x="774307" y="784928"/>
-                  <a:pt x="759992" y="819849"/>
-                  <a:pt x="745295" y="854514"/>
-                </a:cubicBezTo>
-                <a:cubicBezTo>
-                  <a:pt x="756682" y="845393"/>
-                  <a:pt x="765489" y="833492"/>
-                  <a:pt x="770857" y="819975"/>
-                </a:cubicBezTo>
-                <a:cubicBezTo>
-                  <a:pt x="879943" y="589569"/>
-                  <a:pt x="999605" y="365513"/>
-                  <a:pt x="1131329" y="148742"/>
-                </a:cubicBezTo>
-                <a:lnTo>
-                  <a:pt x="1227589" y="0"/>
-                </a:lnTo>
-                <a:lnTo>
-                  <a:pt x="6878775" y="0"/>
-                </a:lnTo>
-                <a:lnTo>
-                  <a:pt x="6878775" y="6858000"/>
-                </a:lnTo>
-                <a:lnTo>
-                  <a:pt x="713521" y="6858000"/>
-                </a:lnTo>
-                <a:lnTo>
-                  <a:pt x="625642" y="6670527"/>
-                </a:lnTo>
-                <a:cubicBezTo>
-                  <a:pt x="507232" y="6398531"/>
-                  <a:pt x="403083" y="6118381"/>
-                  <a:pt x="312785" y="5830359"/>
-                </a:cubicBezTo>
-                <a:cubicBezTo>
-                  <a:pt x="278149" y="5719759"/>
-                  <a:pt x="248879" y="5607635"/>
-                  <a:pt x="212198" y="5480401"/>
-                </a:cubicBezTo>
-                <a:cubicBezTo>
-                  <a:pt x="212208" y="5491601"/>
-                  <a:pt x="212803" y="5502788"/>
-                  <a:pt x="213988" y="5513923"/>
-                </a:cubicBezTo>
-                <a:cubicBezTo>
-                  <a:pt x="264089" y="5723695"/>
-                  <a:pt x="307290" y="5935370"/>
-                  <a:pt x="365826" y="6142729"/>
-                </a:cubicBezTo>
-                <a:cubicBezTo>
-                  <a:pt x="433152" y="6380817"/>
-                  <a:pt x="510068" y="6614016"/>
-                  <a:pt x="597975" y="6841549"/>
-                </a:cubicBezTo>
-                <a:lnTo>
-                  <a:pt x="604824" y="6858000"/>
-                </a:lnTo>
-                <a:lnTo>
-                  <a:pt x="552056" y="6858000"/>
-                </a:lnTo>
-                <a:lnTo>
-                  <a:pt x="539576" y="6828295"/>
-                </a:lnTo>
-                <a:cubicBezTo>
-                  <a:pt x="380597" y="6414594"/>
-                  <a:pt x="260223" y="5988893"/>
-                  <a:pt x="171555" y="5552906"/>
-                </a:cubicBezTo>
-                <a:cubicBezTo>
-                  <a:pt x="91163" y="5157998"/>
-                  <a:pt x="43746" y="4758899"/>
-                  <a:pt x="12305" y="4357388"/>
-                </a:cubicBezTo>
-                <a:cubicBezTo>
-                  <a:pt x="-14281" y="4013908"/>
-                  <a:pt x="4507" y="3672965"/>
-                  <a:pt x="46684" y="3331516"/>
-                </a:cubicBezTo>
-                <a:cubicBezTo>
-                  <a:pt x="127203" y="2664286"/>
-                  <a:pt x="277819" y="2007265"/>
-                  <a:pt x="496065" y="1371196"/>
-                </a:cubicBezTo>
-                <a:cubicBezTo>
-                  <a:pt x="636273" y="966066"/>
-                  <a:pt x="800445" y="573253"/>
-                  <a:pt x="995723" y="196614"/>
-                </a:cubicBezTo>
-                <a:close/>
-              </a:path>
-            </a:pathLst>
-          </a:custGeom>
-        </p:spPr>
-      </p:pic>
-    </p:spTree>
-    <p:extLst>
-      <p:ext uri="{BB962C8B-B14F-4D97-AF65-F5344CB8AC3E}">
-        <p14:creationId xmlns:p14="http://schemas.microsoft.com/office/powerpoint/2010/main" val="2147085771"/>
-      </p:ext>
-    </p:extLst>
-  </p:cSld>
-  <p:clrMapOvr>
-    <a:masterClrMapping/>
-  </p:clrMapOvr>
-</p:sld>
-</file>
-
-<file path=ppt/slides/slide11.xml><?xml version="1.0" encoding="utf-8"?>
-<p:sld xmlns:a="http://schemas.openxmlformats.org/drawingml/2006/main" xmlns:r="http://schemas.openxmlformats.org/officeDocument/2006/relationships" xmlns:p="http://schemas.openxmlformats.org/presentationml/2006/main">
-  <p:cSld>
     <p:spTree>
       <p:nvGrpSpPr>
         <p:cNvPr id="1" name=""/>
@@ -4920,7 +4307,7 @@
 </p:sld>
 </file>
 
-<file path=ppt/slides/slide12.xml><?xml version="1.0" encoding="utf-8"?>
+<file path=ppt/slides/slide11.xml><?xml version="1.0" encoding="utf-8"?>
 <p:sld xmlns:a="http://schemas.openxmlformats.org/drawingml/2006/main" xmlns:r="http://schemas.openxmlformats.org/officeDocument/2006/relationships" xmlns:p="http://schemas.openxmlformats.org/presentationml/2006/main">
   <p:cSld>
     <p:spTree>
@@ -5258,7 +4645,7 @@
 </p:sld>
 </file>
 
-<file path=ppt/slides/slide13.xml><?xml version="1.0" encoding="utf-8"?>
+<file path=ppt/slides/slide12.xml><?xml version="1.0" encoding="utf-8"?>
 <p:sld xmlns:a="http://schemas.openxmlformats.org/drawingml/2006/main" xmlns:r="http://schemas.openxmlformats.org/officeDocument/2006/relationships" xmlns:p="http://schemas.openxmlformats.org/presentationml/2006/main">
   <p:cSld>
     <p:spTree>
@@ -5592,7 +4979,7 @@
 </p:sld>
 </file>
 
-<file path=ppt/slides/slide14.xml><?xml version="1.0" encoding="utf-8"?>
+<file path=ppt/slides/slide13.xml><?xml version="1.0" encoding="utf-8"?>
 <p:sld xmlns:a="http://schemas.openxmlformats.org/drawingml/2006/main" xmlns:r="http://schemas.openxmlformats.org/officeDocument/2006/relationships" xmlns:p="http://schemas.openxmlformats.org/presentationml/2006/main">
   <p:cSld>
     <p:spTree>
@@ -6051,7 +5438,7 @@
 </p:sld>
 </file>
 
-<file path=ppt/slides/slide15.xml><?xml version="1.0" encoding="utf-8"?>
+<file path=ppt/slides/slide14.xml><?xml version="1.0" encoding="utf-8"?>
 <p:sld xmlns:a="http://schemas.openxmlformats.org/drawingml/2006/main" xmlns:r="http://schemas.openxmlformats.org/officeDocument/2006/relationships" xmlns:p="http://schemas.openxmlformats.org/presentationml/2006/main">
   <p:cSld>
     <p:spTree>
@@ -6699,7 +6086,7 @@
 </p:sld>
 </file>
 
-<file path=ppt/slides/slide16.xml><?xml version="1.0" encoding="utf-8"?>
+<file path=ppt/slides/slide15.xml><?xml version="1.0" encoding="utf-8"?>
 <p:sld xmlns:a="http://schemas.openxmlformats.org/drawingml/2006/main" xmlns:r="http://schemas.openxmlformats.org/officeDocument/2006/relationships" xmlns:p="http://schemas.openxmlformats.org/presentationml/2006/main">
   <p:cSld>
     <p:spTree>
@@ -6995,7 +6382,7 @@
 </p:sld>
 </file>
 
-<file path=ppt/slides/slide17.xml><?xml version="1.0" encoding="utf-8"?>
+<file path=ppt/slides/slide16.xml><?xml version="1.0" encoding="utf-8"?>
 <p:sld xmlns:a="http://schemas.openxmlformats.org/drawingml/2006/main" xmlns:r="http://schemas.openxmlformats.org/officeDocument/2006/relationships" xmlns:p="http://schemas.openxmlformats.org/presentationml/2006/main">
   <p:cSld>
     <p:spTree>
@@ -7318,7 +6705,7 @@
 </p:sld>
 </file>
 
-<file path=ppt/slides/slide18.xml><?xml version="1.0" encoding="utf-8"?>
+<file path=ppt/slides/slide17.xml><?xml version="1.0" encoding="utf-8"?>
 <p:sld xmlns:a="http://schemas.openxmlformats.org/drawingml/2006/main" xmlns:r="http://schemas.openxmlformats.org/officeDocument/2006/relationships" xmlns:p="http://schemas.openxmlformats.org/presentationml/2006/main">
   <p:cSld>
     <p:spTree>
@@ -7644,7 +7031,7 @@
 </p:sld>
 </file>
 
-<file path=ppt/slides/slide19.xml><?xml version="1.0" encoding="utf-8"?>
+<file path=ppt/slides/slide18.xml><?xml version="1.0" encoding="utf-8"?>
 <p:sld xmlns:a="http://schemas.openxmlformats.org/drawingml/2006/main" xmlns:r="http://schemas.openxmlformats.org/officeDocument/2006/relationships" xmlns:p="http://schemas.openxmlformats.org/presentationml/2006/main">
   <p:cSld>
     <p:bg>
@@ -9500,7 +8887,2218 @@
       </p:grpSpPr>
       <p:sp useBgFill="1">
         <p:nvSpPr>
-          <p:cNvPr id="23" name="Rectangle 22">
+          <p:cNvPr id="31" name="Rectangle 30">
+            <a:extLst>
+              <a:ext uri="{FF2B5EF4-FFF2-40B4-BE49-F238E27FC236}">
+                <a16:creationId xmlns:a16="http://schemas.microsoft.com/office/drawing/2014/main" id="{7B831B6F-405A-4B47-B9BB-5CA88F285844}"/>
+              </a:ext>
+              <a:ext uri="{C183D7F6-B498-43B3-948B-1728B52AA6E4}">
+                <adec:decorative xmlns:adec="http://schemas.microsoft.com/office/drawing/2017/decorative" val="1"/>
+              </a:ext>
+            </a:extLst>
+          </p:cNvPr>
+          <p:cNvSpPr>
+            <a:spLocks noGrp="1" noRot="1" noChangeAspect="1" noMove="1" noResize="1" noEditPoints="1" noAdjustHandles="1" noChangeArrowheads="1" noChangeShapeType="1" noTextEdit="1"/>
+          </p:cNvSpPr>
+          <p:nvPr>
+            <p:extLst>
+              <p:ext uri="{386F3935-93C4-4BCD-93E2-E3B085C9AB24}">
+                <p16:designElem xmlns:p16="http://schemas.microsoft.com/office/powerpoint/2015/main" val="1"/>
+              </p:ext>
+            </p:extLst>
+          </p:nvPr>
+        </p:nvSpPr>
+        <p:spPr>
+          <a:xfrm>
+            <a:off x="0" y="0"/>
+            <a:ext cx="12192000" cy="6858000"/>
+          </a:xfrm>
+          <a:prstGeom prst="rect">
+            <a:avLst/>
+          </a:prstGeom>
+          <a:ln>
+            <a:noFill/>
+          </a:ln>
+        </p:spPr>
+        <p:style>
+          <a:lnRef idx="2">
+            <a:schemeClr val="accent1">
+              <a:shade val="50000"/>
+            </a:schemeClr>
+          </a:lnRef>
+          <a:fillRef idx="1">
+            <a:schemeClr val="accent1"/>
+          </a:fillRef>
+          <a:effectRef idx="0">
+            <a:schemeClr val="accent1"/>
+          </a:effectRef>
+          <a:fontRef idx="minor">
+            <a:schemeClr val="lt1"/>
+          </a:fontRef>
+        </p:style>
+        <p:txBody>
+          <a:bodyPr rtlCol="0" anchor="ctr"/>
+          <a:lstStyle/>
+          <a:p>
+            <a:pPr algn="ctr"/>
+            <a:endParaRPr lang="en-US"/>
+          </a:p>
+        </p:txBody>
+      </p:sp>
+      <p:sp>
+        <p:nvSpPr>
+          <p:cNvPr id="2" name="Title 1">
+            <a:extLst>
+              <a:ext uri="{FF2B5EF4-FFF2-40B4-BE49-F238E27FC236}">
+                <a16:creationId xmlns:a16="http://schemas.microsoft.com/office/drawing/2014/main" id="{96FBDCDF-416F-BE2F-8FBB-5E8A31AD3D7C}"/>
+              </a:ext>
+            </a:extLst>
+          </p:cNvPr>
+          <p:cNvSpPr>
+            <a:spLocks noGrp="1"/>
+          </p:cNvSpPr>
+          <p:nvPr>
+            <p:ph type="title"/>
+          </p:nvPr>
+        </p:nvSpPr>
+        <p:spPr>
+          <a:xfrm>
+            <a:off x="7117239" y="827446"/>
+            <a:ext cx="4131785" cy="824874"/>
+          </a:xfrm>
+        </p:spPr>
+        <p:txBody>
+          <a:bodyPr anchor="b">
+            <a:noAutofit/>
+          </a:bodyPr>
+          <a:lstStyle/>
+          <a:p>
+            <a:r>
+              <a:rPr lang="cs-CZ" sz="5400" b="1" dirty="0"/>
+              <a:t>Initial analysis</a:t>
+            </a:r>
+          </a:p>
+        </p:txBody>
+      </p:sp>
+      <p:sp>
+        <p:nvSpPr>
+          <p:cNvPr id="33" name="sketch line">
+            <a:extLst>
+              <a:ext uri="{FF2B5EF4-FFF2-40B4-BE49-F238E27FC236}">
+                <a16:creationId xmlns:a16="http://schemas.microsoft.com/office/drawing/2014/main" id="{953EE71A-6488-4203-A7C4-77102FD0DCCA}"/>
+              </a:ext>
+              <a:ext uri="{C183D7F6-B498-43B3-948B-1728B52AA6E4}">
+                <adec:decorative xmlns:adec="http://schemas.microsoft.com/office/drawing/2017/decorative" val="1"/>
+              </a:ext>
+            </a:extLst>
+          </p:cNvPr>
+          <p:cNvSpPr>
+            <a:spLocks noGrp="1" noRot="1" noChangeAspect="1" noMove="1" noResize="1" noEditPoints="1" noAdjustHandles="1" noChangeArrowheads="1" noChangeShapeType="1" noTextEdit="1"/>
+          </p:cNvSpPr>
+          <p:nvPr>
+            <p:extLst>
+              <p:ext uri="{386F3935-93C4-4BCD-93E2-E3B085C9AB24}">
+                <p16:designElem xmlns:p16="http://schemas.microsoft.com/office/powerpoint/2015/main" val="1"/>
+              </p:ext>
+            </p:extLst>
+          </p:nvPr>
+        </p:nvSpPr>
+        <p:spPr>
+          <a:xfrm>
+            <a:off x="6739128" y="2372868"/>
+            <a:ext cx="3255095" cy="18288"/>
+          </a:xfrm>
+          <a:custGeom>
+            <a:avLst/>
+            <a:gdLst>
+              <a:gd name="connsiteX0" fmla="*/ 0 w 3255095"/>
+              <a:gd name="connsiteY0" fmla="*/ 0 h 18288"/>
+              <a:gd name="connsiteX1" fmla="*/ 618468 w 3255095"/>
+              <a:gd name="connsiteY1" fmla="*/ 0 h 18288"/>
+              <a:gd name="connsiteX2" fmla="*/ 1269487 w 3255095"/>
+              <a:gd name="connsiteY2" fmla="*/ 0 h 18288"/>
+              <a:gd name="connsiteX3" fmla="*/ 1953057 w 3255095"/>
+              <a:gd name="connsiteY3" fmla="*/ 0 h 18288"/>
+              <a:gd name="connsiteX4" fmla="*/ 2636627 w 3255095"/>
+              <a:gd name="connsiteY4" fmla="*/ 0 h 18288"/>
+              <a:gd name="connsiteX5" fmla="*/ 3255095 w 3255095"/>
+              <a:gd name="connsiteY5" fmla="*/ 0 h 18288"/>
+              <a:gd name="connsiteX6" fmla="*/ 3255095 w 3255095"/>
+              <a:gd name="connsiteY6" fmla="*/ 18288 h 18288"/>
+              <a:gd name="connsiteX7" fmla="*/ 2538974 w 3255095"/>
+              <a:gd name="connsiteY7" fmla="*/ 18288 h 18288"/>
+              <a:gd name="connsiteX8" fmla="*/ 1822853 w 3255095"/>
+              <a:gd name="connsiteY8" fmla="*/ 18288 h 18288"/>
+              <a:gd name="connsiteX9" fmla="*/ 1171834 w 3255095"/>
+              <a:gd name="connsiteY9" fmla="*/ 18288 h 18288"/>
+              <a:gd name="connsiteX10" fmla="*/ 0 w 3255095"/>
+              <a:gd name="connsiteY10" fmla="*/ 18288 h 18288"/>
+              <a:gd name="connsiteX11" fmla="*/ 0 w 3255095"/>
+              <a:gd name="connsiteY11" fmla="*/ 0 h 18288"/>
+            </a:gdLst>
+            <a:ahLst/>
+            <a:cxnLst>
+              <a:cxn ang="0">
+                <a:pos x="connsiteX0" y="connsiteY0"/>
+              </a:cxn>
+              <a:cxn ang="0">
+                <a:pos x="connsiteX1" y="connsiteY1"/>
+              </a:cxn>
+              <a:cxn ang="0">
+                <a:pos x="connsiteX2" y="connsiteY2"/>
+              </a:cxn>
+              <a:cxn ang="0">
+                <a:pos x="connsiteX3" y="connsiteY3"/>
+              </a:cxn>
+              <a:cxn ang="0">
+                <a:pos x="connsiteX4" y="connsiteY4"/>
+              </a:cxn>
+              <a:cxn ang="0">
+                <a:pos x="connsiteX5" y="connsiteY5"/>
+              </a:cxn>
+              <a:cxn ang="0">
+                <a:pos x="connsiteX6" y="connsiteY6"/>
+              </a:cxn>
+              <a:cxn ang="0">
+                <a:pos x="connsiteX7" y="connsiteY7"/>
+              </a:cxn>
+              <a:cxn ang="0">
+                <a:pos x="connsiteX8" y="connsiteY8"/>
+              </a:cxn>
+              <a:cxn ang="0">
+                <a:pos x="connsiteX9" y="connsiteY9"/>
+              </a:cxn>
+              <a:cxn ang="0">
+                <a:pos x="connsiteX10" y="connsiteY10"/>
+              </a:cxn>
+              <a:cxn ang="0">
+                <a:pos x="connsiteX11" y="connsiteY11"/>
+              </a:cxn>
+            </a:cxnLst>
+            <a:rect l="l" t="t" r="r" b="b"/>
+            <a:pathLst>
+              <a:path w="3255095" h="18288" fill="none" extrusionOk="0">
+                <a:moveTo>
+                  <a:pt x="0" y="0"/>
+                </a:moveTo>
+                <a:cubicBezTo>
+                  <a:pt x="240201" y="-22123"/>
+                  <a:pt x="462021" y="-19623"/>
+                  <a:pt x="618468" y="0"/>
+                </a:cubicBezTo>
+                <a:cubicBezTo>
+                  <a:pt x="774915" y="19623"/>
+                  <a:pt x="974734" y="2035"/>
+                  <a:pt x="1269487" y="0"/>
+                </a:cubicBezTo>
+                <a:cubicBezTo>
+                  <a:pt x="1564240" y="-2035"/>
+                  <a:pt x="1733579" y="10639"/>
+                  <a:pt x="1953057" y="0"/>
+                </a:cubicBezTo>
+                <a:cubicBezTo>
+                  <a:pt x="2172535" y="-10639"/>
+                  <a:pt x="2453962" y="14018"/>
+                  <a:pt x="2636627" y="0"/>
+                </a:cubicBezTo>
+                <a:cubicBezTo>
+                  <a:pt x="2819292" y="-14018"/>
+                  <a:pt x="3121375" y="5399"/>
+                  <a:pt x="3255095" y="0"/>
+                </a:cubicBezTo>
+                <a:cubicBezTo>
+                  <a:pt x="3254386" y="8157"/>
+                  <a:pt x="3254682" y="12125"/>
+                  <a:pt x="3255095" y="18288"/>
+                </a:cubicBezTo>
+                <a:cubicBezTo>
+                  <a:pt x="3088545" y="23203"/>
+                  <a:pt x="2687475" y="7419"/>
+                  <a:pt x="2538974" y="18288"/>
+                </a:cubicBezTo>
+                <a:cubicBezTo>
+                  <a:pt x="2390473" y="29157"/>
+                  <a:pt x="2137381" y="-8959"/>
+                  <a:pt x="1822853" y="18288"/>
+                </a:cubicBezTo>
+                <a:cubicBezTo>
+                  <a:pt x="1508325" y="45535"/>
+                  <a:pt x="1466437" y="20385"/>
+                  <a:pt x="1171834" y="18288"/>
+                </a:cubicBezTo>
+                <a:cubicBezTo>
+                  <a:pt x="877231" y="16191"/>
+                  <a:pt x="561097" y="37643"/>
+                  <a:pt x="0" y="18288"/>
+                </a:cubicBezTo>
+                <a:cubicBezTo>
+                  <a:pt x="-46" y="12483"/>
+                  <a:pt x="-203" y="6491"/>
+                  <a:pt x="0" y="0"/>
+                </a:cubicBezTo>
+                <a:close/>
+              </a:path>
+              <a:path w="3255095" h="18288" stroke="0" extrusionOk="0">
+                <a:moveTo>
+                  <a:pt x="0" y="0"/>
+                </a:moveTo>
+                <a:cubicBezTo>
+                  <a:pt x="291965" y="19429"/>
+                  <a:pt x="363155" y="8568"/>
+                  <a:pt x="618468" y="0"/>
+                </a:cubicBezTo>
+                <a:cubicBezTo>
+                  <a:pt x="873781" y="-8568"/>
+                  <a:pt x="904459" y="-19505"/>
+                  <a:pt x="1171834" y="0"/>
+                </a:cubicBezTo>
+                <a:cubicBezTo>
+                  <a:pt x="1439209" y="19505"/>
+                  <a:pt x="1744369" y="9790"/>
+                  <a:pt x="1887955" y="0"/>
+                </a:cubicBezTo>
+                <a:cubicBezTo>
+                  <a:pt x="2031541" y="-9790"/>
+                  <a:pt x="2346378" y="21240"/>
+                  <a:pt x="2506423" y="0"/>
+                </a:cubicBezTo>
+                <a:cubicBezTo>
+                  <a:pt x="2666468" y="-21240"/>
+                  <a:pt x="2990257" y="30414"/>
+                  <a:pt x="3255095" y="0"/>
+                </a:cubicBezTo>
+                <a:cubicBezTo>
+                  <a:pt x="3254831" y="4493"/>
+                  <a:pt x="3255479" y="9472"/>
+                  <a:pt x="3255095" y="18288"/>
+                </a:cubicBezTo>
+                <a:cubicBezTo>
+                  <a:pt x="3120743" y="16690"/>
+                  <a:pt x="2759628" y="42462"/>
+                  <a:pt x="2604076" y="18288"/>
+                </a:cubicBezTo>
+                <a:cubicBezTo>
+                  <a:pt x="2448524" y="-5886"/>
+                  <a:pt x="2184336" y="19599"/>
+                  <a:pt x="1887955" y="18288"/>
+                </a:cubicBezTo>
+                <a:cubicBezTo>
+                  <a:pt x="1591574" y="16977"/>
+                  <a:pt x="1548845" y="6870"/>
+                  <a:pt x="1334589" y="18288"/>
+                </a:cubicBezTo>
+                <a:cubicBezTo>
+                  <a:pt x="1120333" y="29706"/>
+                  <a:pt x="996014" y="9662"/>
+                  <a:pt x="683570" y="18288"/>
+                </a:cubicBezTo>
+                <a:cubicBezTo>
+                  <a:pt x="371126" y="26914"/>
+                  <a:pt x="198687" y="16167"/>
+                  <a:pt x="0" y="18288"/>
+                </a:cubicBezTo>
+                <a:cubicBezTo>
+                  <a:pt x="843" y="9577"/>
+                  <a:pt x="371" y="6900"/>
+                  <a:pt x="0" y="0"/>
+                </a:cubicBezTo>
+                <a:close/>
+              </a:path>
+            </a:pathLst>
+          </a:custGeom>
+          <a:solidFill>
+            <a:schemeClr val="accent2"/>
+          </a:solidFill>
+          <a:ln w="38100" cap="rnd">
+            <a:solidFill>
+              <a:schemeClr val="accent2"/>
+            </a:solidFill>
+            <a:round/>
+            <a:extLst>
+              <a:ext uri="{C807C97D-BFC1-408E-A445-0C87EB9F89A2}">
+                <ask:lineSketchStyleProps xmlns:ask="http://schemas.microsoft.com/office/drawing/2018/sketchyshapes" sd="1219033472">
+                  <a:prstGeom prst="rect">
+                    <a:avLst/>
+                  </a:prstGeom>
+                  <ask:type>
+                    <ask:lineSketchFreehand/>
+                  </ask:type>
+                </ask:lineSketchStyleProps>
+              </a:ext>
+            </a:extLst>
+          </a:ln>
+        </p:spPr>
+        <p:style>
+          <a:lnRef idx="2">
+            <a:schemeClr val="accent1">
+              <a:shade val="50000"/>
+            </a:schemeClr>
+          </a:lnRef>
+          <a:fillRef idx="1">
+            <a:schemeClr val="accent1"/>
+          </a:fillRef>
+          <a:effectRef idx="0">
+            <a:schemeClr val="accent1"/>
+          </a:effectRef>
+          <a:fontRef idx="minor">
+            <a:schemeClr val="lt1"/>
+          </a:fontRef>
+        </p:style>
+        <p:txBody>
+          <a:bodyPr rtlCol="0" anchor="ctr"/>
+          <a:lstStyle/>
+          <a:p>
+            <a:pPr algn="ctr"/>
+            <a:endParaRPr lang="en-US"/>
+          </a:p>
+        </p:txBody>
+      </p:sp>
+      <p:sp>
+        <p:nvSpPr>
+          <p:cNvPr id="3" name="Content Placeholder 2">
+            <a:extLst>
+              <a:ext uri="{FF2B5EF4-FFF2-40B4-BE49-F238E27FC236}">
+                <a16:creationId xmlns:a16="http://schemas.microsoft.com/office/drawing/2014/main" id="{4AC4991A-5557-1EEF-D917-7811A524FFF6}"/>
+              </a:ext>
+            </a:extLst>
+          </p:cNvPr>
+          <p:cNvSpPr>
+            <a:spLocks noGrp="1"/>
+          </p:cNvSpPr>
+          <p:nvPr>
+            <p:ph idx="1"/>
+          </p:nvPr>
+        </p:nvSpPr>
+        <p:spPr>
+          <a:xfrm>
+            <a:off x="7117240" y="2479766"/>
+            <a:ext cx="4131784" cy="3550789"/>
+          </a:xfrm>
+        </p:spPr>
+        <p:txBody>
+          <a:bodyPr anchor="t">
+            <a:normAutofit/>
+          </a:bodyPr>
+          <a:lstStyle/>
+          <a:p>
+            <a:r>
+              <a:rPr lang="cs-CZ" sz="1500" dirty="0"/>
+              <a:t>Our columns all loaded with object types – needed to be re-typed</a:t>
+            </a:r>
+          </a:p>
+          <a:p>
+            <a:r>
+              <a:rPr lang="cs-CZ" sz="1500" dirty="0"/>
+              <a:t>No missing values were find</a:t>
+            </a:r>
+          </a:p>
+          <a:p>
+            <a:r>
+              <a:rPr lang="cs-CZ" sz="1500" dirty="0"/>
+              <a:t>Only a small fraction (0.18%) of all rows were marked as fraud</a:t>
+            </a:r>
+          </a:p>
+          <a:p>
+            <a:endParaRPr lang="cs-CZ" sz="2200" dirty="0"/>
+          </a:p>
+        </p:txBody>
+      </p:sp>
+      <p:pic>
+        <p:nvPicPr>
+          <p:cNvPr id="7" name="Picture 6" descr="Financial graphs on a dark display">
+            <a:extLst>
+              <a:ext uri="{FF2B5EF4-FFF2-40B4-BE49-F238E27FC236}">
+                <a16:creationId xmlns:a16="http://schemas.microsoft.com/office/drawing/2014/main" id="{230AB651-337C-D5F0-F7BF-CD688E1795E8}"/>
+              </a:ext>
+            </a:extLst>
+          </p:cNvPr>
+          <p:cNvPicPr>
+            <a:picLocks noChangeAspect="1"/>
+          </p:cNvPicPr>
+          <p:nvPr/>
+        </p:nvPicPr>
+        <p:blipFill rotWithShape="1">
+          <a:blip r:embed="rId2"/>
+          <a:srcRect l="15752" r="21559"/>
+          <a:stretch/>
+        </p:blipFill>
+        <p:spPr>
+          <a:xfrm rot="10800000">
+            <a:off x="0" y="0"/>
+            <a:ext cx="6861368" cy="6840636"/>
+          </a:xfrm>
+          <a:custGeom>
+            <a:avLst/>
+            <a:gdLst/>
+            <a:ahLst/>
+            <a:cxnLst/>
+            <a:rect l="l" t="t" r="r" b="b"/>
+            <a:pathLst>
+              <a:path w="6878775" h="6858000">
+                <a:moveTo>
+                  <a:pt x="1102973" y="0"/>
+                </a:moveTo>
+                <a:lnTo>
+                  <a:pt x="1160688" y="0"/>
+                </a:lnTo>
+                <a:lnTo>
+                  <a:pt x="983189" y="331786"/>
+                </a:lnTo>
+                <a:cubicBezTo>
+                  <a:pt x="914866" y="469145"/>
+                  <a:pt x="850355" y="608712"/>
+                  <a:pt x="789261" y="750263"/>
+                </a:cubicBezTo>
+                <a:cubicBezTo>
+                  <a:pt x="774307" y="784928"/>
+                  <a:pt x="759992" y="819849"/>
+                  <a:pt x="745295" y="854514"/>
+                </a:cubicBezTo>
+                <a:cubicBezTo>
+                  <a:pt x="756682" y="845393"/>
+                  <a:pt x="765489" y="833492"/>
+                  <a:pt x="770857" y="819975"/>
+                </a:cubicBezTo>
+                <a:cubicBezTo>
+                  <a:pt x="879943" y="589569"/>
+                  <a:pt x="999605" y="365513"/>
+                  <a:pt x="1131329" y="148742"/>
+                </a:cubicBezTo>
+                <a:lnTo>
+                  <a:pt x="1227589" y="0"/>
+                </a:lnTo>
+                <a:lnTo>
+                  <a:pt x="6878775" y="0"/>
+                </a:lnTo>
+                <a:lnTo>
+                  <a:pt x="6878775" y="6858000"/>
+                </a:lnTo>
+                <a:lnTo>
+                  <a:pt x="713521" y="6858000"/>
+                </a:lnTo>
+                <a:lnTo>
+                  <a:pt x="625642" y="6670527"/>
+                </a:lnTo>
+                <a:cubicBezTo>
+                  <a:pt x="507232" y="6398531"/>
+                  <a:pt x="403083" y="6118381"/>
+                  <a:pt x="312785" y="5830359"/>
+                </a:cubicBezTo>
+                <a:cubicBezTo>
+                  <a:pt x="278149" y="5719759"/>
+                  <a:pt x="248879" y="5607635"/>
+                  <a:pt x="212198" y="5480401"/>
+                </a:cubicBezTo>
+                <a:cubicBezTo>
+                  <a:pt x="212208" y="5491601"/>
+                  <a:pt x="212803" y="5502788"/>
+                  <a:pt x="213988" y="5513923"/>
+                </a:cubicBezTo>
+                <a:cubicBezTo>
+                  <a:pt x="264089" y="5723695"/>
+                  <a:pt x="307290" y="5935370"/>
+                  <a:pt x="365826" y="6142729"/>
+                </a:cubicBezTo>
+                <a:cubicBezTo>
+                  <a:pt x="433152" y="6380817"/>
+                  <a:pt x="510068" y="6614016"/>
+                  <a:pt x="597975" y="6841549"/>
+                </a:cubicBezTo>
+                <a:lnTo>
+                  <a:pt x="604824" y="6858000"/>
+                </a:lnTo>
+                <a:lnTo>
+                  <a:pt x="552056" y="6858000"/>
+                </a:lnTo>
+                <a:lnTo>
+                  <a:pt x="539576" y="6828295"/>
+                </a:lnTo>
+                <a:cubicBezTo>
+                  <a:pt x="380597" y="6414594"/>
+                  <a:pt x="260223" y="5988893"/>
+                  <a:pt x="171555" y="5552906"/>
+                </a:cubicBezTo>
+                <a:cubicBezTo>
+                  <a:pt x="91163" y="5157998"/>
+                  <a:pt x="43746" y="4758899"/>
+                  <a:pt x="12305" y="4357388"/>
+                </a:cubicBezTo>
+                <a:cubicBezTo>
+                  <a:pt x="-14281" y="4013908"/>
+                  <a:pt x="4507" y="3672965"/>
+                  <a:pt x="46684" y="3331516"/>
+                </a:cubicBezTo>
+                <a:cubicBezTo>
+                  <a:pt x="127203" y="2664286"/>
+                  <a:pt x="277819" y="2007265"/>
+                  <a:pt x="496065" y="1371196"/>
+                </a:cubicBezTo>
+                <a:cubicBezTo>
+                  <a:pt x="636273" y="966066"/>
+                  <a:pt x="800445" y="573253"/>
+                  <a:pt x="995723" y="196614"/>
+                </a:cubicBezTo>
+                <a:close/>
+              </a:path>
+            </a:pathLst>
+          </a:custGeom>
+        </p:spPr>
+      </p:pic>
+    </p:spTree>
+    <p:extLst>
+      <p:ext uri="{BB962C8B-B14F-4D97-AF65-F5344CB8AC3E}">
+        <p14:creationId xmlns:p14="http://schemas.microsoft.com/office/powerpoint/2010/main" val="3026032238"/>
+      </p:ext>
+    </p:extLst>
+  </p:cSld>
+  <p:clrMapOvr>
+    <a:masterClrMapping/>
+  </p:clrMapOvr>
+</p:sld>
+</file>
+
+<file path=ppt/slides/slide5.xml><?xml version="1.0" encoding="utf-8"?>
+<p:sld xmlns:a="http://schemas.openxmlformats.org/drawingml/2006/main" xmlns:r="http://schemas.openxmlformats.org/officeDocument/2006/relationships" xmlns:p="http://schemas.openxmlformats.org/presentationml/2006/main">
+  <p:cSld>
+    <p:spTree>
+      <p:nvGrpSpPr>
+        <p:cNvPr id="1" name=""/>
+        <p:cNvGrpSpPr/>
+        <p:nvPr/>
+      </p:nvGrpSpPr>
+      <p:grpSpPr>
+        <a:xfrm>
+          <a:off x="0" y="0"/>
+          <a:ext cx="0" cy="0"/>
+          <a:chOff x="0" y="0"/>
+          <a:chExt cx="0" cy="0"/>
+        </a:xfrm>
+      </p:grpSpPr>
+      <p:sp>
+        <p:nvSpPr>
+          <p:cNvPr id="3" name="Content Placeholder 2">
+            <a:extLst>
+              <a:ext uri="{FF2B5EF4-FFF2-40B4-BE49-F238E27FC236}">
+                <a16:creationId xmlns:a16="http://schemas.microsoft.com/office/drawing/2014/main" id="{178AE3D9-E658-44EC-78F8-3BC001CD47AA}"/>
+              </a:ext>
+            </a:extLst>
+          </p:cNvPr>
+          <p:cNvSpPr>
+            <a:spLocks noGrp="1"/>
+          </p:cNvSpPr>
+          <p:nvPr>
+            <p:ph idx="1"/>
+          </p:nvPr>
+        </p:nvSpPr>
+        <p:spPr>
+          <a:xfrm>
+            <a:off x="362993" y="2230209"/>
+            <a:ext cx="4681447" cy="917575"/>
+          </a:xfrm>
+        </p:spPr>
+        <p:txBody>
+          <a:bodyPr>
+            <a:normAutofit/>
+          </a:bodyPr>
+          <a:lstStyle/>
+          <a:p>
+            <a:r>
+              <a:rPr lang="cs-CZ" sz="1500" dirty="0"/>
+              <a:t>Only types  CASH_OUT and</a:t>
+            </a:r>
+            <a:endParaRPr lang="en-US" sz="1500" dirty="0"/>
+          </a:p>
+          <a:p>
+            <a:r>
+              <a:rPr lang="cs-CZ" sz="1500" dirty="0"/>
+              <a:t>TRANSFER were involved in a fraudulent transactions, with CASH_OUT being slightly more common</a:t>
+            </a:r>
+          </a:p>
+          <a:p>
+            <a:endParaRPr lang="cs-CZ" dirty="0"/>
+          </a:p>
+        </p:txBody>
+      </p:sp>
+      <p:pic>
+        <p:nvPicPr>
+          <p:cNvPr id="5" name="Picture 4">
+            <a:extLst>
+              <a:ext uri="{FF2B5EF4-FFF2-40B4-BE49-F238E27FC236}">
+                <a16:creationId xmlns:a16="http://schemas.microsoft.com/office/drawing/2014/main" id="{08AEA36D-FD5F-DEAF-9068-480266E43019}"/>
+              </a:ext>
+            </a:extLst>
+          </p:cNvPr>
+          <p:cNvPicPr>
+            <a:picLocks noChangeAspect="1"/>
+          </p:cNvPicPr>
+          <p:nvPr/>
+        </p:nvPicPr>
+        <p:blipFill>
+          <a:blip r:embed="rId2"/>
+          <a:stretch>
+            <a:fillRect/>
+          </a:stretch>
+        </p:blipFill>
+        <p:spPr>
+          <a:xfrm>
+            <a:off x="663741" y="3327507"/>
+            <a:ext cx="4563579" cy="3350772"/>
+          </a:xfrm>
+          <a:prstGeom prst="rect">
+            <a:avLst/>
+          </a:prstGeom>
+        </p:spPr>
+      </p:pic>
+      <p:pic>
+        <p:nvPicPr>
+          <p:cNvPr id="4" name="Picture 3" descr="Financial graphs on a dark display">
+            <a:extLst>
+              <a:ext uri="{FF2B5EF4-FFF2-40B4-BE49-F238E27FC236}">
+                <a16:creationId xmlns:a16="http://schemas.microsoft.com/office/drawing/2014/main" id="{F10AD751-982E-4514-8E0A-223308F76E0C}"/>
+              </a:ext>
+            </a:extLst>
+          </p:cNvPr>
+          <p:cNvPicPr>
+            <a:picLocks noChangeAspect="1"/>
+          </p:cNvPicPr>
+          <p:nvPr/>
+        </p:nvPicPr>
+        <p:blipFill rotWithShape="1">
+          <a:blip r:embed="rId3"/>
+          <a:srcRect l="15752" r="21559"/>
+          <a:stretch/>
+        </p:blipFill>
+        <p:spPr>
+          <a:xfrm>
+            <a:off x="5313225" y="0"/>
+            <a:ext cx="6878775" cy="6857990"/>
+          </a:xfrm>
+          <a:custGeom>
+            <a:avLst/>
+            <a:gdLst/>
+            <a:ahLst/>
+            <a:cxnLst/>
+            <a:rect l="l" t="t" r="r" b="b"/>
+            <a:pathLst>
+              <a:path w="6878775" h="6858000">
+                <a:moveTo>
+                  <a:pt x="1102973" y="0"/>
+                </a:moveTo>
+                <a:lnTo>
+                  <a:pt x="1160688" y="0"/>
+                </a:lnTo>
+                <a:lnTo>
+                  <a:pt x="983189" y="331786"/>
+                </a:lnTo>
+                <a:cubicBezTo>
+                  <a:pt x="914866" y="469145"/>
+                  <a:pt x="850355" y="608712"/>
+                  <a:pt x="789261" y="750263"/>
+                </a:cubicBezTo>
+                <a:cubicBezTo>
+                  <a:pt x="774307" y="784928"/>
+                  <a:pt x="759992" y="819849"/>
+                  <a:pt x="745295" y="854514"/>
+                </a:cubicBezTo>
+                <a:cubicBezTo>
+                  <a:pt x="756682" y="845393"/>
+                  <a:pt x="765489" y="833492"/>
+                  <a:pt x="770857" y="819975"/>
+                </a:cubicBezTo>
+                <a:cubicBezTo>
+                  <a:pt x="879943" y="589569"/>
+                  <a:pt x="999605" y="365513"/>
+                  <a:pt x="1131329" y="148742"/>
+                </a:cubicBezTo>
+                <a:lnTo>
+                  <a:pt x="1227589" y="0"/>
+                </a:lnTo>
+                <a:lnTo>
+                  <a:pt x="6878775" y="0"/>
+                </a:lnTo>
+                <a:lnTo>
+                  <a:pt x="6878775" y="6858000"/>
+                </a:lnTo>
+                <a:lnTo>
+                  <a:pt x="713521" y="6858000"/>
+                </a:lnTo>
+                <a:lnTo>
+                  <a:pt x="625642" y="6670527"/>
+                </a:lnTo>
+                <a:cubicBezTo>
+                  <a:pt x="507232" y="6398531"/>
+                  <a:pt x="403083" y="6118381"/>
+                  <a:pt x="312785" y="5830359"/>
+                </a:cubicBezTo>
+                <a:cubicBezTo>
+                  <a:pt x="278149" y="5719759"/>
+                  <a:pt x="248879" y="5607635"/>
+                  <a:pt x="212198" y="5480401"/>
+                </a:cubicBezTo>
+                <a:cubicBezTo>
+                  <a:pt x="212208" y="5491601"/>
+                  <a:pt x="212803" y="5502788"/>
+                  <a:pt x="213988" y="5513923"/>
+                </a:cubicBezTo>
+                <a:cubicBezTo>
+                  <a:pt x="264089" y="5723695"/>
+                  <a:pt x="307290" y="5935370"/>
+                  <a:pt x="365826" y="6142729"/>
+                </a:cubicBezTo>
+                <a:cubicBezTo>
+                  <a:pt x="433152" y="6380817"/>
+                  <a:pt x="510068" y="6614016"/>
+                  <a:pt x="597975" y="6841549"/>
+                </a:cubicBezTo>
+                <a:lnTo>
+                  <a:pt x="604824" y="6858000"/>
+                </a:lnTo>
+                <a:lnTo>
+                  <a:pt x="552056" y="6858000"/>
+                </a:lnTo>
+                <a:lnTo>
+                  <a:pt x="539576" y="6828295"/>
+                </a:lnTo>
+                <a:cubicBezTo>
+                  <a:pt x="380597" y="6414594"/>
+                  <a:pt x="260223" y="5988893"/>
+                  <a:pt x="171555" y="5552906"/>
+                </a:cubicBezTo>
+                <a:cubicBezTo>
+                  <a:pt x="91163" y="5157998"/>
+                  <a:pt x="43746" y="4758899"/>
+                  <a:pt x="12305" y="4357388"/>
+                </a:cubicBezTo>
+                <a:cubicBezTo>
+                  <a:pt x="-14281" y="4013908"/>
+                  <a:pt x="4507" y="3672965"/>
+                  <a:pt x="46684" y="3331516"/>
+                </a:cubicBezTo>
+                <a:cubicBezTo>
+                  <a:pt x="127203" y="2664286"/>
+                  <a:pt x="277819" y="2007265"/>
+                  <a:pt x="496065" y="1371196"/>
+                </a:cubicBezTo>
+                <a:cubicBezTo>
+                  <a:pt x="636273" y="966066"/>
+                  <a:pt x="800445" y="573253"/>
+                  <a:pt x="995723" y="196614"/>
+                </a:cubicBezTo>
+                <a:close/>
+              </a:path>
+            </a:pathLst>
+          </a:custGeom>
+        </p:spPr>
+      </p:pic>
+      <p:sp>
+        <p:nvSpPr>
+          <p:cNvPr id="2" name="Title 1">
+            <a:extLst>
+              <a:ext uri="{FF2B5EF4-FFF2-40B4-BE49-F238E27FC236}">
+                <a16:creationId xmlns:a16="http://schemas.microsoft.com/office/drawing/2014/main" id="{D47B4853-9488-A0D3-A41E-36205F474BCE}"/>
+              </a:ext>
+            </a:extLst>
+          </p:cNvPr>
+          <p:cNvSpPr>
+            <a:spLocks noGrp="1"/>
+          </p:cNvSpPr>
+          <p:nvPr>
+            <p:ph type="title"/>
+          </p:nvPr>
+        </p:nvSpPr>
+        <p:spPr>
+          <a:xfrm>
+            <a:off x="378233" y="179723"/>
+            <a:ext cx="5394960" cy="1443355"/>
+          </a:xfrm>
+        </p:spPr>
+        <p:txBody>
+          <a:bodyPr>
+            <a:noAutofit/>
+          </a:bodyPr>
+          <a:lstStyle/>
+          <a:p>
+            <a:r>
+              <a:rPr lang="cs-CZ" sz="5400" b="1" dirty="0"/>
+              <a:t>Exploratory Data Analysis Insights</a:t>
+            </a:r>
+          </a:p>
+        </p:txBody>
+      </p:sp>
+      <p:pic>
+        <p:nvPicPr>
+          <p:cNvPr id="7" name="Picture 6">
+            <a:extLst>
+              <a:ext uri="{FF2B5EF4-FFF2-40B4-BE49-F238E27FC236}">
+                <a16:creationId xmlns:a16="http://schemas.microsoft.com/office/drawing/2014/main" id="{FCA62505-3769-C6DF-01AC-25D7009A0BFC}"/>
+              </a:ext>
+            </a:extLst>
+          </p:cNvPr>
+          <p:cNvPicPr>
+            <a:picLocks noChangeAspect="1"/>
+          </p:cNvPicPr>
+          <p:nvPr/>
+        </p:nvPicPr>
+        <p:blipFill>
+          <a:blip r:embed="rId4"/>
+          <a:stretch>
+            <a:fillRect/>
+          </a:stretch>
+        </p:blipFill>
+        <p:spPr>
+          <a:xfrm>
+            <a:off x="362993" y="1802801"/>
+            <a:ext cx="4864327" cy="247685"/>
+          </a:xfrm>
+          <a:prstGeom prst="rect">
+            <a:avLst/>
+          </a:prstGeom>
+        </p:spPr>
+      </p:pic>
+    </p:spTree>
+    <p:extLst>
+      <p:ext uri="{BB962C8B-B14F-4D97-AF65-F5344CB8AC3E}">
+        <p14:creationId xmlns:p14="http://schemas.microsoft.com/office/powerpoint/2010/main" val="853935010"/>
+      </p:ext>
+    </p:extLst>
+  </p:cSld>
+  <p:clrMapOvr>
+    <a:masterClrMapping/>
+  </p:clrMapOvr>
+</p:sld>
+</file>
+
+<file path=ppt/slides/slide6.xml><?xml version="1.0" encoding="utf-8"?>
+<p:sld xmlns:a="http://schemas.openxmlformats.org/drawingml/2006/main" xmlns:r="http://schemas.openxmlformats.org/officeDocument/2006/relationships" xmlns:p="http://schemas.openxmlformats.org/presentationml/2006/main">
+  <p:cSld>
+    <p:spTree>
+      <p:nvGrpSpPr>
+        <p:cNvPr id="1" name=""/>
+        <p:cNvGrpSpPr/>
+        <p:nvPr/>
+      </p:nvGrpSpPr>
+      <p:grpSpPr>
+        <a:xfrm>
+          <a:off x="0" y="0"/>
+          <a:ext cx="0" cy="0"/>
+          <a:chOff x="0" y="0"/>
+          <a:chExt cx="0" cy="0"/>
+        </a:xfrm>
+      </p:grpSpPr>
+      <p:sp>
+        <p:nvSpPr>
+          <p:cNvPr id="2" name="Title 1">
+            <a:extLst>
+              <a:ext uri="{FF2B5EF4-FFF2-40B4-BE49-F238E27FC236}">
+                <a16:creationId xmlns:a16="http://schemas.microsoft.com/office/drawing/2014/main" id="{D47B4853-9488-A0D3-A41E-36205F474BCE}"/>
+              </a:ext>
+            </a:extLst>
+          </p:cNvPr>
+          <p:cNvSpPr>
+            <a:spLocks noGrp="1"/>
+          </p:cNvSpPr>
+          <p:nvPr>
+            <p:ph type="title"/>
+          </p:nvPr>
+        </p:nvSpPr>
+        <p:spPr>
+          <a:xfrm>
+            <a:off x="6939583" y="311191"/>
+            <a:ext cx="5144483" cy="1772603"/>
+          </a:xfrm>
+        </p:spPr>
+        <p:txBody>
+          <a:bodyPr>
+            <a:noAutofit/>
+          </a:bodyPr>
+          <a:lstStyle/>
+          <a:p>
+            <a:r>
+              <a:rPr lang="cs-CZ" sz="5400" b="1" dirty="0" err="1"/>
+              <a:t>Exploratory</a:t>
+            </a:r>
+            <a:r>
+              <a:rPr lang="cs-CZ" sz="5400" b="1" dirty="0"/>
+              <a:t> Data </a:t>
+            </a:r>
+            <a:r>
+              <a:rPr lang="cs-CZ" sz="5400" b="1" dirty="0" err="1"/>
+              <a:t>Analysis</a:t>
+            </a:r>
+            <a:r>
+              <a:rPr lang="cs-CZ" sz="5400" b="1" dirty="0"/>
+              <a:t> - </a:t>
+            </a:r>
+            <a:r>
+              <a:rPr lang="cs-CZ" sz="5400" b="1" dirty="0" err="1"/>
+              <a:t>Insights</a:t>
+            </a:r>
+            <a:endParaRPr lang="cs-CZ" sz="5400" b="1" dirty="0"/>
+          </a:p>
+        </p:txBody>
+      </p:sp>
+      <p:sp>
+        <p:nvSpPr>
+          <p:cNvPr id="3" name="Content Placeholder 2">
+            <a:extLst>
+              <a:ext uri="{FF2B5EF4-FFF2-40B4-BE49-F238E27FC236}">
+                <a16:creationId xmlns:a16="http://schemas.microsoft.com/office/drawing/2014/main" id="{178AE3D9-E658-44EC-78F8-3BC001CD47AA}"/>
+              </a:ext>
+            </a:extLst>
+          </p:cNvPr>
+          <p:cNvSpPr>
+            <a:spLocks noGrp="1"/>
+          </p:cNvSpPr>
+          <p:nvPr>
+            <p:ph idx="1"/>
+          </p:nvPr>
+        </p:nvSpPr>
+        <p:spPr>
+          <a:xfrm>
+            <a:off x="7071139" y="2953861"/>
+            <a:ext cx="4564380" cy="724059"/>
+          </a:xfrm>
+        </p:spPr>
+        <p:txBody>
+          <a:bodyPr>
+            <a:normAutofit/>
+          </a:bodyPr>
+          <a:lstStyle/>
+          <a:p>
+            <a:r>
+              <a:rPr lang="cs-CZ" sz="1500" dirty="0" err="1"/>
+              <a:t>We</a:t>
+            </a:r>
+            <a:r>
+              <a:rPr lang="cs-CZ" sz="1500" dirty="0"/>
+              <a:t> </a:t>
+            </a:r>
+            <a:r>
+              <a:rPr lang="cs-CZ" sz="1500" dirty="0" err="1"/>
+              <a:t>found</a:t>
+            </a:r>
+            <a:r>
+              <a:rPr lang="cs-CZ" sz="1500" dirty="0"/>
+              <a:t> a </a:t>
+            </a:r>
+            <a:r>
+              <a:rPr lang="cs-CZ" sz="1500" dirty="0" err="1"/>
+              <a:t>distinct</a:t>
+            </a:r>
+            <a:r>
+              <a:rPr lang="cs-CZ" sz="1500" dirty="0"/>
+              <a:t> </a:t>
+            </a:r>
+            <a:r>
+              <a:rPr lang="cs-CZ" sz="1500" dirty="0" err="1"/>
+              <a:t>pattern</a:t>
+            </a:r>
+            <a:r>
+              <a:rPr lang="cs-CZ" sz="1500" dirty="0"/>
+              <a:t> </a:t>
+            </a:r>
+            <a:r>
+              <a:rPr lang="cs-CZ" sz="1500" dirty="0" err="1"/>
+              <a:t>of</a:t>
+            </a:r>
+            <a:r>
+              <a:rPr lang="cs-CZ" sz="1500" dirty="0"/>
+              <a:t> </a:t>
+            </a:r>
+            <a:r>
+              <a:rPr lang="cs-CZ" sz="1500" dirty="0" err="1"/>
+              <a:t>transactions</a:t>
+            </a:r>
+            <a:r>
+              <a:rPr lang="cs-CZ" sz="1500" dirty="0"/>
+              <a:t> </a:t>
+            </a:r>
+            <a:r>
+              <a:rPr lang="cs-CZ" sz="1500" dirty="0" err="1"/>
+              <a:t>being</a:t>
+            </a:r>
+            <a:r>
+              <a:rPr lang="cs-CZ" sz="1500" dirty="0"/>
+              <a:t> </a:t>
+            </a:r>
+            <a:r>
+              <a:rPr lang="cs-CZ" sz="1500" dirty="0" err="1"/>
+              <a:t>marked</a:t>
+            </a:r>
+            <a:r>
+              <a:rPr lang="cs-CZ" sz="1500" dirty="0"/>
+              <a:t> as </a:t>
+            </a:r>
+            <a:r>
+              <a:rPr lang="cs-CZ" sz="1500" dirty="0" err="1"/>
+              <a:t>Fraud</a:t>
+            </a:r>
+            <a:r>
+              <a:rPr lang="cs-CZ" sz="1500" dirty="0"/>
+              <a:t> </a:t>
+            </a:r>
+            <a:r>
+              <a:rPr lang="cs-CZ" sz="1500" dirty="0" err="1"/>
+              <a:t>if</a:t>
+            </a:r>
+            <a:r>
+              <a:rPr lang="cs-CZ" sz="1500" dirty="0"/>
+              <a:t> </a:t>
+            </a:r>
+            <a:r>
+              <a:rPr lang="cs-CZ" sz="1500" dirty="0" err="1"/>
+              <a:t>both</a:t>
+            </a:r>
+            <a:r>
+              <a:rPr lang="cs-CZ" sz="1500" dirty="0"/>
+              <a:t> </a:t>
+            </a:r>
+            <a:r>
+              <a:rPr lang="cs-CZ" sz="1500" dirty="0" err="1"/>
+              <a:t>old</a:t>
+            </a:r>
+            <a:r>
+              <a:rPr lang="cs-CZ" sz="1500" dirty="0"/>
+              <a:t> and </a:t>
+            </a:r>
+            <a:r>
+              <a:rPr lang="cs-CZ" sz="1500" dirty="0" err="1"/>
+              <a:t>new</a:t>
+            </a:r>
+            <a:r>
+              <a:rPr lang="cs-CZ" sz="1500" dirty="0"/>
+              <a:t> balance on </a:t>
+            </a:r>
+            <a:r>
+              <a:rPr lang="cs-CZ" sz="1500" dirty="0" err="1"/>
+              <a:t>destination</a:t>
+            </a:r>
+            <a:r>
+              <a:rPr lang="cs-CZ" sz="1500" dirty="0"/>
+              <a:t> </a:t>
+            </a:r>
+            <a:r>
+              <a:rPr lang="cs-CZ" sz="1500" dirty="0" err="1"/>
+              <a:t>accounts</a:t>
+            </a:r>
+            <a:r>
+              <a:rPr lang="cs-CZ" sz="1500" dirty="0"/>
+              <a:t> </a:t>
+            </a:r>
+            <a:r>
+              <a:rPr lang="cs-CZ" sz="1500" dirty="0" err="1"/>
+              <a:t>were</a:t>
+            </a:r>
+            <a:r>
+              <a:rPr lang="cs-CZ" sz="1500" dirty="0"/>
+              <a:t> 0</a:t>
+            </a:r>
+          </a:p>
+        </p:txBody>
+      </p:sp>
+      <p:pic>
+        <p:nvPicPr>
+          <p:cNvPr id="4" name="Picture 3" descr="Financial graphs on a dark display">
+            <a:extLst>
+              <a:ext uri="{FF2B5EF4-FFF2-40B4-BE49-F238E27FC236}">
+                <a16:creationId xmlns:a16="http://schemas.microsoft.com/office/drawing/2014/main" id="{8F574E4D-61BF-2C0D-65CB-A11D786AAAEC}"/>
+              </a:ext>
+            </a:extLst>
+          </p:cNvPr>
+          <p:cNvPicPr>
+            <a:picLocks noChangeAspect="1"/>
+          </p:cNvPicPr>
+          <p:nvPr/>
+        </p:nvPicPr>
+        <p:blipFill rotWithShape="1">
+          <a:blip r:embed="rId2"/>
+          <a:srcRect l="15752" r="21559"/>
+          <a:stretch/>
+        </p:blipFill>
+        <p:spPr>
+          <a:xfrm rot="10800000">
+            <a:off x="0" y="0"/>
+            <a:ext cx="6861368" cy="6840636"/>
+          </a:xfrm>
+          <a:custGeom>
+            <a:avLst/>
+            <a:gdLst/>
+            <a:ahLst/>
+            <a:cxnLst/>
+            <a:rect l="l" t="t" r="r" b="b"/>
+            <a:pathLst>
+              <a:path w="6878775" h="6858000">
+                <a:moveTo>
+                  <a:pt x="1102973" y="0"/>
+                </a:moveTo>
+                <a:lnTo>
+                  <a:pt x="1160688" y="0"/>
+                </a:lnTo>
+                <a:lnTo>
+                  <a:pt x="983189" y="331786"/>
+                </a:lnTo>
+                <a:cubicBezTo>
+                  <a:pt x="914866" y="469145"/>
+                  <a:pt x="850355" y="608712"/>
+                  <a:pt x="789261" y="750263"/>
+                </a:cubicBezTo>
+                <a:cubicBezTo>
+                  <a:pt x="774307" y="784928"/>
+                  <a:pt x="759992" y="819849"/>
+                  <a:pt x="745295" y="854514"/>
+                </a:cubicBezTo>
+                <a:cubicBezTo>
+                  <a:pt x="756682" y="845393"/>
+                  <a:pt x="765489" y="833492"/>
+                  <a:pt x="770857" y="819975"/>
+                </a:cubicBezTo>
+                <a:cubicBezTo>
+                  <a:pt x="879943" y="589569"/>
+                  <a:pt x="999605" y="365513"/>
+                  <a:pt x="1131329" y="148742"/>
+                </a:cubicBezTo>
+                <a:lnTo>
+                  <a:pt x="1227589" y="0"/>
+                </a:lnTo>
+                <a:lnTo>
+                  <a:pt x="6878775" y="0"/>
+                </a:lnTo>
+                <a:lnTo>
+                  <a:pt x="6878775" y="6858000"/>
+                </a:lnTo>
+                <a:lnTo>
+                  <a:pt x="713521" y="6858000"/>
+                </a:lnTo>
+                <a:lnTo>
+                  <a:pt x="625642" y="6670527"/>
+                </a:lnTo>
+                <a:cubicBezTo>
+                  <a:pt x="507232" y="6398531"/>
+                  <a:pt x="403083" y="6118381"/>
+                  <a:pt x="312785" y="5830359"/>
+                </a:cubicBezTo>
+                <a:cubicBezTo>
+                  <a:pt x="278149" y="5719759"/>
+                  <a:pt x="248879" y="5607635"/>
+                  <a:pt x="212198" y="5480401"/>
+                </a:cubicBezTo>
+                <a:cubicBezTo>
+                  <a:pt x="212208" y="5491601"/>
+                  <a:pt x="212803" y="5502788"/>
+                  <a:pt x="213988" y="5513923"/>
+                </a:cubicBezTo>
+                <a:cubicBezTo>
+                  <a:pt x="264089" y="5723695"/>
+                  <a:pt x="307290" y="5935370"/>
+                  <a:pt x="365826" y="6142729"/>
+                </a:cubicBezTo>
+                <a:cubicBezTo>
+                  <a:pt x="433152" y="6380817"/>
+                  <a:pt x="510068" y="6614016"/>
+                  <a:pt x="597975" y="6841549"/>
+                </a:cubicBezTo>
+                <a:lnTo>
+                  <a:pt x="604824" y="6858000"/>
+                </a:lnTo>
+                <a:lnTo>
+                  <a:pt x="552056" y="6858000"/>
+                </a:lnTo>
+                <a:lnTo>
+                  <a:pt x="539576" y="6828295"/>
+                </a:lnTo>
+                <a:cubicBezTo>
+                  <a:pt x="380597" y="6414594"/>
+                  <a:pt x="260223" y="5988893"/>
+                  <a:pt x="171555" y="5552906"/>
+                </a:cubicBezTo>
+                <a:cubicBezTo>
+                  <a:pt x="91163" y="5157998"/>
+                  <a:pt x="43746" y="4758899"/>
+                  <a:pt x="12305" y="4357388"/>
+                </a:cubicBezTo>
+                <a:cubicBezTo>
+                  <a:pt x="-14281" y="4013908"/>
+                  <a:pt x="4507" y="3672965"/>
+                  <a:pt x="46684" y="3331516"/>
+                </a:cubicBezTo>
+                <a:cubicBezTo>
+                  <a:pt x="127203" y="2664286"/>
+                  <a:pt x="277819" y="2007265"/>
+                  <a:pt x="496065" y="1371196"/>
+                </a:cubicBezTo>
+                <a:cubicBezTo>
+                  <a:pt x="636273" y="966066"/>
+                  <a:pt x="800445" y="573253"/>
+                  <a:pt x="995723" y="196614"/>
+                </a:cubicBezTo>
+                <a:close/>
+              </a:path>
+            </a:pathLst>
+          </a:custGeom>
+        </p:spPr>
+      </p:pic>
+      <p:pic>
+        <p:nvPicPr>
+          <p:cNvPr id="6" name="Picture 5">
+            <a:extLst>
+              <a:ext uri="{FF2B5EF4-FFF2-40B4-BE49-F238E27FC236}">
+                <a16:creationId xmlns:a16="http://schemas.microsoft.com/office/drawing/2014/main" id="{CA293B82-B4F9-DE53-DC79-1501EAC5C7BE}"/>
+              </a:ext>
+            </a:extLst>
+          </p:cNvPr>
+          <p:cNvPicPr>
+            <a:picLocks noChangeAspect="1"/>
+          </p:cNvPicPr>
+          <p:nvPr/>
+        </p:nvPicPr>
+        <p:blipFill>
+          <a:blip r:embed="rId3"/>
+          <a:stretch>
+            <a:fillRect/>
+          </a:stretch>
+        </p:blipFill>
+        <p:spPr>
+          <a:xfrm>
+            <a:off x="5144171" y="3989111"/>
+            <a:ext cx="6743029" cy="2557700"/>
+          </a:xfrm>
+          <a:prstGeom prst="rect">
+            <a:avLst/>
+          </a:prstGeom>
+        </p:spPr>
+      </p:pic>
+      <p:pic>
+        <p:nvPicPr>
+          <p:cNvPr id="7" name="Picture 6">
+            <a:extLst>
+              <a:ext uri="{FF2B5EF4-FFF2-40B4-BE49-F238E27FC236}">
+                <a16:creationId xmlns:a16="http://schemas.microsoft.com/office/drawing/2014/main" id="{2AB23A5F-769F-CE0A-C2BB-782901EFDA49}"/>
+              </a:ext>
+            </a:extLst>
+          </p:cNvPr>
+          <p:cNvPicPr>
+            <a:picLocks noChangeAspect="1"/>
+          </p:cNvPicPr>
+          <p:nvPr/>
+        </p:nvPicPr>
+        <p:blipFill>
+          <a:blip r:embed="rId4"/>
+          <a:stretch>
+            <a:fillRect/>
+          </a:stretch>
+        </p:blipFill>
+        <p:spPr>
+          <a:xfrm>
+            <a:off x="7071139" y="2394985"/>
+            <a:ext cx="4816061" cy="247685"/>
+          </a:xfrm>
+          <a:prstGeom prst="rect">
+            <a:avLst/>
+          </a:prstGeom>
+        </p:spPr>
+      </p:pic>
+    </p:spTree>
+    <p:extLst>
+      <p:ext uri="{BB962C8B-B14F-4D97-AF65-F5344CB8AC3E}">
+        <p14:creationId xmlns:p14="http://schemas.microsoft.com/office/powerpoint/2010/main" val="2476275341"/>
+      </p:ext>
+    </p:extLst>
+  </p:cSld>
+  <p:clrMapOvr>
+    <a:masterClrMapping/>
+  </p:clrMapOvr>
+</p:sld>
+</file>
+
+<file path=ppt/slides/slide7.xml><?xml version="1.0" encoding="utf-8"?>
+<p:sld xmlns:a="http://schemas.openxmlformats.org/drawingml/2006/main" xmlns:r="http://schemas.openxmlformats.org/officeDocument/2006/relationships" xmlns:p="http://schemas.openxmlformats.org/presentationml/2006/main">
+  <p:cSld>
+    <p:spTree>
+      <p:nvGrpSpPr>
+        <p:cNvPr id="1" name=""/>
+        <p:cNvGrpSpPr/>
+        <p:nvPr/>
+      </p:nvGrpSpPr>
+      <p:grpSpPr>
+        <a:xfrm>
+          <a:off x="0" y="0"/>
+          <a:ext cx="0" cy="0"/>
+          <a:chOff x="0" y="0"/>
+          <a:chExt cx="0" cy="0"/>
+        </a:xfrm>
+      </p:grpSpPr>
+      <p:sp>
+        <p:nvSpPr>
+          <p:cNvPr id="2" name="Title 1">
+            <a:extLst>
+              <a:ext uri="{FF2B5EF4-FFF2-40B4-BE49-F238E27FC236}">
+                <a16:creationId xmlns:a16="http://schemas.microsoft.com/office/drawing/2014/main" id="{D47B4853-9488-A0D3-A41E-36205F474BCE}"/>
+              </a:ext>
+            </a:extLst>
+          </p:cNvPr>
+          <p:cNvSpPr>
+            <a:spLocks noGrp="1"/>
+          </p:cNvSpPr>
+          <p:nvPr>
+            <p:ph type="title"/>
+          </p:nvPr>
+        </p:nvSpPr>
+        <p:spPr>
+          <a:xfrm>
+            <a:off x="518159" y="305259"/>
+            <a:ext cx="5177791" cy="1459123"/>
+          </a:xfrm>
+        </p:spPr>
+        <p:txBody>
+          <a:bodyPr>
+            <a:noAutofit/>
+          </a:bodyPr>
+          <a:lstStyle/>
+          <a:p>
+            <a:r>
+              <a:rPr lang="cs-CZ" sz="5400" b="1" dirty="0" err="1"/>
+              <a:t>Exploratory</a:t>
+            </a:r>
+            <a:r>
+              <a:rPr lang="cs-CZ" sz="5400" b="1" dirty="0"/>
+              <a:t> Data </a:t>
+            </a:r>
+            <a:r>
+              <a:rPr lang="cs-CZ" sz="5400" b="1" dirty="0" err="1"/>
+              <a:t>Analysis</a:t>
+            </a:r>
+            <a:r>
+              <a:rPr lang="cs-CZ" sz="5400" b="1" dirty="0"/>
+              <a:t> - </a:t>
+            </a:r>
+            <a:r>
+              <a:rPr lang="cs-CZ" sz="5400" b="1" dirty="0" err="1"/>
+              <a:t>Insights</a:t>
+            </a:r>
+            <a:endParaRPr lang="cs-CZ" sz="5400" dirty="0"/>
+          </a:p>
+        </p:txBody>
+      </p:sp>
+      <p:sp>
+        <p:nvSpPr>
+          <p:cNvPr id="3" name="Content Placeholder 2">
+            <a:extLst>
+              <a:ext uri="{FF2B5EF4-FFF2-40B4-BE49-F238E27FC236}">
+                <a16:creationId xmlns:a16="http://schemas.microsoft.com/office/drawing/2014/main" id="{178AE3D9-E658-44EC-78F8-3BC001CD47AA}"/>
+              </a:ext>
+            </a:extLst>
+          </p:cNvPr>
+          <p:cNvSpPr>
+            <a:spLocks noGrp="1"/>
+          </p:cNvSpPr>
+          <p:nvPr>
+            <p:ph idx="1"/>
+          </p:nvPr>
+        </p:nvSpPr>
+        <p:spPr>
+          <a:xfrm>
+            <a:off x="518160" y="2622585"/>
+            <a:ext cx="4644390" cy="791762"/>
+          </a:xfrm>
+        </p:spPr>
+        <p:txBody>
+          <a:bodyPr>
+            <a:normAutofit/>
+          </a:bodyPr>
+          <a:lstStyle/>
+          <a:p>
+            <a:r>
+              <a:rPr lang="cs-CZ" sz="1500" dirty="0"/>
+              <a:t>Most </a:t>
+            </a:r>
+            <a:r>
+              <a:rPr lang="cs-CZ" sz="1500" dirty="0" err="1"/>
+              <a:t>of</a:t>
+            </a:r>
+            <a:r>
+              <a:rPr lang="cs-CZ" sz="1500" dirty="0"/>
+              <a:t> CASH_OUT </a:t>
+            </a:r>
+            <a:r>
+              <a:rPr lang="cs-CZ" sz="1500" dirty="0" err="1"/>
+              <a:t>Frauds</a:t>
+            </a:r>
+            <a:r>
+              <a:rPr lang="cs-CZ" sz="1500" dirty="0"/>
+              <a:t> </a:t>
+            </a:r>
+            <a:r>
+              <a:rPr lang="cs-CZ" sz="1500" dirty="0" err="1"/>
+              <a:t>ended</a:t>
+            </a:r>
+            <a:r>
+              <a:rPr lang="cs-CZ" sz="1500" dirty="0"/>
+              <a:t> </a:t>
+            </a:r>
+            <a:r>
+              <a:rPr lang="cs-CZ" sz="1500" dirty="0" err="1"/>
+              <a:t>with</a:t>
+            </a:r>
+            <a:r>
+              <a:rPr lang="cs-CZ" sz="1500" dirty="0"/>
+              <a:t> </a:t>
+            </a:r>
+            <a:r>
+              <a:rPr lang="cs-CZ" sz="1500" dirty="0" err="1"/>
+              <a:t>new</a:t>
+            </a:r>
+            <a:r>
+              <a:rPr lang="cs-CZ" sz="1500" dirty="0"/>
+              <a:t> balance on </a:t>
+            </a:r>
+            <a:r>
+              <a:rPr lang="cs-CZ" sz="1500" dirty="0" err="1"/>
+              <a:t>the</a:t>
+            </a:r>
+            <a:r>
+              <a:rPr lang="cs-CZ" sz="1500" dirty="0"/>
+              <a:t> </a:t>
+            </a:r>
+            <a:r>
+              <a:rPr lang="cs-CZ" sz="1500" dirty="0" err="1"/>
+              <a:t>original</a:t>
+            </a:r>
+            <a:r>
+              <a:rPr lang="cs-CZ" sz="1500" dirty="0"/>
+              <a:t> </a:t>
+            </a:r>
+            <a:r>
+              <a:rPr lang="cs-CZ" sz="1500" dirty="0" err="1"/>
+              <a:t>account</a:t>
+            </a:r>
+            <a:r>
+              <a:rPr lang="cs-CZ" sz="1500" dirty="0"/>
+              <a:t> </a:t>
+            </a:r>
+            <a:r>
+              <a:rPr lang="cs-CZ" sz="1500" dirty="0" err="1"/>
+              <a:t>being</a:t>
+            </a:r>
+            <a:r>
+              <a:rPr lang="cs-CZ" sz="1500" dirty="0"/>
+              <a:t> 0. </a:t>
+            </a:r>
+            <a:r>
+              <a:rPr lang="cs-CZ" sz="1500" dirty="0" err="1"/>
+              <a:t>The</a:t>
+            </a:r>
+            <a:r>
+              <a:rPr lang="cs-CZ" sz="1500" dirty="0"/>
+              <a:t> </a:t>
+            </a:r>
+            <a:r>
+              <a:rPr lang="cs-CZ" sz="1500" dirty="0" err="1"/>
+              <a:t>thieves</a:t>
+            </a:r>
+            <a:r>
+              <a:rPr lang="cs-CZ" sz="1500" dirty="0"/>
+              <a:t> </a:t>
+            </a:r>
+            <a:r>
+              <a:rPr lang="cs-CZ" sz="1500" dirty="0" err="1"/>
+              <a:t>probably</a:t>
+            </a:r>
+            <a:r>
+              <a:rPr lang="cs-CZ" sz="1500" dirty="0"/>
+              <a:t> </a:t>
+            </a:r>
+            <a:r>
+              <a:rPr lang="cs-CZ" sz="1500" dirty="0" err="1"/>
+              <a:t>picked</a:t>
+            </a:r>
+            <a:r>
+              <a:rPr lang="cs-CZ" sz="1500" dirty="0"/>
+              <a:t> </a:t>
+            </a:r>
+            <a:r>
+              <a:rPr lang="cs-CZ" sz="1500" dirty="0" err="1"/>
+              <a:t>the</a:t>
+            </a:r>
+            <a:r>
+              <a:rPr lang="cs-CZ" sz="1500" dirty="0"/>
+              <a:t> stolen </a:t>
+            </a:r>
+            <a:r>
+              <a:rPr lang="cs-CZ" sz="1500" dirty="0" err="1"/>
+              <a:t>account</a:t>
+            </a:r>
+            <a:r>
+              <a:rPr lang="cs-CZ" sz="1500" dirty="0"/>
+              <a:t> </a:t>
+            </a:r>
+            <a:r>
+              <a:rPr lang="cs-CZ" sz="1500" dirty="0" err="1"/>
+              <a:t>clean</a:t>
+            </a:r>
+            <a:r>
+              <a:rPr lang="cs-CZ" sz="1500" dirty="0"/>
+              <a:t>.</a:t>
+            </a:r>
+          </a:p>
+        </p:txBody>
+      </p:sp>
+      <p:pic>
+        <p:nvPicPr>
+          <p:cNvPr id="4" name="Picture 3" descr="Financial graphs on a dark display">
+            <a:extLst>
+              <a:ext uri="{FF2B5EF4-FFF2-40B4-BE49-F238E27FC236}">
+                <a16:creationId xmlns:a16="http://schemas.microsoft.com/office/drawing/2014/main" id="{1CFC2F49-2697-5F88-E651-0490FB2EDFA3}"/>
+              </a:ext>
+            </a:extLst>
+          </p:cNvPr>
+          <p:cNvPicPr>
+            <a:picLocks noChangeAspect="1"/>
+          </p:cNvPicPr>
+          <p:nvPr/>
+        </p:nvPicPr>
+        <p:blipFill rotWithShape="1">
+          <a:blip r:embed="rId2"/>
+          <a:srcRect l="15752" r="21559"/>
+          <a:stretch/>
+        </p:blipFill>
+        <p:spPr>
+          <a:xfrm>
+            <a:off x="5313225" y="0"/>
+            <a:ext cx="6878775" cy="6857990"/>
+          </a:xfrm>
+          <a:custGeom>
+            <a:avLst/>
+            <a:gdLst/>
+            <a:ahLst/>
+            <a:cxnLst/>
+            <a:rect l="l" t="t" r="r" b="b"/>
+            <a:pathLst>
+              <a:path w="6878775" h="6858000">
+                <a:moveTo>
+                  <a:pt x="1102973" y="0"/>
+                </a:moveTo>
+                <a:lnTo>
+                  <a:pt x="1160688" y="0"/>
+                </a:lnTo>
+                <a:lnTo>
+                  <a:pt x="983189" y="331786"/>
+                </a:lnTo>
+                <a:cubicBezTo>
+                  <a:pt x="914866" y="469145"/>
+                  <a:pt x="850355" y="608712"/>
+                  <a:pt x="789261" y="750263"/>
+                </a:cubicBezTo>
+                <a:cubicBezTo>
+                  <a:pt x="774307" y="784928"/>
+                  <a:pt x="759992" y="819849"/>
+                  <a:pt x="745295" y="854514"/>
+                </a:cubicBezTo>
+                <a:cubicBezTo>
+                  <a:pt x="756682" y="845393"/>
+                  <a:pt x="765489" y="833492"/>
+                  <a:pt x="770857" y="819975"/>
+                </a:cubicBezTo>
+                <a:cubicBezTo>
+                  <a:pt x="879943" y="589569"/>
+                  <a:pt x="999605" y="365513"/>
+                  <a:pt x="1131329" y="148742"/>
+                </a:cubicBezTo>
+                <a:lnTo>
+                  <a:pt x="1227589" y="0"/>
+                </a:lnTo>
+                <a:lnTo>
+                  <a:pt x="6878775" y="0"/>
+                </a:lnTo>
+                <a:lnTo>
+                  <a:pt x="6878775" y="6858000"/>
+                </a:lnTo>
+                <a:lnTo>
+                  <a:pt x="713521" y="6858000"/>
+                </a:lnTo>
+                <a:lnTo>
+                  <a:pt x="625642" y="6670527"/>
+                </a:lnTo>
+                <a:cubicBezTo>
+                  <a:pt x="507232" y="6398531"/>
+                  <a:pt x="403083" y="6118381"/>
+                  <a:pt x="312785" y="5830359"/>
+                </a:cubicBezTo>
+                <a:cubicBezTo>
+                  <a:pt x="278149" y="5719759"/>
+                  <a:pt x="248879" y="5607635"/>
+                  <a:pt x="212198" y="5480401"/>
+                </a:cubicBezTo>
+                <a:cubicBezTo>
+                  <a:pt x="212208" y="5491601"/>
+                  <a:pt x="212803" y="5502788"/>
+                  <a:pt x="213988" y="5513923"/>
+                </a:cubicBezTo>
+                <a:cubicBezTo>
+                  <a:pt x="264089" y="5723695"/>
+                  <a:pt x="307290" y="5935370"/>
+                  <a:pt x="365826" y="6142729"/>
+                </a:cubicBezTo>
+                <a:cubicBezTo>
+                  <a:pt x="433152" y="6380817"/>
+                  <a:pt x="510068" y="6614016"/>
+                  <a:pt x="597975" y="6841549"/>
+                </a:cubicBezTo>
+                <a:lnTo>
+                  <a:pt x="604824" y="6858000"/>
+                </a:lnTo>
+                <a:lnTo>
+                  <a:pt x="552056" y="6858000"/>
+                </a:lnTo>
+                <a:lnTo>
+                  <a:pt x="539576" y="6828295"/>
+                </a:lnTo>
+                <a:cubicBezTo>
+                  <a:pt x="380597" y="6414594"/>
+                  <a:pt x="260223" y="5988893"/>
+                  <a:pt x="171555" y="5552906"/>
+                </a:cubicBezTo>
+                <a:cubicBezTo>
+                  <a:pt x="91163" y="5157998"/>
+                  <a:pt x="43746" y="4758899"/>
+                  <a:pt x="12305" y="4357388"/>
+                </a:cubicBezTo>
+                <a:cubicBezTo>
+                  <a:pt x="-14281" y="4013908"/>
+                  <a:pt x="4507" y="3672965"/>
+                  <a:pt x="46684" y="3331516"/>
+                </a:cubicBezTo>
+                <a:cubicBezTo>
+                  <a:pt x="127203" y="2664286"/>
+                  <a:pt x="277819" y="2007265"/>
+                  <a:pt x="496065" y="1371196"/>
+                </a:cubicBezTo>
+                <a:cubicBezTo>
+                  <a:pt x="636273" y="966066"/>
+                  <a:pt x="800445" y="573253"/>
+                  <a:pt x="995723" y="196614"/>
+                </a:cubicBezTo>
+                <a:close/>
+              </a:path>
+            </a:pathLst>
+          </a:custGeom>
+        </p:spPr>
+      </p:pic>
+      <p:pic>
+        <p:nvPicPr>
+          <p:cNvPr id="5" name="Picture 4">
+            <a:extLst>
+              <a:ext uri="{FF2B5EF4-FFF2-40B4-BE49-F238E27FC236}">
+                <a16:creationId xmlns:a16="http://schemas.microsoft.com/office/drawing/2014/main" id="{F813C9D5-6B54-EF2C-A8C3-5565A2E24BE8}"/>
+              </a:ext>
+            </a:extLst>
+          </p:cNvPr>
+          <p:cNvPicPr>
+            <a:picLocks noChangeAspect="1"/>
+          </p:cNvPicPr>
+          <p:nvPr/>
+        </p:nvPicPr>
+        <p:blipFill>
+          <a:blip r:embed="rId3"/>
+          <a:stretch>
+            <a:fillRect/>
+          </a:stretch>
+        </p:blipFill>
+        <p:spPr>
+          <a:xfrm>
+            <a:off x="518160" y="3719606"/>
+            <a:ext cx="5930265" cy="2833135"/>
+          </a:xfrm>
+          <a:prstGeom prst="rect">
+            <a:avLst/>
+          </a:prstGeom>
+        </p:spPr>
+      </p:pic>
+      <p:pic>
+        <p:nvPicPr>
+          <p:cNvPr id="7" name="Picture 6">
+            <a:extLst>
+              <a:ext uri="{FF2B5EF4-FFF2-40B4-BE49-F238E27FC236}">
+                <a16:creationId xmlns:a16="http://schemas.microsoft.com/office/drawing/2014/main" id="{D7689EB8-548F-80B0-158C-A4EA1E7E8F4B}"/>
+              </a:ext>
+            </a:extLst>
+          </p:cNvPr>
+          <p:cNvPicPr>
+            <a:picLocks noChangeAspect="1"/>
+          </p:cNvPicPr>
+          <p:nvPr/>
+        </p:nvPicPr>
+        <p:blipFill>
+          <a:blip r:embed="rId4"/>
+          <a:stretch>
+            <a:fillRect/>
+          </a:stretch>
+        </p:blipFill>
+        <p:spPr>
+          <a:xfrm>
+            <a:off x="518161" y="2069641"/>
+            <a:ext cx="5006600" cy="247685"/>
+          </a:xfrm>
+          <a:prstGeom prst="rect">
+            <a:avLst/>
+          </a:prstGeom>
+        </p:spPr>
+      </p:pic>
+    </p:spTree>
+    <p:extLst>
+      <p:ext uri="{BB962C8B-B14F-4D97-AF65-F5344CB8AC3E}">
+        <p14:creationId xmlns:p14="http://schemas.microsoft.com/office/powerpoint/2010/main" val="2211201604"/>
+      </p:ext>
+    </p:extLst>
+  </p:cSld>
+  <p:clrMapOvr>
+    <a:masterClrMapping/>
+  </p:clrMapOvr>
+</p:sld>
+</file>
+
+<file path=ppt/slides/slide8.xml><?xml version="1.0" encoding="utf-8"?>
+<p:sld xmlns:a="http://schemas.openxmlformats.org/drawingml/2006/main" xmlns:r="http://schemas.openxmlformats.org/officeDocument/2006/relationships" xmlns:p="http://schemas.openxmlformats.org/presentationml/2006/main">
+  <p:cSld>
+    <p:spTree>
+      <p:nvGrpSpPr>
+        <p:cNvPr id="1" name=""/>
+        <p:cNvGrpSpPr/>
+        <p:nvPr/>
+      </p:nvGrpSpPr>
+      <p:grpSpPr>
+        <a:xfrm>
+          <a:off x="0" y="0"/>
+          <a:ext cx="0" cy="0"/>
+          <a:chOff x="0" y="0"/>
+          <a:chExt cx="0" cy="0"/>
+        </a:xfrm>
+      </p:grpSpPr>
+      <p:sp>
+        <p:nvSpPr>
+          <p:cNvPr id="2" name="Title 1">
+            <a:extLst>
+              <a:ext uri="{FF2B5EF4-FFF2-40B4-BE49-F238E27FC236}">
+                <a16:creationId xmlns:a16="http://schemas.microsoft.com/office/drawing/2014/main" id="{D47B4853-9488-A0D3-A41E-36205F474BCE}"/>
+              </a:ext>
+            </a:extLst>
+          </p:cNvPr>
+          <p:cNvSpPr>
+            <a:spLocks noGrp="1"/>
+          </p:cNvSpPr>
+          <p:nvPr>
+            <p:ph type="title"/>
+          </p:nvPr>
+        </p:nvSpPr>
+        <p:spPr>
+          <a:xfrm>
+            <a:off x="6861367" y="230187"/>
+            <a:ext cx="5130607" cy="1325563"/>
+          </a:xfrm>
+        </p:spPr>
+        <p:txBody>
+          <a:bodyPr>
+            <a:noAutofit/>
+          </a:bodyPr>
+          <a:lstStyle/>
+          <a:p>
+            <a:r>
+              <a:rPr lang="cs-CZ" sz="5400" b="1" dirty="0" err="1"/>
+              <a:t>Exploratory</a:t>
+            </a:r>
+            <a:r>
+              <a:rPr lang="cs-CZ" sz="5400" b="1" dirty="0"/>
+              <a:t> Data </a:t>
+            </a:r>
+            <a:r>
+              <a:rPr lang="cs-CZ" sz="5400" b="1" dirty="0" err="1"/>
+              <a:t>Analysis</a:t>
+            </a:r>
+            <a:r>
+              <a:rPr lang="cs-CZ" sz="5400" b="1" dirty="0"/>
+              <a:t> - </a:t>
+            </a:r>
+            <a:r>
+              <a:rPr lang="cs-CZ" sz="5400" b="1" dirty="0" err="1"/>
+              <a:t>Insights</a:t>
+            </a:r>
+            <a:endParaRPr lang="cs-CZ" sz="5400" dirty="0"/>
+          </a:p>
+        </p:txBody>
+      </p:sp>
+      <p:sp>
+        <p:nvSpPr>
+          <p:cNvPr id="3" name="Content Placeholder 2">
+            <a:extLst>
+              <a:ext uri="{FF2B5EF4-FFF2-40B4-BE49-F238E27FC236}">
+                <a16:creationId xmlns:a16="http://schemas.microsoft.com/office/drawing/2014/main" id="{178AE3D9-E658-44EC-78F8-3BC001CD47AA}"/>
+              </a:ext>
+            </a:extLst>
+          </p:cNvPr>
+          <p:cNvSpPr>
+            <a:spLocks noGrp="1"/>
+          </p:cNvSpPr>
+          <p:nvPr>
+            <p:ph idx="1"/>
+          </p:nvPr>
+        </p:nvSpPr>
+        <p:spPr>
+          <a:xfrm>
+            <a:off x="6988270" y="2263809"/>
+            <a:ext cx="4876800" cy="564941"/>
+          </a:xfrm>
+        </p:spPr>
+        <p:txBody>
+          <a:bodyPr>
+            <a:normAutofit/>
+          </a:bodyPr>
+          <a:lstStyle/>
+          <a:p>
+            <a:r>
+              <a:rPr lang="cs-CZ" sz="1500" dirty="0" err="1"/>
+              <a:t>There</a:t>
+            </a:r>
+            <a:r>
+              <a:rPr lang="cs-CZ" sz="1500" dirty="0"/>
+              <a:t> </a:t>
+            </a:r>
+            <a:r>
+              <a:rPr lang="cs-CZ" sz="1500" dirty="0" err="1"/>
+              <a:t>was</a:t>
+            </a:r>
+            <a:r>
+              <a:rPr lang="cs-CZ" sz="1500" dirty="0"/>
+              <a:t> a </a:t>
+            </a:r>
+            <a:r>
+              <a:rPr lang="cs-CZ" sz="1500" dirty="0" err="1"/>
+              <a:t>significant</a:t>
+            </a:r>
+            <a:r>
+              <a:rPr lang="cs-CZ" sz="1500" dirty="0"/>
+              <a:t> </a:t>
+            </a:r>
+            <a:r>
+              <a:rPr lang="cs-CZ" sz="1500" dirty="0" err="1"/>
+              <a:t>pattern</a:t>
+            </a:r>
+            <a:r>
+              <a:rPr lang="cs-CZ" sz="1500" dirty="0"/>
+              <a:t> in </a:t>
+            </a:r>
+            <a:r>
+              <a:rPr lang="cs-CZ" sz="1500" dirty="0" err="1"/>
+              <a:t>fraudulent</a:t>
+            </a:r>
+            <a:r>
+              <a:rPr lang="cs-CZ" sz="1500" dirty="0"/>
+              <a:t> </a:t>
+            </a:r>
+            <a:r>
+              <a:rPr lang="cs-CZ" sz="1500" dirty="0" err="1"/>
+              <a:t>transactions</a:t>
+            </a:r>
+            <a:r>
+              <a:rPr lang="cs-CZ" sz="1500" dirty="0"/>
+              <a:t> in </a:t>
+            </a:r>
+            <a:r>
+              <a:rPr lang="cs-CZ" sz="1500" dirty="0" err="1"/>
+              <a:t>the</a:t>
+            </a:r>
+            <a:r>
+              <a:rPr lang="cs-CZ" sz="1500" dirty="0"/>
+              <a:t> </a:t>
+            </a:r>
+            <a:r>
+              <a:rPr lang="cs-CZ" sz="1500" dirty="0" err="1"/>
+              <a:t>amount</a:t>
+            </a:r>
+            <a:r>
+              <a:rPr lang="cs-CZ" sz="1500" dirty="0"/>
+              <a:t> </a:t>
+            </a:r>
+            <a:r>
+              <a:rPr lang="cs-CZ" sz="1500" dirty="0" err="1"/>
+              <a:t>of</a:t>
+            </a:r>
+            <a:r>
+              <a:rPr lang="cs-CZ" sz="1500" dirty="0"/>
+              <a:t> 10 </a:t>
+            </a:r>
+            <a:r>
+              <a:rPr lang="cs-CZ" sz="1500" dirty="0" err="1"/>
+              <a:t>million</a:t>
+            </a:r>
+            <a:r>
+              <a:rPr lang="cs-CZ" sz="1500" dirty="0"/>
+              <a:t>, </a:t>
+            </a:r>
+            <a:r>
+              <a:rPr lang="cs-CZ" sz="1500" dirty="0" err="1"/>
+              <a:t>transfered</a:t>
+            </a:r>
+            <a:r>
+              <a:rPr lang="cs-CZ" sz="1500" dirty="0"/>
+              <a:t> in </a:t>
+            </a:r>
+            <a:r>
+              <a:rPr lang="cs-CZ" sz="1500" dirty="0" err="1"/>
+              <a:t>several</a:t>
+            </a:r>
+            <a:r>
+              <a:rPr lang="cs-CZ" sz="1500" dirty="0"/>
+              <a:t> </a:t>
+            </a:r>
+            <a:r>
+              <a:rPr lang="cs-CZ" sz="1500" dirty="0" err="1"/>
+              <a:t>steps</a:t>
+            </a:r>
+            <a:endParaRPr lang="cs-CZ" sz="1500" dirty="0"/>
+          </a:p>
+        </p:txBody>
+      </p:sp>
+      <p:pic>
+        <p:nvPicPr>
+          <p:cNvPr id="6" name="Picture 5">
+            <a:extLst>
+              <a:ext uri="{FF2B5EF4-FFF2-40B4-BE49-F238E27FC236}">
+                <a16:creationId xmlns:a16="http://schemas.microsoft.com/office/drawing/2014/main" id="{A8552FD1-90BE-4F4A-D6D9-2B06E8891AB8}"/>
+              </a:ext>
+            </a:extLst>
+          </p:cNvPr>
+          <p:cNvPicPr>
+            <a:picLocks noChangeAspect="1"/>
+          </p:cNvPicPr>
+          <p:nvPr/>
+        </p:nvPicPr>
+        <p:blipFill>
+          <a:blip r:embed="rId2"/>
+          <a:stretch>
+            <a:fillRect/>
+          </a:stretch>
+        </p:blipFill>
+        <p:spPr>
+          <a:xfrm>
+            <a:off x="9153525" y="3058937"/>
+            <a:ext cx="2171700" cy="3568878"/>
+          </a:xfrm>
+          <a:prstGeom prst="rect">
+            <a:avLst/>
+          </a:prstGeom>
+        </p:spPr>
+      </p:pic>
+      <p:pic>
+        <p:nvPicPr>
+          <p:cNvPr id="4" name="Picture 3" descr="Financial graphs on a dark display">
+            <a:extLst>
+              <a:ext uri="{FF2B5EF4-FFF2-40B4-BE49-F238E27FC236}">
+                <a16:creationId xmlns:a16="http://schemas.microsoft.com/office/drawing/2014/main" id="{5CF004AB-26DC-7CCE-3D44-322BDB809610}"/>
+              </a:ext>
+            </a:extLst>
+          </p:cNvPr>
+          <p:cNvPicPr>
+            <a:picLocks noChangeAspect="1"/>
+          </p:cNvPicPr>
+          <p:nvPr/>
+        </p:nvPicPr>
+        <p:blipFill rotWithShape="1">
+          <a:blip r:embed="rId3"/>
+          <a:srcRect l="15752" r="21559"/>
+          <a:stretch/>
+        </p:blipFill>
+        <p:spPr>
+          <a:xfrm rot="10800000">
+            <a:off x="0" y="0"/>
+            <a:ext cx="6861368" cy="6840636"/>
+          </a:xfrm>
+          <a:custGeom>
+            <a:avLst/>
+            <a:gdLst/>
+            <a:ahLst/>
+            <a:cxnLst/>
+            <a:rect l="l" t="t" r="r" b="b"/>
+            <a:pathLst>
+              <a:path w="6878775" h="6858000">
+                <a:moveTo>
+                  <a:pt x="1102973" y="0"/>
+                </a:moveTo>
+                <a:lnTo>
+                  <a:pt x="1160688" y="0"/>
+                </a:lnTo>
+                <a:lnTo>
+                  <a:pt x="983189" y="331786"/>
+                </a:lnTo>
+                <a:cubicBezTo>
+                  <a:pt x="914866" y="469145"/>
+                  <a:pt x="850355" y="608712"/>
+                  <a:pt x="789261" y="750263"/>
+                </a:cubicBezTo>
+                <a:cubicBezTo>
+                  <a:pt x="774307" y="784928"/>
+                  <a:pt x="759992" y="819849"/>
+                  <a:pt x="745295" y="854514"/>
+                </a:cubicBezTo>
+                <a:cubicBezTo>
+                  <a:pt x="756682" y="845393"/>
+                  <a:pt x="765489" y="833492"/>
+                  <a:pt x="770857" y="819975"/>
+                </a:cubicBezTo>
+                <a:cubicBezTo>
+                  <a:pt x="879943" y="589569"/>
+                  <a:pt x="999605" y="365513"/>
+                  <a:pt x="1131329" y="148742"/>
+                </a:cubicBezTo>
+                <a:lnTo>
+                  <a:pt x="1227589" y="0"/>
+                </a:lnTo>
+                <a:lnTo>
+                  <a:pt x="6878775" y="0"/>
+                </a:lnTo>
+                <a:lnTo>
+                  <a:pt x="6878775" y="6858000"/>
+                </a:lnTo>
+                <a:lnTo>
+                  <a:pt x="713521" y="6858000"/>
+                </a:lnTo>
+                <a:lnTo>
+                  <a:pt x="625642" y="6670527"/>
+                </a:lnTo>
+                <a:cubicBezTo>
+                  <a:pt x="507232" y="6398531"/>
+                  <a:pt x="403083" y="6118381"/>
+                  <a:pt x="312785" y="5830359"/>
+                </a:cubicBezTo>
+                <a:cubicBezTo>
+                  <a:pt x="278149" y="5719759"/>
+                  <a:pt x="248879" y="5607635"/>
+                  <a:pt x="212198" y="5480401"/>
+                </a:cubicBezTo>
+                <a:cubicBezTo>
+                  <a:pt x="212208" y="5491601"/>
+                  <a:pt x="212803" y="5502788"/>
+                  <a:pt x="213988" y="5513923"/>
+                </a:cubicBezTo>
+                <a:cubicBezTo>
+                  <a:pt x="264089" y="5723695"/>
+                  <a:pt x="307290" y="5935370"/>
+                  <a:pt x="365826" y="6142729"/>
+                </a:cubicBezTo>
+                <a:cubicBezTo>
+                  <a:pt x="433152" y="6380817"/>
+                  <a:pt x="510068" y="6614016"/>
+                  <a:pt x="597975" y="6841549"/>
+                </a:cubicBezTo>
+                <a:lnTo>
+                  <a:pt x="604824" y="6858000"/>
+                </a:lnTo>
+                <a:lnTo>
+                  <a:pt x="552056" y="6858000"/>
+                </a:lnTo>
+                <a:lnTo>
+                  <a:pt x="539576" y="6828295"/>
+                </a:lnTo>
+                <a:cubicBezTo>
+                  <a:pt x="380597" y="6414594"/>
+                  <a:pt x="260223" y="5988893"/>
+                  <a:pt x="171555" y="5552906"/>
+                </a:cubicBezTo>
+                <a:cubicBezTo>
+                  <a:pt x="91163" y="5157998"/>
+                  <a:pt x="43746" y="4758899"/>
+                  <a:pt x="12305" y="4357388"/>
+                </a:cubicBezTo>
+                <a:cubicBezTo>
+                  <a:pt x="-14281" y="4013908"/>
+                  <a:pt x="4507" y="3672965"/>
+                  <a:pt x="46684" y="3331516"/>
+                </a:cubicBezTo>
+                <a:cubicBezTo>
+                  <a:pt x="127203" y="2664286"/>
+                  <a:pt x="277819" y="2007265"/>
+                  <a:pt x="496065" y="1371196"/>
+                </a:cubicBezTo>
+                <a:cubicBezTo>
+                  <a:pt x="636273" y="966066"/>
+                  <a:pt x="800445" y="573253"/>
+                  <a:pt x="995723" y="196614"/>
+                </a:cubicBezTo>
+                <a:close/>
+              </a:path>
+            </a:pathLst>
+          </a:custGeom>
+        </p:spPr>
+      </p:pic>
+      <p:pic>
+        <p:nvPicPr>
+          <p:cNvPr id="7" name="Picture 6">
+            <a:extLst>
+              <a:ext uri="{FF2B5EF4-FFF2-40B4-BE49-F238E27FC236}">
+                <a16:creationId xmlns:a16="http://schemas.microsoft.com/office/drawing/2014/main" id="{2969F598-4115-5606-2543-68BDCF84351D}"/>
+              </a:ext>
+            </a:extLst>
+          </p:cNvPr>
+          <p:cNvPicPr>
+            <a:picLocks noChangeAspect="1"/>
+          </p:cNvPicPr>
+          <p:nvPr/>
+        </p:nvPicPr>
+        <p:blipFill>
+          <a:blip r:embed="rId4"/>
+          <a:stretch>
+            <a:fillRect/>
+          </a:stretch>
+        </p:blipFill>
+        <p:spPr>
+          <a:xfrm>
+            <a:off x="6861367" y="1785937"/>
+            <a:ext cx="4876800" cy="247685"/>
+          </a:xfrm>
+          <a:prstGeom prst="rect">
+            <a:avLst/>
+          </a:prstGeom>
+        </p:spPr>
+      </p:pic>
+    </p:spTree>
+    <p:extLst>
+      <p:ext uri="{BB962C8B-B14F-4D97-AF65-F5344CB8AC3E}">
+        <p14:creationId xmlns:p14="http://schemas.microsoft.com/office/powerpoint/2010/main" val="3890405760"/>
+      </p:ext>
+    </p:extLst>
+  </p:cSld>
+  <p:clrMapOvr>
+    <a:masterClrMapping/>
+  </p:clrMapOvr>
+</p:sld>
+</file>
+
+<file path=ppt/slides/slide9.xml><?xml version="1.0" encoding="utf-8"?>
+<p:sld xmlns:a="http://schemas.openxmlformats.org/drawingml/2006/main" xmlns:r="http://schemas.openxmlformats.org/officeDocument/2006/relationships" xmlns:p="http://schemas.openxmlformats.org/presentationml/2006/main">
+  <p:cSld>
+    <p:bg>
+      <p:bgPr>
+        <a:solidFill>
+          <a:schemeClr val="bg1"/>
+        </a:solidFill>
+        <a:effectLst/>
+      </p:bgPr>
+    </p:bg>
+    <p:spTree>
+      <p:nvGrpSpPr>
+        <p:cNvPr id="1" name=""/>
+        <p:cNvGrpSpPr/>
+        <p:nvPr/>
+      </p:nvGrpSpPr>
+      <p:grpSpPr>
+        <a:xfrm>
+          <a:off x="0" y="0"/>
+          <a:ext cx="0" cy="0"/>
+          <a:chOff x="0" y="0"/>
+          <a:chExt cx="0" cy="0"/>
+        </a:xfrm>
+      </p:grpSpPr>
+      <p:sp useBgFill="1">
+        <p:nvSpPr>
+          <p:cNvPr id="9" name="Rectangle 8">
             <a:extLst>
               <a:ext uri="{FF2B5EF4-FFF2-40B4-BE49-F238E27FC236}">
                 <a16:creationId xmlns:a16="http://schemas.microsoft.com/office/drawing/2014/main" id="{F13C74B1-5B17-4795-BED0-7140497B445A}"/>
@@ -9563,7 +11161,7 @@
           <p:cNvPr id="2" name="Title 1">
             <a:extLst>
               <a:ext uri="{FF2B5EF4-FFF2-40B4-BE49-F238E27FC236}">
-                <a16:creationId xmlns:a16="http://schemas.microsoft.com/office/drawing/2014/main" id="{7BF9E49D-3B95-408A-AAAA-B55D4BEA1345}"/>
+                <a16:creationId xmlns:a16="http://schemas.microsoft.com/office/drawing/2014/main" id="{C5D3EF8F-85BE-B38F-836F-C91E8E8BEC80}"/>
               </a:ext>
             </a:extLst>
           </p:cNvPr>
@@ -9576,26 +11174,26 @@
         </p:nvSpPr>
         <p:spPr>
           <a:xfrm>
-            <a:off x="640080" y="1597914"/>
-            <a:ext cx="4465320" cy="904045"/>
+            <a:off x="640080" y="993313"/>
+            <a:ext cx="3760470" cy="1492397"/>
           </a:xfrm>
         </p:spPr>
         <p:txBody>
           <a:bodyPr anchor="b">
-            <a:normAutofit/>
+            <a:noAutofit/>
           </a:bodyPr>
           <a:lstStyle/>
           <a:p>
             <a:r>
               <a:rPr lang="cs-CZ" sz="5400" b="1" dirty="0"/>
-              <a:t>Chosen Dataset</a:t>
+              <a:t>Feature Engineering</a:t>
             </a:r>
           </a:p>
         </p:txBody>
       </p:sp>
       <p:sp>
         <p:nvSpPr>
-          <p:cNvPr id="25" name="sketchy line">
+          <p:cNvPr id="11" name="sketchy line">
             <a:extLst>
               <a:ext uri="{FF2B5EF4-FFF2-40B4-BE49-F238E27FC236}">
                 <a16:creationId xmlns:a16="http://schemas.microsoft.com/office/drawing/2014/main" id="{D4974D33-8DC5-464E-8C6D-BE58F0669C17}"/>
@@ -9881,7 +11479,7 @@
           <p:cNvPr id="3" name="Content Placeholder 2">
             <a:extLst>
               <a:ext uri="{FF2B5EF4-FFF2-40B4-BE49-F238E27FC236}">
-                <a16:creationId xmlns:a16="http://schemas.microsoft.com/office/drawing/2014/main" id="{255B9CA9-D459-3C48-7BE2-C3157F8BB8FB}"/>
+                <a16:creationId xmlns:a16="http://schemas.microsoft.com/office/drawing/2014/main" id="{ECC47C5C-753E-5B83-4807-58F4F359EADD}"/>
               </a:ext>
             </a:extLst>
           </p:cNvPr>
@@ -9894,1342 +11492,39 @@
         </p:nvSpPr>
         <p:spPr>
           <a:xfrm>
-            <a:off x="640080" y="3010501"/>
-            <a:ext cx="4243589" cy="3320668"/>
+            <a:off x="640080" y="3479023"/>
+            <a:ext cx="4243589" cy="2385663"/>
           </a:xfrm>
         </p:spPr>
         <p:txBody>
           <a:bodyPr>
-            <a:normAutofit/>
+            <a:normAutofit lnSpcReduction="10000"/>
           </a:bodyPr>
           <a:lstStyle/>
           <a:p>
             <a:r>
-              <a:rPr lang="cs-CZ" sz="1500" b="0" dirty="0">
-                <a:effectLst/>
-                <a:hlinkClick r:id="rId2"/>
-              </a:rPr>
-              <a:t>https://www.kaggle.com/datasets/rupakroy/online-payments-fraud-detection-dataset</a:t>
-            </a:r>
-            <a:endParaRPr lang="cs-CZ" sz="1500" b="0" dirty="0">
-              <a:effectLst/>
-            </a:endParaRPr>
-          </a:p>
-          <a:p>
-            <a:r>
-              <a:rPr lang="cs-CZ" sz="1500" dirty="0"/>
-              <a:t>Online Payments Fraud Detection</a:t>
-            </a:r>
-            <a:endParaRPr lang="cs-CZ" sz="1500" b="0" dirty="0">
-              <a:effectLst/>
-            </a:endParaRPr>
-          </a:p>
-          <a:p>
-            <a:r>
-              <a:rPr lang="cs-CZ" sz="1500" dirty="0"/>
-              <a:t>6.36 million rows, 11 columns, 500 MB of data, CSV</a:t>
-            </a:r>
-          </a:p>
-          <a:p>
-            <a:r>
-              <a:rPr lang="cs-CZ" sz="1500" dirty="0"/>
-              <a:t>We wanted a large enough dataset to challenge Spark and DataBricks, ended up using Pandas anyway</a:t>
-            </a:r>
-          </a:p>
-          <a:p>
-            <a:r>
-              <a:rPr lang="cs-CZ" sz="1500" dirty="0"/>
-              <a:t>Many shortcomings of Databricks</a:t>
-            </a:r>
-          </a:p>
-        </p:txBody>
-      </p:sp>
-      <p:pic>
-        <p:nvPicPr>
-          <p:cNvPr id="6" name="Picture 5" descr="Financial graphs on a dark display">
-            <a:extLst>
-              <a:ext uri="{FF2B5EF4-FFF2-40B4-BE49-F238E27FC236}">
-                <a16:creationId xmlns:a16="http://schemas.microsoft.com/office/drawing/2014/main" id="{AC7CBB4A-D155-30A4-AA36-66CA431FBB05}"/>
-              </a:ext>
-            </a:extLst>
-          </p:cNvPr>
-          <p:cNvPicPr>
-            <a:picLocks noChangeAspect="1"/>
-          </p:cNvPicPr>
-          <p:nvPr/>
-        </p:nvPicPr>
-        <p:blipFill rotWithShape="1">
-          <a:blip r:embed="rId3"/>
-          <a:srcRect l="15752" r="21559"/>
-          <a:stretch/>
-        </p:blipFill>
-        <p:spPr>
-          <a:xfrm>
-            <a:off x="5310176" y="10"/>
-            <a:ext cx="6878775" cy="6857990"/>
-          </a:xfrm>
-          <a:custGeom>
-            <a:avLst/>
-            <a:gdLst/>
-            <a:ahLst/>
-            <a:cxnLst/>
-            <a:rect l="l" t="t" r="r" b="b"/>
-            <a:pathLst>
-              <a:path w="6878775" h="6858000">
-                <a:moveTo>
-                  <a:pt x="1102973" y="0"/>
-                </a:moveTo>
-                <a:lnTo>
-                  <a:pt x="1160688" y="0"/>
-                </a:lnTo>
-                <a:lnTo>
-                  <a:pt x="983189" y="331786"/>
-                </a:lnTo>
-                <a:cubicBezTo>
-                  <a:pt x="914866" y="469145"/>
-                  <a:pt x="850355" y="608712"/>
-                  <a:pt x="789261" y="750263"/>
-                </a:cubicBezTo>
-                <a:cubicBezTo>
-                  <a:pt x="774307" y="784928"/>
-                  <a:pt x="759992" y="819849"/>
-                  <a:pt x="745295" y="854514"/>
-                </a:cubicBezTo>
-                <a:cubicBezTo>
-                  <a:pt x="756682" y="845393"/>
-                  <a:pt x="765489" y="833492"/>
-                  <a:pt x="770857" y="819975"/>
-                </a:cubicBezTo>
-                <a:cubicBezTo>
-                  <a:pt x="879943" y="589569"/>
-                  <a:pt x="999605" y="365513"/>
-                  <a:pt x="1131329" y="148742"/>
-                </a:cubicBezTo>
-                <a:lnTo>
-                  <a:pt x="1227589" y="0"/>
-                </a:lnTo>
-                <a:lnTo>
-                  <a:pt x="6878775" y="0"/>
-                </a:lnTo>
-                <a:lnTo>
-                  <a:pt x="6878775" y="6858000"/>
-                </a:lnTo>
-                <a:lnTo>
-                  <a:pt x="713521" y="6858000"/>
-                </a:lnTo>
-                <a:lnTo>
-                  <a:pt x="625642" y="6670527"/>
-                </a:lnTo>
-                <a:cubicBezTo>
-                  <a:pt x="507232" y="6398531"/>
-                  <a:pt x="403083" y="6118381"/>
-                  <a:pt x="312785" y="5830359"/>
-                </a:cubicBezTo>
-                <a:cubicBezTo>
-                  <a:pt x="278149" y="5719759"/>
-                  <a:pt x="248879" y="5607635"/>
-                  <a:pt x="212198" y="5480401"/>
-                </a:cubicBezTo>
-                <a:cubicBezTo>
-                  <a:pt x="212208" y="5491601"/>
-                  <a:pt x="212803" y="5502788"/>
-                  <a:pt x="213988" y="5513923"/>
-                </a:cubicBezTo>
-                <a:cubicBezTo>
-                  <a:pt x="264089" y="5723695"/>
-                  <a:pt x="307290" y="5935370"/>
-                  <a:pt x="365826" y="6142729"/>
-                </a:cubicBezTo>
-                <a:cubicBezTo>
-                  <a:pt x="433152" y="6380817"/>
-                  <a:pt x="510068" y="6614016"/>
-                  <a:pt x="597975" y="6841549"/>
-                </a:cubicBezTo>
-                <a:lnTo>
-                  <a:pt x="604824" y="6858000"/>
-                </a:lnTo>
-                <a:lnTo>
-                  <a:pt x="552056" y="6858000"/>
-                </a:lnTo>
-                <a:lnTo>
-                  <a:pt x="539576" y="6828295"/>
-                </a:lnTo>
-                <a:cubicBezTo>
-                  <a:pt x="380597" y="6414594"/>
-                  <a:pt x="260223" y="5988893"/>
-                  <a:pt x="171555" y="5552906"/>
-                </a:cubicBezTo>
-                <a:cubicBezTo>
-                  <a:pt x="91163" y="5157998"/>
-                  <a:pt x="43746" y="4758899"/>
-                  <a:pt x="12305" y="4357388"/>
-                </a:cubicBezTo>
-                <a:cubicBezTo>
-                  <a:pt x="-14281" y="4013908"/>
-                  <a:pt x="4507" y="3672965"/>
-                  <a:pt x="46684" y="3331516"/>
-                </a:cubicBezTo>
-                <a:cubicBezTo>
-                  <a:pt x="127203" y="2664286"/>
-                  <a:pt x="277819" y="2007265"/>
-                  <a:pt x="496065" y="1371196"/>
-                </a:cubicBezTo>
-                <a:cubicBezTo>
-                  <a:pt x="636273" y="966066"/>
-                  <a:pt x="800445" y="573253"/>
-                  <a:pt x="995723" y="196614"/>
-                </a:cubicBezTo>
-                <a:close/>
-              </a:path>
-            </a:pathLst>
-          </a:custGeom>
-        </p:spPr>
-      </p:pic>
-    </p:spTree>
-    <p:extLst>
-      <p:ext uri="{BB962C8B-B14F-4D97-AF65-F5344CB8AC3E}">
-        <p14:creationId xmlns:p14="http://schemas.microsoft.com/office/powerpoint/2010/main" val="614177588"/>
-      </p:ext>
-    </p:extLst>
-  </p:cSld>
-  <p:clrMapOvr>
-    <a:masterClrMapping/>
-  </p:clrMapOvr>
-</p:sld>
-</file>
-
-<file path=ppt/slides/slide5.xml><?xml version="1.0" encoding="utf-8"?>
-<p:sld xmlns:a="http://schemas.openxmlformats.org/drawingml/2006/main" xmlns:r="http://schemas.openxmlformats.org/officeDocument/2006/relationships" xmlns:p="http://schemas.openxmlformats.org/presentationml/2006/main">
-  <p:cSld>
-    <p:bg>
-      <p:bgPr>
-        <a:solidFill>
-          <a:schemeClr val="bg1"/>
-        </a:solidFill>
-        <a:effectLst/>
-      </p:bgPr>
-    </p:bg>
-    <p:spTree>
-      <p:nvGrpSpPr>
-        <p:cNvPr id="1" name=""/>
-        <p:cNvGrpSpPr/>
-        <p:nvPr/>
-      </p:nvGrpSpPr>
-      <p:grpSpPr>
-        <a:xfrm>
-          <a:off x="0" y="0"/>
-          <a:ext cx="0" cy="0"/>
-          <a:chOff x="0" y="0"/>
-          <a:chExt cx="0" cy="0"/>
-        </a:xfrm>
-      </p:grpSpPr>
-      <p:sp useBgFill="1">
-        <p:nvSpPr>
-          <p:cNvPr id="31" name="Rectangle 30">
-            <a:extLst>
-              <a:ext uri="{FF2B5EF4-FFF2-40B4-BE49-F238E27FC236}">
-                <a16:creationId xmlns:a16="http://schemas.microsoft.com/office/drawing/2014/main" id="{7B831B6F-405A-4B47-B9BB-5CA88F285844}"/>
-              </a:ext>
-              <a:ext uri="{C183D7F6-B498-43B3-948B-1728B52AA6E4}">
-                <adec:decorative xmlns:adec="http://schemas.microsoft.com/office/drawing/2017/decorative" val="1"/>
-              </a:ext>
-            </a:extLst>
-          </p:cNvPr>
-          <p:cNvSpPr>
-            <a:spLocks noGrp="1" noRot="1" noChangeAspect="1" noMove="1" noResize="1" noEditPoints="1" noAdjustHandles="1" noChangeArrowheads="1" noChangeShapeType="1" noTextEdit="1"/>
-          </p:cNvSpPr>
-          <p:nvPr>
-            <p:extLst>
-              <p:ext uri="{386F3935-93C4-4BCD-93E2-E3B085C9AB24}">
-                <p16:designElem xmlns:p16="http://schemas.microsoft.com/office/powerpoint/2015/main" val="1"/>
-              </p:ext>
-            </p:extLst>
-          </p:nvPr>
-        </p:nvSpPr>
-        <p:spPr>
-          <a:xfrm>
-            <a:off x="0" y="0"/>
-            <a:ext cx="12192000" cy="6858000"/>
-          </a:xfrm>
-          <a:prstGeom prst="rect">
-            <a:avLst/>
-          </a:prstGeom>
-          <a:ln>
-            <a:noFill/>
-          </a:ln>
-        </p:spPr>
-        <p:style>
-          <a:lnRef idx="2">
-            <a:schemeClr val="accent1">
-              <a:shade val="50000"/>
-            </a:schemeClr>
-          </a:lnRef>
-          <a:fillRef idx="1">
-            <a:schemeClr val="accent1"/>
-          </a:fillRef>
-          <a:effectRef idx="0">
-            <a:schemeClr val="accent1"/>
-          </a:effectRef>
-          <a:fontRef idx="minor">
-            <a:schemeClr val="lt1"/>
-          </a:fontRef>
-        </p:style>
-        <p:txBody>
-          <a:bodyPr rtlCol="0" anchor="ctr"/>
-          <a:lstStyle/>
-          <a:p>
-            <a:pPr algn="ctr"/>
-            <a:endParaRPr lang="en-US"/>
-          </a:p>
-        </p:txBody>
-      </p:sp>
-      <p:sp>
-        <p:nvSpPr>
-          <p:cNvPr id="2" name="Title 1">
-            <a:extLst>
-              <a:ext uri="{FF2B5EF4-FFF2-40B4-BE49-F238E27FC236}">
-                <a16:creationId xmlns:a16="http://schemas.microsoft.com/office/drawing/2014/main" id="{96FBDCDF-416F-BE2F-8FBB-5E8A31AD3D7C}"/>
-              </a:ext>
-            </a:extLst>
-          </p:cNvPr>
-          <p:cNvSpPr>
-            <a:spLocks noGrp="1"/>
-          </p:cNvSpPr>
-          <p:nvPr>
-            <p:ph type="title"/>
-          </p:nvPr>
-        </p:nvSpPr>
-        <p:spPr>
-          <a:xfrm>
-            <a:off x="7117239" y="827446"/>
-            <a:ext cx="4131785" cy="824874"/>
-          </a:xfrm>
-        </p:spPr>
-        <p:txBody>
-          <a:bodyPr anchor="b">
-            <a:noAutofit/>
-          </a:bodyPr>
-          <a:lstStyle/>
-          <a:p>
-            <a:r>
-              <a:rPr lang="cs-CZ" sz="5400" b="1" dirty="0"/>
-              <a:t>Initial analysis</a:t>
-            </a:r>
-          </a:p>
-        </p:txBody>
-      </p:sp>
-      <p:sp>
-        <p:nvSpPr>
-          <p:cNvPr id="33" name="sketch line">
-            <a:extLst>
-              <a:ext uri="{FF2B5EF4-FFF2-40B4-BE49-F238E27FC236}">
-                <a16:creationId xmlns:a16="http://schemas.microsoft.com/office/drawing/2014/main" id="{953EE71A-6488-4203-A7C4-77102FD0DCCA}"/>
-              </a:ext>
-              <a:ext uri="{C183D7F6-B498-43B3-948B-1728B52AA6E4}">
-                <adec:decorative xmlns:adec="http://schemas.microsoft.com/office/drawing/2017/decorative" val="1"/>
-              </a:ext>
-            </a:extLst>
-          </p:cNvPr>
-          <p:cNvSpPr>
-            <a:spLocks noGrp="1" noRot="1" noChangeAspect="1" noMove="1" noResize="1" noEditPoints="1" noAdjustHandles="1" noChangeArrowheads="1" noChangeShapeType="1" noTextEdit="1"/>
-          </p:cNvSpPr>
-          <p:nvPr>
-            <p:extLst>
-              <p:ext uri="{386F3935-93C4-4BCD-93E2-E3B085C9AB24}">
-                <p16:designElem xmlns:p16="http://schemas.microsoft.com/office/powerpoint/2015/main" val="1"/>
-              </p:ext>
-            </p:extLst>
-          </p:nvPr>
-        </p:nvSpPr>
-        <p:spPr>
-          <a:xfrm>
-            <a:off x="6739128" y="2372868"/>
-            <a:ext cx="3255095" cy="18288"/>
-          </a:xfrm>
-          <a:custGeom>
-            <a:avLst/>
-            <a:gdLst>
-              <a:gd name="connsiteX0" fmla="*/ 0 w 3255095"/>
-              <a:gd name="connsiteY0" fmla="*/ 0 h 18288"/>
-              <a:gd name="connsiteX1" fmla="*/ 618468 w 3255095"/>
-              <a:gd name="connsiteY1" fmla="*/ 0 h 18288"/>
-              <a:gd name="connsiteX2" fmla="*/ 1269487 w 3255095"/>
-              <a:gd name="connsiteY2" fmla="*/ 0 h 18288"/>
-              <a:gd name="connsiteX3" fmla="*/ 1953057 w 3255095"/>
-              <a:gd name="connsiteY3" fmla="*/ 0 h 18288"/>
-              <a:gd name="connsiteX4" fmla="*/ 2636627 w 3255095"/>
-              <a:gd name="connsiteY4" fmla="*/ 0 h 18288"/>
-              <a:gd name="connsiteX5" fmla="*/ 3255095 w 3255095"/>
-              <a:gd name="connsiteY5" fmla="*/ 0 h 18288"/>
-              <a:gd name="connsiteX6" fmla="*/ 3255095 w 3255095"/>
-              <a:gd name="connsiteY6" fmla="*/ 18288 h 18288"/>
-              <a:gd name="connsiteX7" fmla="*/ 2538974 w 3255095"/>
-              <a:gd name="connsiteY7" fmla="*/ 18288 h 18288"/>
-              <a:gd name="connsiteX8" fmla="*/ 1822853 w 3255095"/>
-              <a:gd name="connsiteY8" fmla="*/ 18288 h 18288"/>
-              <a:gd name="connsiteX9" fmla="*/ 1171834 w 3255095"/>
-              <a:gd name="connsiteY9" fmla="*/ 18288 h 18288"/>
-              <a:gd name="connsiteX10" fmla="*/ 0 w 3255095"/>
-              <a:gd name="connsiteY10" fmla="*/ 18288 h 18288"/>
-              <a:gd name="connsiteX11" fmla="*/ 0 w 3255095"/>
-              <a:gd name="connsiteY11" fmla="*/ 0 h 18288"/>
-            </a:gdLst>
-            <a:ahLst/>
-            <a:cxnLst>
-              <a:cxn ang="0">
-                <a:pos x="connsiteX0" y="connsiteY0"/>
-              </a:cxn>
-              <a:cxn ang="0">
-                <a:pos x="connsiteX1" y="connsiteY1"/>
-              </a:cxn>
-              <a:cxn ang="0">
-                <a:pos x="connsiteX2" y="connsiteY2"/>
-              </a:cxn>
-              <a:cxn ang="0">
-                <a:pos x="connsiteX3" y="connsiteY3"/>
-              </a:cxn>
-              <a:cxn ang="0">
-                <a:pos x="connsiteX4" y="connsiteY4"/>
-              </a:cxn>
-              <a:cxn ang="0">
-                <a:pos x="connsiteX5" y="connsiteY5"/>
-              </a:cxn>
-              <a:cxn ang="0">
-                <a:pos x="connsiteX6" y="connsiteY6"/>
-              </a:cxn>
-              <a:cxn ang="0">
-                <a:pos x="connsiteX7" y="connsiteY7"/>
-              </a:cxn>
-              <a:cxn ang="0">
-                <a:pos x="connsiteX8" y="connsiteY8"/>
-              </a:cxn>
-              <a:cxn ang="0">
-                <a:pos x="connsiteX9" y="connsiteY9"/>
-              </a:cxn>
-              <a:cxn ang="0">
-                <a:pos x="connsiteX10" y="connsiteY10"/>
-              </a:cxn>
-              <a:cxn ang="0">
-                <a:pos x="connsiteX11" y="connsiteY11"/>
-              </a:cxn>
-            </a:cxnLst>
-            <a:rect l="l" t="t" r="r" b="b"/>
-            <a:pathLst>
-              <a:path w="3255095" h="18288" fill="none" extrusionOk="0">
-                <a:moveTo>
-                  <a:pt x="0" y="0"/>
-                </a:moveTo>
-                <a:cubicBezTo>
-                  <a:pt x="240201" y="-22123"/>
-                  <a:pt x="462021" y="-19623"/>
-                  <a:pt x="618468" y="0"/>
-                </a:cubicBezTo>
-                <a:cubicBezTo>
-                  <a:pt x="774915" y="19623"/>
-                  <a:pt x="974734" y="2035"/>
-                  <a:pt x="1269487" y="0"/>
-                </a:cubicBezTo>
-                <a:cubicBezTo>
-                  <a:pt x="1564240" y="-2035"/>
-                  <a:pt x="1733579" y="10639"/>
-                  <a:pt x="1953057" y="0"/>
-                </a:cubicBezTo>
-                <a:cubicBezTo>
-                  <a:pt x="2172535" y="-10639"/>
-                  <a:pt x="2453962" y="14018"/>
-                  <a:pt x="2636627" y="0"/>
-                </a:cubicBezTo>
-                <a:cubicBezTo>
-                  <a:pt x="2819292" y="-14018"/>
-                  <a:pt x="3121375" y="5399"/>
-                  <a:pt x="3255095" y="0"/>
-                </a:cubicBezTo>
-                <a:cubicBezTo>
-                  <a:pt x="3254386" y="8157"/>
-                  <a:pt x="3254682" y="12125"/>
-                  <a:pt x="3255095" y="18288"/>
-                </a:cubicBezTo>
-                <a:cubicBezTo>
-                  <a:pt x="3088545" y="23203"/>
-                  <a:pt x="2687475" y="7419"/>
-                  <a:pt x="2538974" y="18288"/>
-                </a:cubicBezTo>
-                <a:cubicBezTo>
-                  <a:pt x="2390473" y="29157"/>
-                  <a:pt x="2137381" y="-8959"/>
-                  <a:pt x="1822853" y="18288"/>
-                </a:cubicBezTo>
-                <a:cubicBezTo>
-                  <a:pt x="1508325" y="45535"/>
-                  <a:pt x="1466437" y="20385"/>
-                  <a:pt x="1171834" y="18288"/>
-                </a:cubicBezTo>
-                <a:cubicBezTo>
-                  <a:pt x="877231" y="16191"/>
-                  <a:pt x="561097" y="37643"/>
-                  <a:pt x="0" y="18288"/>
-                </a:cubicBezTo>
-                <a:cubicBezTo>
-                  <a:pt x="-46" y="12483"/>
-                  <a:pt x="-203" y="6491"/>
-                  <a:pt x="0" y="0"/>
-                </a:cubicBezTo>
-                <a:close/>
-              </a:path>
-              <a:path w="3255095" h="18288" stroke="0" extrusionOk="0">
-                <a:moveTo>
-                  <a:pt x="0" y="0"/>
-                </a:moveTo>
-                <a:cubicBezTo>
-                  <a:pt x="291965" y="19429"/>
-                  <a:pt x="363155" y="8568"/>
-                  <a:pt x="618468" y="0"/>
-                </a:cubicBezTo>
-                <a:cubicBezTo>
-                  <a:pt x="873781" y="-8568"/>
-                  <a:pt x="904459" y="-19505"/>
-                  <a:pt x="1171834" y="0"/>
-                </a:cubicBezTo>
-                <a:cubicBezTo>
-                  <a:pt x="1439209" y="19505"/>
-                  <a:pt x="1744369" y="9790"/>
-                  <a:pt x="1887955" y="0"/>
-                </a:cubicBezTo>
-                <a:cubicBezTo>
-                  <a:pt x="2031541" y="-9790"/>
-                  <a:pt x="2346378" y="21240"/>
-                  <a:pt x="2506423" y="0"/>
-                </a:cubicBezTo>
-                <a:cubicBezTo>
-                  <a:pt x="2666468" y="-21240"/>
-                  <a:pt x="2990257" y="30414"/>
-                  <a:pt x="3255095" y="0"/>
-                </a:cubicBezTo>
-                <a:cubicBezTo>
-                  <a:pt x="3254831" y="4493"/>
-                  <a:pt x="3255479" y="9472"/>
-                  <a:pt x="3255095" y="18288"/>
-                </a:cubicBezTo>
-                <a:cubicBezTo>
-                  <a:pt x="3120743" y="16690"/>
-                  <a:pt x="2759628" y="42462"/>
-                  <a:pt x="2604076" y="18288"/>
-                </a:cubicBezTo>
-                <a:cubicBezTo>
-                  <a:pt x="2448524" y="-5886"/>
-                  <a:pt x="2184336" y="19599"/>
-                  <a:pt x="1887955" y="18288"/>
-                </a:cubicBezTo>
-                <a:cubicBezTo>
-                  <a:pt x="1591574" y="16977"/>
-                  <a:pt x="1548845" y="6870"/>
-                  <a:pt x="1334589" y="18288"/>
-                </a:cubicBezTo>
-                <a:cubicBezTo>
-                  <a:pt x="1120333" y="29706"/>
-                  <a:pt x="996014" y="9662"/>
-                  <a:pt x="683570" y="18288"/>
-                </a:cubicBezTo>
-                <a:cubicBezTo>
-                  <a:pt x="371126" y="26914"/>
-                  <a:pt x="198687" y="16167"/>
-                  <a:pt x="0" y="18288"/>
-                </a:cubicBezTo>
-                <a:cubicBezTo>
-                  <a:pt x="843" y="9577"/>
-                  <a:pt x="371" y="6900"/>
-                  <a:pt x="0" y="0"/>
-                </a:cubicBezTo>
-                <a:close/>
-              </a:path>
-            </a:pathLst>
-          </a:custGeom>
-          <a:solidFill>
-            <a:schemeClr val="accent2"/>
-          </a:solidFill>
-          <a:ln w="38100" cap="rnd">
-            <a:solidFill>
-              <a:schemeClr val="accent2"/>
-            </a:solidFill>
-            <a:round/>
-            <a:extLst>
-              <a:ext uri="{C807C97D-BFC1-408E-A445-0C87EB9F89A2}">
-                <ask:lineSketchStyleProps xmlns:ask="http://schemas.microsoft.com/office/drawing/2018/sketchyshapes" sd="1219033472">
-                  <a:prstGeom prst="rect">
-                    <a:avLst/>
-                  </a:prstGeom>
-                  <ask:type>
-                    <ask:lineSketchFreehand/>
-                  </ask:type>
-                </ask:lineSketchStyleProps>
-              </a:ext>
-            </a:extLst>
-          </a:ln>
-        </p:spPr>
-        <p:style>
-          <a:lnRef idx="2">
-            <a:schemeClr val="accent1">
-              <a:shade val="50000"/>
-            </a:schemeClr>
-          </a:lnRef>
-          <a:fillRef idx="1">
-            <a:schemeClr val="accent1"/>
-          </a:fillRef>
-          <a:effectRef idx="0">
-            <a:schemeClr val="accent1"/>
-          </a:effectRef>
-          <a:fontRef idx="minor">
-            <a:schemeClr val="lt1"/>
-          </a:fontRef>
-        </p:style>
-        <p:txBody>
-          <a:bodyPr rtlCol="0" anchor="ctr"/>
-          <a:lstStyle/>
-          <a:p>
-            <a:pPr algn="ctr"/>
-            <a:endParaRPr lang="en-US"/>
-          </a:p>
-        </p:txBody>
-      </p:sp>
-      <p:sp>
-        <p:nvSpPr>
-          <p:cNvPr id="3" name="Content Placeholder 2">
-            <a:extLst>
-              <a:ext uri="{FF2B5EF4-FFF2-40B4-BE49-F238E27FC236}">
-                <a16:creationId xmlns:a16="http://schemas.microsoft.com/office/drawing/2014/main" id="{4AC4991A-5557-1EEF-D917-7811A524FFF6}"/>
-              </a:ext>
-            </a:extLst>
-          </p:cNvPr>
-          <p:cNvSpPr>
-            <a:spLocks noGrp="1"/>
-          </p:cNvSpPr>
-          <p:nvPr>
-            <p:ph idx="1"/>
-          </p:nvPr>
-        </p:nvSpPr>
-        <p:spPr>
-          <a:xfrm>
-            <a:off x="7117240" y="2479766"/>
-            <a:ext cx="4131784" cy="3550789"/>
-          </a:xfrm>
-        </p:spPr>
-        <p:txBody>
-          <a:bodyPr anchor="t">
-            <a:normAutofit/>
-          </a:bodyPr>
-          <a:lstStyle/>
-          <a:p>
-            <a:r>
-              <a:rPr lang="cs-CZ" sz="1500" dirty="0"/>
-              <a:t>Our columns all loaded with object types – needed to be re-typed</a:t>
-            </a:r>
-          </a:p>
-          <a:p>
-            <a:r>
-              <a:rPr lang="cs-CZ" sz="1500" dirty="0"/>
-              <a:t>No missing values were find</a:t>
-            </a:r>
-          </a:p>
-          <a:p>
-            <a:r>
-              <a:rPr lang="cs-CZ" sz="1500" dirty="0"/>
-              <a:t>Only a small fraction (0.18%) of all rows were marked as fraud</a:t>
-            </a:r>
-          </a:p>
-          <a:p>
-            <a:endParaRPr lang="cs-CZ" sz="2200" dirty="0"/>
-          </a:p>
-        </p:txBody>
-      </p:sp>
-      <p:pic>
-        <p:nvPicPr>
-          <p:cNvPr id="7" name="Picture 6" descr="Financial graphs on a dark display">
-            <a:extLst>
-              <a:ext uri="{FF2B5EF4-FFF2-40B4-BE49-F238E27FC236}">
-                <a16:creationId xmlns:a16="http://schemas.microsoft.com/office/drawing/2014/main" id="{230AB651-337C-D5F0-F7BF-CD688E1795E8}"/>
-              </a:ext>
-            </a:extLst>
-          </p:cNvPr>
-          <p:cNvPicPr>
-            <a:picLocks noChangeAspect="1"/>
-          </p:cNvPicPr>
-          <p:nvPr/>
-        </p:nvPicPr>
-        <p:blipFill rotWithShape="1">
-          <a:blip r:embed="rId2"/>
-          <a:srcRect l="15752" r="21559"/>
-          <a:stretch/>
-        </p:blipFill>
-        <p:spPr>
-          <a:xfrm rot="10800000">
-            <a:off x="0" y="0"/>
-            <a:ext cx="6861368" cy="6840636"/>
-          </a:xfrm>
-          <a:custGeom>
-            <a:avLst/>
-            <a:gdLst/>
-            <a:ahLst/>
-            <a:cxnLst/>
-            <a:rect l="l" t="t" r="r" b="b"/>
-            <a:pathLst>
-              <a:path w="6878775" h="6858000">
-                <a:moveTo>
-                  <a:pt x="1102973" y="0"/>
-                </a:moveTo>
-                <a:lnTo>
-                  <a:pt x="1160688" y="0"/>
-                </a:lnTo>
-                <a:lnTo>
-                  <a:pt x="983189" y="331786"/>
-                </a:lnTo>
-                <a:cubicBezTo>
-                  <a:pt x="914866" y="469145"/>
-                  <a:pt x="850355" y="608712"/>
-                  <a:pt x="789261" y="750263"/>
-                </a:cubicBezTo>
-                <a:cubicBezTo>
-                  <a:pt x="774307" y="784928"/>
-                  <a:pt x="759992" y="819849"/>
-                  <a:pt x="745295" y="854514"/>
-                </a:cubicBezTo>
-                <a:cubicBezTo>
-                  <a:pt x="756682" y="845393"/>
-                  <a:pt x="765489" y="833492"/>
-                  <a:pt x="770857" y="819975"/>
-                </a:cubicBezTo>
-                <a:cubicBezTo>
-                  <a:pt x="879943" y="589569"/>
-                  <a:pt x="999605" y="365513"/>
-                  <a:pt x="1131329" y="148742"/>
-                </a:cubicBezTo>
-                <a:lnTo>
-                  <a:pt x="1227589" y="0"/>
-                </a:lnTo>
-                <a:lnTo>
-                  <a:pt x="6878775" y="0"/>
-                </a:lnTo>
-                <a:lnTo>
-                  <a:pt x="6878775" y="6858000"/>
-                </a:lnTo>
-                <a:lnTo>
-                  <a:pt x="713521" y="6858000"/>
-                </a:lnTo>
-                <a:lnTo>
-                  <a:pt x="625642" y="6670527"/>
-                </a:lnTo>
-                <a:cubicBezTo>
-                  <a:pt x="507232" y="6398531"/>
-                  <a:pt x="403083" y="6118381"/>
-                  <a:pt x="312785" y="5830359"/>
-                </a:cubicBezTo>
-                <a:cubicBezTo>
-                  <a:pt x="278149" y="5719759"/>
-                  <a:pt x="248879" y="5607635"/>
-                  <a:pt x="212198" y="5480401"/>
-                </a:cubicBezTo>
-                <a:cubicBezTo>
-                  <a:pt x="212208" y="5491601"/>
-                  <a:pt x="212803" y="5502788"/>
-                  <a:pt x="213988" y="5513923"/>
-                </a:cubicBezTo>
-                <a:cubicBezTo>
-                  <a:pt x="264089" y="5723695"/>
-                  <a:pt x="307290" y="5935370"/>
-                  <a:pt x="365826" y="6142729"/>
-                </a:cubicBezTo>
-                <a:cubicBezTo>
-                  <a:pt x="433152" y="6380817"/>
-                  <a:pt x="510068" y="6614016"/>
-                  <a:pt x="597975" y="6841549"/>
-                </a:cubicBezTo>
-                <a:lnTo>
-                  <a:pt x="604824" y="6858000"/>
-                </a:lnTo>
-                <a:lnTo>
-                  <a:pt x="552056" y="6858000"/>
-                </a:lnTo>
-                <a:lnTo>
-                  <a:pt x="539576" y="6828295"/>
-                </a:lnTo>
-                <a:cubicBezTo>
-                  <a:pt x="380597" y="6414594"/>
-                  <a:pt x="260223" y="5988893"/>
-                  <a:pt x="171555" y="5552906"/>
-                </a:cubicBezTo>
-                <a:cubicBezTo>
-                  <a:pt x="91163" y="5157998"/>
-                  <a:pt x="43746" y="4758899"/>
-                  <a:pt x="12305" y="4357388"/>
-                </a:cubicBezTo>
-                <a:cubicBezTo>
-                  <a:pt x="-14281" y="4013908"/>
-                  <a:pt x="4507" y="3672965"/>
-                  <a:pt x="46684" y="3331516"/>
-                </a:cubicBezTo>
-                <a:cubicBezTo>
-                  <a:pt x="127203" y="2664286"/>
-                  <a:pt x="277819" y="2007265"/>
-                  <a:pt x="496065" y="1371196"/>
-                </a:cubicBezTo>
-                <a:cubicBezTo>
-                  <a:pt x="636273" y="966066"/>
-                  <a:pt x="800445" y="573253"/>
-                  <a:pt x="995723" y="196614"/>
-                </a:cubicBezTo>
-                <a:close/>
-              </a:path>
-            </a:pathLst>
-          </a:custGeom>
-        </p:spPr>
-      </p:pic>
-    </p:spTree>
-    <p:extLst>
-      <p:ext uri="{BB962C8B-B14F-4D97-AF65-F5344CB8AC3E}">
-        <p14:creationId xmlns:p14="http://schemas.microsoft.com/office/powerpoint/2010/main" val="3026032238"/>
-      </p:ext>
-    </p:extLst>
-  </p:cSld>
-  <p:clrMapOvr>
-    <a:masterClrMapping/>
-  </p:clrMapOvr>
-</p:sld>
-</file>
-
-<file path=ppt/slides/slide6.xml><?xml version="1.0" encoding="utf-8"?>
-<p:sld xmlns:a="http://schemas.openxmlformats.org/drawingml/2006/main" xmlns:r="http://schemas.openxmlformats.org/officeDocument/2006/relationships" xmlns:p="http://schemas.openxmlformats.org/presentationml/2006/main">
-  <p:cSld>
-    <p:spTree>
-      <p:nvGrpSpPr>
-        <p:cNvPr id="1" name=""/>
-        <p:cNvGrpSpPr/>
-        <p:nvPr/>
-      </p:nvGrpSpPr>
-      <p:grpSpPr>
-        <a:xfrm>
-          <a:off x="0" y="0"/>
-          <a:ext cx="0" cy="0"/>
-          <a:chOff x="0" y="0"/>
-          <a:chExt cx="0" cy="0"/>
-        </a:xfrm>
-      </p:grpSpPr>
-      <p:sp>
-        <p:nvSpPr>
-          <p:cNvPr id="3" name="Content Placeholder 2">
-            <a:extLst>
-              <a:ext uri="{FF2B5EF4-FFF2-40B4-BE49-F238E27FC236}">
-                <a16:creationId xmlns:a16="http://schemas.microsoft.com/office/drawing/2014/main" id="{178AE3D9-E658-44EC-78F8-3BC001CD47AA}"/>
-              </a:ext>
-            </a:extLst>
-          </p:cNvPr>
-          <p:cNvSpPr>
-            <a:spLocks noGrp="1"/>
-          </p:cNvSpPr>
-          <p:nvPr>
-            <p:ph idx="1"/>
-          </p:nvPr>
-        </p:nvSpPr>
-        <p:spPr>
-          <a:xfrm>
-            <a:off x="362993" y="2230209"/>
-            <a:ext cx="4681447" cy="917575"/>
-          </a:xfrm>
-        </p:spPr>
-        <p:txBody>
-          <a:bodyPr>
-            <a:normAutofit/>
-          </a:bodyPr>
-          <a:lstStyle/>
-          <a:p>
-            <a:r>
-              <a:rPr lang="cs-CZ" sz="1500" dirty="0"/>
-              <a:t>Only types  CASH_OUT and</a:t>
-            </a:r>
-            <a:endParaRPr lang="en-US" sz="1500" dirty="0"/>
-          </a:p>
-          <a:p>
-            <a:r>
-              <a:rPr lang="cs-CZ" sz="1500" dirty="0"/>
-              <a:t>TRANSFER were involved in a fraudulent transactions, with CASH_OUT being slightly more common</a:t>
-            </a:r>
-          </a:p>
-          <a:p>
-            <a:endParaRPr lang="cs-CZ" dirty="0"/>
-          </a:p>
-        </p:txBody>
-      </p:sp>
-      <p:pic>
-        <p:nvPicPr>
-          <p:cNvPr id="5" name="Picture 4">
-            <a:extLst>
-              <a:ext uri="{FF2B5EF4-FFF2-40B4-BE49-F238E27FC236}">
-                <a16:creationId xmlns:a16="http://schemas.microsoft.com/office/drawing/2014/main" id="{08AEA36D-FD5F-DEAF-9068-480266E43019}"/>
-              </a:ext>
-            </a:extLst>
-          </p:cNvPr>
-          <p:cNvPicPr>
-            <a:picLocks noChangeAspect="1"/>
-          </p:cNvPicPr>
-          <p:nvPr/>
-        </p:nvPicPr>
-        <p:blipFill>
-          <a:blip r:embed="rId2"/>
-          <a:stretch>
-            <a:fillRect/>
-          </a:stretch>
-        </p:blipFill>
-        <p:spPr>
-          <a:xfrm>
-            <a:off x="663741" y="3327507"/>
-            <a:ext cx="4563579" cy="3350772"/>
-          </a:xfrm>
-          <a:prstGeom prst="rect">
-            <a:avLst/>
-          </a:prstGeom>
-        </p:spPr>
-      </p:pic>
-      <p:pic>
-        <p:nvPicPr>
-          <p:cNvPr id="4" name="Picture 3" descr="Financial graphs on a dark display">
-            <a:extLst>
-              <a:ext uri="{FF2B5EF4-FFF2-40B4-BE49-F238E27FC236}">
-                <a16:creationId xmlns:a16="http://schemas.microsoft.com/office/drawing/2014/main" id="{F10AD751-982E-4514-8E0A-223308F76E0C}"/>
-              </a:ext>
-            </a:extLst>
-          </p:cNvPr>
-          <p:cNvPicPr>
-            <a:picLocks noChangeAspect="1"/>
-          </p:cNvPicPr>
-          <p:nvPr/>
-        </p:nvPicPr>
-        <p:blipFill rotWithShape="1">
-          <a:blip r:embed="rId3"/>
-          <a:srcRect l="15752" r="21559"/>
-          <a:stretch/>
-        </p:blipFill>
-        <p:spPr>
-          <a:xfrm>
-            <a:off x="5313225" y="0"/>
-            <a:ext cx="6878775" cy="6857990"/>
-          </a:xfrm>
-          <a:custGeom>
-            <a:avLst/>
-            <a:gdLst/>
-            <a:ahLst/>
-            <a:cxnLst/>
-            <a:rect l="l" t="t" r="r" b="b"/>
-            <a:pathLst>
-              <a:path w="6878775" h="6858000">
-                <a:moveTo>
-                  <a:pt x="1102973" y="0"/>
-                </a:moveTo>
-                <a:lnTo>
-                  <a:pt x="1160688" y="0"/>
-                </a:lnTo>
-                <a:lnTo>
-                  <a:pt x="983189" y="331786"/>
-                </a:lnTo>
-                <a:cubicBezTo>
-                  <a:pt x="914866" y="469145"/>
-                  <a:pt x="850355" y="608712"/>
-                  <a:pt x="789261" y="750263"/>
-                </a:cubicBezTo>
-                <a:cubicBezTo>
-                  <a:pt x="774307" y="784928"/>
-                  <a:pt x="759992" y="819849"/>
-                  <a:pt x="745295" y="854514"/>
-                </a:cubicBezTo>
-                <a:cubicBezTo>
-                  <a:pt x="756682" y="845393"/>
-                  <a:pt x="765489" y="833492"/>
-                  <a:pt x="770857" y="819975"/>
-                </a:cubicBezTo>
-                <a:cubicBezTo>
-                  <a:pt x="879943" y="589569"/>
-                  <a:pt x="999605" y="365513"/>
-                  <a:pt x="1131329" y="148742"/>
-                </a:cubicBezTo>
-                <a:lnTo>
-                  <a:pt x="1227589" y="0"/>
-                </a:lnTo>
-                <a:lnTo>
-                  <a:pt x="6878775" y="0"/>
-                </a:lnTo>
-                <a:lnTo>
-                  <a:pt x="6878775" y="6858000"/>
-                </a:lnTo>
-                <a:lnTo>
-                  <a:pt x="713521" y="6858000"/>
-                </a:lnTo>
-                <a:lnTo>
-                  <a:pt x="625642" y="6670527"/>
-                </a:lnTo>
-                <a:cubicBezTo>
-                  <a:pt x="507232" y="6398531"/>
-                  <a:pt x="403083" y="6118381"/>
-                  <a:pt x="312785" y="5830359"/>
-                </a:cubicBezTo>
-                <a:cubicBezTo>
-                  <a:pt x="278149" y="5719759"/>
-                  <a:pt x="248879" y="5607635"/>
-                  <a:pt x="212198" y="5480401"/>
-                </a:cubicBezTo>
-                <a:cubicBezTo>
-                  <a:pt x="212208" y="5491601"/>
-                  <a:pt x="212803" y="5502788"/>
-                  <a:pt x="213988" y="5513923"/>
-                </a:cubicBezTo>
-                <a:cubicBezTo>
-                  <a:pt x="264089" y="5723695"/>
-                  <a:pt x="307290" y="5935370"/>
-                  <a:pt x="365826" y="6142729"/>
-                </a:cubicBezTo>
-                <a:cubicBezTo>
-                  <a:pt x="433152" y="6380817"/>
-                  <a:pt x="510068" y="6614016"/>
-                  <a:pt x="597975" y="6841549"/>
-                </a:cubicBezTo>
-                <a:lnTo>
-                  <a:pt x="604824" y="6858000"/>
-                </a:lnTo>
-                <a:lnTo>
-                  <a:pt x="552056" y="6858000"/>
-                </a:lnTo>
-                <a:lnTo>
-                  <a:pt x="539576" y="6828295"/>
-                </a:lnTo>
-                <a:cubicBezTo>
-                  <a:pt x="380597" y="6414594"/>
-                  <a:pt x="260223" y="5988893"/>
-                  <a:pt x="171555" y="5552906"/>
-                </a:cubicBezTo>
-                <a:cubicBezTo>
-                  <a:pt x="91163" y="5157998"/>
-                  <a:pt x="43746" y="4758899"/>
-                  <a:pt x="12305" y="4357388"/>
-                </a:cubicBezTo>
-                <a:cubicBezTo>
-                  <a:pt x="-14281" y="4013908"/>
-                  <a:pt x="4507" y="3672965"/>
-                  <a:pt x="46684" y="3331516"/>
-                </a:cubicBezTo>
-                <a:cubicBezTo>
-                  <a:pt x="127203" y="2664286"/>
-                  <a:pt x="277819" y="2007265"/>
-                  <a:pt x="496065" y="1371196"/>
-                </a:cubicBezTo>
-                <a:cubicBezTo>
-                  <a:pt x="636273" y="966066"/>
-                  <a:pt x="800445" y="573253"/>
-                  <a:pt x="995723" y="196614"/>
-                </a:cubicBezTo>
-                <a:close/>
-              </a:path>
-            </a:pathLst>
-          </a:custGeom>
-        </p:spPr>
-      </p:pic>
-      <p:sp>
-        <p:nvSpPr>
-          <p:cNvPr id="2" name="Title 1">
-            <a:extLst>
-              <a:ext uri="{FF2B5EF4-FFF2-40B4-BE49-F238E27FC236}">
-                <a16:creationId xmlns:a16="http://schemas.microsoft.com/office/drawing/2014/main" id="{D47B4853-9488-A0D3-A41E-36205F474BCE}"/>
-              </a:ext>
-            </a:extLst>
-          </p:cNvPr>
-          <p:cNvSpPr>
-            <a:spLocks noGrp="1"/>
-          </p:cNvSpPr>
-          <p:nvPr>
-            <p:ph type="title"/>
-          </p:nvPr>
-        </p:nvSpPr>
-        <p:spPr>
-          <a:xfrm>
-            <a:off x="378233" y="179723"/>
-            <a:ext cx="5394960" cy="1443355"/>
-          </a:xfrm>
-        </p:spPr>
-        <p:txBody>
-          <a:bodyPr>
-            <a:noAutofit/>
-          </a:bodyPr>
-          <a:lstStyle/>
-          <a:p>
-            <a:r>
-              <a:rPr lang="cs-CZ" sz="5400" b="1" dirty="0"/>
-              <a:t>Exploratory Data Analysis Insights</a:t>
-            </a:r>
-          </a:p>
-        </p:txBody>
-      </p:sp>
-      <p:pic>
-        <p:nvPicPr>
-          <p:cNvPr id="7" name="Picture 6">
-            <a:extLst>
-              <a:ext uri="{FF2B5EF4-FFF2-40B4-BE49-F238E27FC236}">
-                <a16:creationId xmlns:a16="http://schemas.microsoft.com/office/drawing/2014/main" id="{FCA62505-3769-C6DF-01AC-25D7009A0BFC}"/>
-              </a:ext>
-            </a:extLst>
-          </p:cNvPr>
-          <p:cNvPicPr>
-            <a:picLocks noChangeAspect="1"/>
-          </p:cNvPicPr>
-          <p:nvPr/>
-        </p:nvPicPr>
-        <p:blipFill>
-          <a:blip r:embed="rId4"/>
-          <a:stretch>
-            <a:fillRect/>
-          </a:stretch>
-        </p:blipFill>
-        <p:spPr>
-          <a:xfrm>
-            <a:off x="362993" y="1802801"/>
-            <a:ext cx="4864327" cy="247685"/>
-          </a:xfrm>
-          <a:prstGeom prst="rect">
-            <a:avLst/>
-          </a:prstGeom>
-        </p:spPr>
-      </p:pic>
-    </p:spTree>
-    <p:extLst>
-      <p:ext uri="{BB962C8B-B14F-4D97-AF65-F5344CB8AC3E}">
-        <p14:creationId xmlns:p14="http://schemas.microsoft.com/office/powerpoint/2010/main" val="853935010"/>
-      </p:ext>
-    </p:extLst>
-  </p:cSld>
-  <p:clrMapOvr>
-    <a:masterClrMapping/>
-  </p:clrMapOvr>
-</p:sld>
-</file>
-
-<file path=ppt/slides/slide7.xml><?xml version="1.0" encoding="utf-8"?>
-<p:sld xmlns:a="http://schemas.openxmlformats.org/drawingml/2006/main" xmlns:r="http://schemas.openxmlformats.org/officeDocument/2006/relationships" xmlns:p="http://schemas.openxmlformats.org/presentationml/2006/main">
-  <p:cSld>
-    <p:spTree>
-      <p:nvGrpSpPr>
-        <p:cNvPr id="1" name=""/>
-        <p:cNvGrpSpPr/>
-        <p:nvPr/>
-      </p:nvGrpSpPr>
-      <p:grpSpPr>
-        <a:xfrm>
-          <a:off x="0" y="0"/>
-          <a:ext cx="0" cy="0"/>
-          <a:chOff x="0" y="0"/>
-          <a:chExt cx="0" cy="0"/>
-        </a:xfrm>
-      </p:grpSpPr>
-      <p:sp>
-        <p:nvSpPr>
-          <p:cNvPr id="2" name="Title 1">
-            <a:extLst>
-              <a:ext uri="{FF2B5EF4-FFF2-40B4-BE49-F238E27FC236}">
-                <a16:creationId xmlns:a16="http://schemas.microsoft.com/office/drawing/2014/main" id="{D47B4853-9488-A0D3-A41E-36205F474BCE}"/>
-              </a:ext>
-            </a:extLst>
-          </p:cNvPr>
-          <p:cNvSpPr>
-            <a:spLocks noGrp="1"/>
-          </p:cNvSpPr>
-          <p:nvPr>
-            <p:ph type="title"/>
-          </p:nvPr>
-        </p:nvSpPr>
-        <p:spPr>
-          <a:xfrm>
-            <a:off x="6939583" y="311191"/>
-            <a:ext cx="5144483" cy="1772603"/>
-          </a:xfrm>
-        </p:spPr>
-        <p:txBody>
-          <a:bodyPr>
-            <a:noAutofit/>
-          </a:bodyPr>
-          <a:lstStyle/>
-          <a:p>
-            <a:r>
-              <a:rPr lang="cs-CZ" sz="5400" b="1" dirty="0" err="1"/>
-              <a:t>Exploratory</a:t>
-            </a:r>
-            <a:r>
-              <a:rPr lang="cs-CZ" sz="5400" b="1" dirty="0"/>
-              <a:t> Data </a:t>
-            </a:r>
-            <a:r>
-              <a:rPr lang="cs-CZ" sz="5400" b="1" dirty="0" err="1"/>
-              <a:t>Analysis</a:t>
-            </a:r>
-            <a:r>
-              <a:rPr lang="cs-CZ" sz="5400" b="1" dirty="0"/>
-              <a:t> - </a:t>
-            </a:r>
-            <a:r>
-              <a:rPr lang="cs-CZ" sz="5400" b="1" dirty="0" err="1"/>
-              <a:t>Insights</a:t>
-            </a:r>
-            <a:endParaRPr lang="cs-CZ" sz="5400" b="1" dirty="0"/>
-          </a:p>
-        </p:txBody>
-      </p:sp>
-      <p:sp>
-        <p:nvSpPr>
-          <p:cNvPr id="3" name="Content Placeholder 2">
-            <a:extLst>
-              <a:ext uri="{FF2B5EF4-FFF2-40B4-BE49-F238E27FC236}">
-                <a16:creationId xmlns:a16="http://schemas.microsoft.com/office/drawing/2014/main" id="{178AE3D9-E658-44EC-78F8-3BC001CD47AA}"/>
-              </a:ext>
-            </a:extLst>
-          </p:cNvPr>
-          <p:cNvSpPr>
-            <a:spLocks noGrp="1"/>
-          </p:cNvSpPr>
-          <p:nvPr>
-            <p:ph idx="1"/>
-          </p:nvPr>
-        </p:nvSpPr>
-        <p:spPr>
-          <a:xfrm>
-            <a:off x="7071139" y="2953861"/>
-            <a:ext cx="4564380" cy="724059"/>
-          </a:xfrm>
-        </p:spPr>
-        <p:txBody>
-          <a:bodyPr>
-            <a:normAutofit/>
-          </a:bodyPr>
-          <a:lstStyle/>
-          <a:p>
-            <a:r>
-              <a:rPr lang="cs-CZ" sz="1500" dirty="0" err="1"/>
-              <a:t>We</a:t>
-            </a:r>
-            <a:r>
-              <a:rPr lang="cs-CZ" sz="1500" dirty="0"/>
-              <a:t> </a:t>
-            </a:r>
-            <a:r>
-              <a:rPr lang="cs-CZ" sz="1500" dirty="0" err="1"/>
-              <a:t>found</a:t>
-            </a:r>
-            <a:r>
-              <a:rPr lang="cs-CZ" sz="1500" dirty="0"/>
-              <a:t> a </a:t>
-            </a:r>
-            <a:r>
-              <a:rPr lang="cs-CZ" sz="1500" dirty="0" err="1"/>
-              <a:t>distinct</a:t>
-            </a:r>
-            <a:r>
-              <a:rPr lang="cs-CZ" sz="1500" dirty="0"/>
-              <a:t> </a:t>
-            </a:r>
-            <a:r>
-              <a:rPr lang="cs-CZ" sz="1500" dirty="0" err="1"/>
-              <a:t>pattern</a:t>
-            </a:r>
-            <a:r>
-              <a:rPr lang="cs-CZ" sz="1500" dirty="0"/>
-              <a:t> </a:t>
-            </a:r>
-            <a:r>
-              <a:rPr lang="cs-CZ" sz="1500" dirty="0" err="1"/>
-              <a:t>of</a:t>
-            </a:r>
-            <a:r>
-              <a:rPr lang="cs-CZ" sz="1500" dirty="0"/>
-              <a:t> </a:t>
-            </a:r>
-            <a:r>
-              <a:rPr lang="cs-CZ" sz="1500" dirty="0" err="1"/>
-              <a:t>transactions</a:t>
-            </a:r>
-            <a:r>
-              <a:rPr lang="cs-CZ" sz="1500" dirty="0"/>
-              <a:t> </a:t>
-            </a:r>
-            <a:r>
-              <a:rPr lang="cs-CZ" sz="1500" dirty="0" err="1"/>
-              <a:t>being</a:t>
-            </a:r>
-            <a:r>
-              <a:rPr lang="cs-CZ" sz="1500" dirty="0"/>
-              <a:t> </a:t>
-            </a:r>
-            <a:r>
-              <a:rPr lang="cs-CZ" sz="1500" dirty="0" err="1"/>
-              <a:t>marked</a:t>
-            </a:r>
-            <a:r>
-              <a:rPr lang="cs-CZ" sz="1500" dirty="0"/>
-              <a:t> as </a:t>
-            </a:r>
-            <a:r>
-              <a:rPr lang="cs-CZ" sz="1500" dirty="0" err="1"/>
-              <a:t>Fraud</a:t>
-            </a:r>
-            <a:r>
-              <a:rPr lang="cs-CZ" sz="1500" dirty="0"/>
-              <a:t> </a:t>
-            </a:r>
-            <a:r>
-              <a:rPr lang="cs-CZ" sz="1500" dirty="0" err="1"/>
-              <a:t>if</a:t>
-            </a:r>
-            <a:r>
-              <a:rPr lang="cs-CZ" sz="1500" dirty="0"/>
-              <a:t> </a:t>
-            </a:r>
-            <a:r>
-              <a:rPr lang="cs-CZ" sz="1500" dirty="0" err="1"/>
-              <a:t>both</a:t>
-            </a:r>
-            <a:r>
-              <a:rPr lang="cs-CZ" sz="1500" dirty="0"/>
-              <a:t> </a:t>
-            </a:r>
-            <a:r>
-              <a:rPr lang="cs-CZ" sz="1500" dirty="0" err="1"/>
-              <a:t>old</a:t>
-            </a:r>
-            <a:r>
-              <a:rPr lang="cs-CZ" sz="1500" dirty="0"/>
-              <a:t> and </a:t>
-            </a:r>
-            <a:r>
-              <a:rPr lang="cs-CZ" sz="1500" dirty="0" err="1"/>
-              <a:t>new</a:t>
-            </a:r>
-            <a:r>
-              <a:rPr lang="cs-CZ" sz="1500" dirty="0"/>
-              <a:t> balance on </a:t>
-            </a:r>
-            <a:r>
-              <a:rPr lang="cs-CZ" sz="1500" dirty="0" err="1"/>
-              <a:t>destination</a:t>
-            </a:r>
-            <a:r>
-              <a:rPr lang="cs-CZ" sz="1500" dirty="0"/>
-              <a:t> </a:t>
-            </a:r>
-            <a:r>
-              <a:rPr lang="cs-CZ" sz="1500" dirty="0" err="1"/>
-              <a:t>accounts</a:t>
-            </a:r>
-            <a:r>
-              <a:rPr lang="cs-CZ" sz="1500" dirty="0"/>
-              <a:t> </a:t>
-            </a:r>
-            <a:r>
-              <a:rPr lang="cs-CZ" sz="1500" dirty="0" err="1"/>
-              <a:t>were</a:t>
-            </a:r>
-            <a:r>
-              <a:rPr lang="cs-CZ" sz="1500" dirty="0"/>
-              <a:t> 0</a:t>
+              <a:rPr lang="cs-CZ" sz="1500" dirty="0"/>
+              <a:t>Based on EDA, we created a new feature, „</a:t>
+            </a:r>
+            <a:r>
+              <a:rPr lang="cs-CZ" sz="1500" b="1" dirty="0"/>
+              <a:t>IsZero</a:t>
+            </a:r>
+            <a:r>
+              <a:rPr lang="cs-CZ" sz="1500" dirty="0"/>
+              <a:t>“, which aggregated results from columns oldBalanceDest and newBalancedest, where we found a pattern</a:t>
+            </a:r>
+          </a:p>
+          <a:p>
+            <a:r>
+              <a:rPr lang="cs-CZ" sz="1500" dirty="0"/>
+              <a:t>Comparing the results with and without this feature, the one with performer better.</a:t>
+            </a:r>
+          </a:p>
+          <a:p>
+            <a:r>
+              <a:rPr lang="cs-CZ" sz="1500" dirty="0"/>
+              <a:t>We also extracted first letters of nameDest and nameOrigin, which showed us account types (customer vs merchant). This again helped the model perform better.</a:t>
             </a:r>
           </a:p>
         </p:txBody>
@@ -11239,453 +11534,7 @@
           <p:cNvPr id="4" name="Picture 3" descr="Financial graphs on a dark display">
             <a:extLst>
               <a:ext uri="{FF2B5EF4-FFF2-40B4-BE49-F238E27FC236}">
-                <a16:creationId xmlns:a16="http://schemas.microsoft.com/office/drawing/2014/main" id="{8F574E4D-61BF-2C0D-65CB-A11D786AAAEC}"/>
-              </a:ext>
-            </a:extLst>
-          </p:cNvPr>
-          <p:cNvPicPr>
-            <a:picLocks noChangeAspect="1"/>
-          </p:cNvPicPr>
-          <p:nvPr/>
-        </p:nvPicPr>
-        <p:blipFill rotWithShape="1">
-          <a:blip r:embed="rId2"/>
-          <a:srcRect l="15752" r="21559"/>
-          <a:stretch/>
-        </p:blipFill>
-        <p:spPr>
-          <a:xfrm rot="10800000">
-            <a:off x="0" y="0"/>
-            <a:ext cx="6861368" cy="6840636"/>
-          </a:xfrm>
-          <a:custGeom>
-            <a:avLst/>
-            <a:gdLst/>
-            <a:ahLst/>
-            <a:cxnLst/>
-            <a:rect l="l" t="t" r="r" b="b"/>
-            <a:pathLst>
-              <a:path w="6878775" h="6858000">
-                <a:moveTo>
-                  <a:pt x="1102973" y="0"/>
-                </a:moveTo>
-                <a:lnTo>
-                  <a:pt x="1160688" y="0"/>
-                </a:lnTo>
-                <a:lnTo>
-                  <a:pt x="983189" y="331786"/>
-                </a:lnTo>
-                <a:cubicBezTo>
-                  <a:pt x="914866" y="469145"/>
-                  <a:pt x="850355" y="608712"/>
-                  <a:pt x="789261" y="750263"/>
-                </a:cubicBezTo>
-                <a:cubicBezTo>
-                  <a:pt x="774307" y="784928"/>
-                  <a:pt x="759992" y="819849"/>
-                  <a:pt x="745295" y="854514"/>
-                </a:cubicBezTo>
-                <a:cubicBezTo>
-                  <a:pt x="756682" y="845393"/>
-                  <a:pt x="765489" y="833492"/>
-                  <a:pt x="770857" y="819975"/>
-                </a:cubicBezTo>
-                <a:cubicBezTo>
-                  <a:pt x="879943" y="589569"/>
-                  <a:pt x="999605" y="365513"/>
-                  <a:pt x="1131329" y="148742"/>
-                </a:cubicBezTo>
-                <a:lnTo>
-                  <a:pt x="1227589" y="0"/>
-                </a:lnTo>
-                <a:lnTo>
-                  <a:pt x="6878775" y="0"/>
-                </a:lnTo>
-                <a:lnTo>
-                  <a:pt x="6878775" y="6858000"/>
-                </a:lnTo>
-                <a:lnTo>
-                  <a:pt x="713521" y="6858000"/>
-                </a:lnTo>
-                <a:lnTo>
-                  <a:pt x="625642" y="6670527"/>
-                </a:lnTo>
-                <a:cubicBezTo>
-                  <a:pt x="507232" y="6398531"/>
-                  <a:pt x="403083" y="6118381"/>
-                  <a:pt x="312785" y="5830359"/>
-                </a:cubicBezTo>
-                <a:cubicBezTo>
-                  <a:pt x="278149" y="5719759"/>
-                  <a:pt x="248879" y="5607635"/>
-                  <a:pt x="212198" y="5480401"/>
-                </a:cubicBezTo>
-                <a:cubicBezTo>
-                  <a:pt x="212208" y="5491601"/>
-                  <a:pt x="212803" y="5502788"/>
-                  <a:pt x="213988" y="5513923"/>
-                </a:cubicBezTo>
-                <a:cubicBezTo>
-                  <a:pt x="264089" y="5723695"/>
-                  <a:pt x="307290" y="5935370"/>
-                  <a:pt x="365826" y="6142729"/>
-                </a:cubicBezTo>
-                <a:cubicBezTo>
-                  <a:pt x="433152" y="6380817"/>
-                  <a:pt x="510068" y="6614016"/>
-                  <a:pt x="597975" y="6841549"/>
-                </a:cubicBezTo>
-                <a:lnTo>
-                  <a:pt x="604824" y="6858000"/>
-                </a:lnTo>
-                <a:lnTo>
-                  <a:pt x="552056" y="6858000"/>
-                </a:lnTo>
-                <a:lnTo>
-                  <a:pt x="539576" y="6828295"/>
-                </a:lnTo>
-                <a:cubicBezTo>
-                  <a:pt x="380597" y="6414594"/>
-                  <a:pt x="260223" y="5988893"/>
-                  <a:pt x="171555" y="5552906"/>
-                </a:cubicBezTo>
-                <a:cubicBezTo>
-                  <a:pt x="91163" y="5157998"/>
-                  <a:pt x="43746" y="4758899"/>
-                  <a:pt x="12305" y="4357388"/>
-                </a:cubicBezTo>
-                <a:cubicBezTo>
-                  <a:pt x="-14281" y="4013908"/>
-                  <a:pt x="4507" y="3672965"/>
-                  <a:pt x="46684" y="3331516"/>
-                </a:cubicBezTo>
-                <a:cubicBezTo>
-                  <a:pt x="127203" y="2664286"/>
-                  <a:pt x="277819" y="2007265"/>
-                  <a:pt x="496065" y="1371196"/>
-                </a:cubicBezTo>
-                <a:cubicBezTo>
-                  <a:pt x="636273" y="966066"/>
-                  <a:pt x="800445" y="573253"/>
-                  <a:pt x="995723" y="196614"/>
-                </a:cubicBezTo>
-                <a:close/>
-              </a:path>
-            </a:pathLst>
-          </a:custGeom>
-        </p:spPr>
-      </p:pic>
-      <p:pic>
-        <p:nvPicPr>
-          <p:cNvPr id="6" name="Picture 5">
-            <a:extLst>
-              <a:ext uri="{FF2B5EF4-FFF2-40B4-BE49-F238E27FC236}">
-                <a16:creationId xmlns:a16="http://schemas.microsoft.com/office/drawing/2014/main" id="{CA293B82-B4F9-DE53-DC79-1501EAC5C7BE}"/>
-              </a:ext>
-            </a:extLst>
-          </p:cNvPr>
-          <p:cNvPicPr>
-            <a:picLocks noChangeAspect="1"/>
-          </p:cNvPicPr>
-          <p:nvPr/>
-        </p:nvPicPr>
-        <p:blipFill>
-          <a:blip r:embed="rId3"/>
-          <a:stretch>
-            <a:fillRect/>
-          </a:stretch>
-        </p:blipFill>
-        <p:spPr>
-          <a:xfrm>
-            <a:off x="5144171" y="3989111"/>
-            <a:ext cx="6743029" cy="2557700"/>
-          </a:xfrm>
-          <a:prstGeom prst="rect">
-            <a:avLst/>
-          </a:prstGeom>
-        </p:spPr>
-      </p:pic>
-      <p:pic>
-        <p:nvPicPr>
-          <p:cNvPr id="7" name="Picture 6">
-            <a:extLst>
-              <a:ext uri="{FF2B5EF4-FFF2-40B4-BE49-F238E27FC236}">
-                <a16:creationId xmlns:a16="http://schemas.microsoft.com/office/drawing/2014/main" id="{2AB23A5F-769F-CE0A-C2BB-782901EFDA49}"/>
-              </a:ext>
-            </a:extLst>
-          </p:cNvPr>
-          <p:cNvPicPr>
-            <a:picLocks noChangeAspect="1"/>
-          </p:cNvPicPr>
-          <p:nvPr/>
-        </p:nvPicPr>
-        <p:blipFill>
-          <a:blip r:embed="rId4"/>
-          <a:stretch>
-            <a:fillRect/>
-          </a:stretch>
-        </p:blipFill>
-        <p:spPr>
-          <a:xfrm>
-            <a:off x="7071139" y="2394985"/>
-            <a:ext cx="4816061" cy="247685"/>
-          </a:xfrm>
-          <a:prstGeom prst="rect">
-            <a:avLst/>
-          </a:prstGeom>
-        </p:spPr>
-      </p:pic>
-    </p:spTree>
-    <p:extLst>
-      <p:ext uri="{BB962C8B-B14F-4D97-AF65-F5344CB8AC3E}">
-        <p14:creationId xmlns:p14="http://schemas.microsoft.com/office/powerpoint/2010/main" val="2476275341"/>
-      </p:ext>
-    </p:extLst>
-  </p:cSld>
-  <p:clrMapOvr>
-    <a:masterClrMapping/>
-  </p:clrMapOvr>
-</p:sld>
-</file>
-
-<file path=ppt/slides/slide8.xml><?xml version="1.0" encoding="utf-8"?>
-<p:sld xmlns:a="http://schemas.openxmlformats.org/drawingml/2006/main" xmlns:r="http://schemas.openxmlformats.org/officeDocument/2006/relationships" xmlns:p="http://schemas.openxmlformats.org/presentationml/2006/main">
-  <p:cSld>
-    <p:spTree>
-      <p:nvGrpSpPr>
-        <p:cNvPr id="1" name=""/>
-        <p:cNvGrpSpPr/>
-        <p:nvPr/>
-      </p:nvGrpSpPr>
-      <p:grpSpPr>
-        <a:xfrm>
-          <a:off x="0" y="0"/>
-          <a:ext cx="0" cy="0"/>
-          <a:chOff x="0" y="0"/>
-          <a:chExt cx="0" cy="0"/>
-        </a:xfrm>
-      </p:grpSpPr>
-      <p:sp>
-        <p:nvSpPr>
-          <p:cNvPr id="2" name="Title 1">
-            <a:extLst>
-              <a:ext uri="{FF2B5EF4-FFF2-40B4-BE49-F238E27FC236}">
-                <a16:creationId xmlns:a16="http://schemas.microsoft.com/office/drawing/2014/main" id="{D47B4853-9488-A0D3-A41E-36205F474BCE}"/>
-              </a:ext>
-            </a:extLst>
-          </p:cNvPr>
-          <p:cNvSpPr>
-            <a:spLocks noGrp="1"/>
-          </p:cNvSpPr>
-          <p:nvPr>
-            <p:ph type="title"/>
-          </p:nvPr>
-        </p:nvSpPr>
-        <p:spPr>
-          <a:xfrm>
-            <a:off x="518159" y="305259"/>
-            <a:ext cx="5177791" cy="1459123"/>
-          </a:xfrm>
-        </p:spPr>
-        <p:txBody>
-          <a:bodyPr>
-            <a:noAutofit/>
-          </a:bodyPr>
-          <a:lstStyle/>
-          <a:p>
-            <a:r>
-              <a:rPr lang="cs-CZ" sz="5400" b="1" dirty="0" err="1"/>
-              <a:t>Exploratory</a:t>
-            </a:r>
-            <a:r>
-              <a:rPr lang="cs-CZ" sz="5400" b="1" dirty="0"/>
-              <a:t> Data </a:t>
-            </a:r>
-            <a:r>
-              <a:rPr lang="cs-CZ" sz="5400" b="1" dirty="0" err="1"/>
-              <a:t>Analysis</a:t>
-            </a:r>
-            <a:r>
-              <a:rPr lang="cs-CZ" sz="5400" b="1" dirty="0"/>
-              <a:t> - </a:t>
-            </a:r>
-            <a:r>
-              <a:rPr lang="cs-CZ" sz="5400" b="1" dirty="0" err="1"/>
-              <a:t>Insights</a:t>
-            </a:r>
-            <a:endParaRPr lang="cs-CZ" sz="5400" dirty="0"/>
-          </a:p>
-        </p:txBody>
-      </p:sp>
-      <p:sp>
-        <p:nvSpPr>
-          <p:cNvPr id="3" name="Content Placeholder 2">
-            <a:extLst>
-              <a:ext uri="{FF2B5EF4-FFF2-40B4-BE49-F238E27FC236}">
-                <a16:creationId xmlns:a16="http://schemas.microsoft.com/office/drawing/2014/main" id="{178AE3D9-E658-44EC-78F8-3BC001CD47AA}"/>
-              </a:ext>
-            </a:extLst>
-          </p:cNvPr>
-          <p:cNvSpPr>
-            <a:spLocks noGrp="1"/>
-          </p:cNvSpPr>
-          <p:nvPr>
-            <p:ph idx="1"/>
-          </p:nvPr>
-        </p:nvSpPr>
-        <p:spPr>
-          <a:xfrm>
-            <a:off x="518160" y="2622585"/>
-            <a:ext cx="4644390" cy="791762"/>
-          </a:xfrm>
-        </p:spPr>
-        <p:txBody>
-          <a:bodyPr>
-            <a:normAutofit/>
-          </a:bodyPr>
-          <a:lstStyle/>
-          <a:p>
-            <a:r>
-              <a:rPr lang="cs-CZ" sz="1500" dirty="0"/>
-              <a:t>Most </a:t>
-            </a:r>
-            <a:r>
-              <a:rPr lang="cs-CZ" sz="1500" dirty="0" err="1"/>
-              <a:t>of</a:t>
-            </a:r>
-            <a:r>
-              <a:rPr lang="cs-CZ" sz="1500" dirty="0"/>
-              <a:t> CASH_OUT </a:t>
-            </a:r>
-            <a:r>
-              <a:rPr lang="cs-CZ" sz="1500" dirty="0" err="1"/>
-              <a:t>Frauds</a:t>
-            </a:r>
-            <a:r>
-              <a:rPr lang="cs-CZ" sz="1500" dirty="0"/>
-              <a:t> </a:t>
-            </a:r>
-            <a:r>
-              <a:rPr lang="cs-CZ" sz="1500" dirty="0" err="1"/>
-              <a:t>ended</a:t>
-            </a:r>
-            <a:r>
-              <a:rPr lang="cs-CZ" sz="1500" dirty="0"/>
-              <a:t> </a:t>
-            </a:r>
-            <a:r>
-              <a:rPr lang="cs-CZ" sz="1500" dirty="0" err="1"/>
-              <a:t>with</a:t>
-            </a:r>
-            <a:r>
-              <a:rPr lang="cs-CZ" sz="1500" dirty="0"/>
-              <a:t> </a:t>
-            </a:r>
-            <a:r>
-              <a:rPr lang="cs-CZ" sz="1500" dirty="0" err="1"/>
-              <a:t>new</a:t>
-            </a:r>
-            <a:r>
-              <a:rPr lang="cs-CZ" sz="1500" dirty="0"/>
-              <a:t> balance on </a:t>
-            </a:r>
-            <a:r>
-              <a:rPr lang="cs-CZ" sz="1500" dirty="0" err="1"/>
-              <a:t>the</a:t>
-            </a:r>
-            <a:r>
-              <a:rPr lang="cs-CZ" sz="1500" dirty="0"/>
-              <a:t> </a:t>
-            </a:r>
-            <a:r>
-              <a:rPr lang="cs-CZ" sz="1500" dirty="0" err="1"/>
-              <a:t>original</a:t>
-            </a:r>
-            <a:r>
-              <a:rPr lang="cs-CZ" sz="1500" dirty="0"/>
-              <a:t> </a:t>
-            </a:r>
-            <a:r>
-              <a:rPr lang="cs-CZ" sz="1500" dirty="0" err="1"/>
-              <a:t>account</a:t>
-            </a:r>
-            <a:r>
-              <a:rPr lang="cs-CZ" sz="1500" dirty="0"/>
-              <a:t> </a:t>
-            </a:r>
-            <a:r>
-              <a:rPr lang="cs-CZ" sz="1500" dirty="0" err="1"/>
-              <a:t>being</a:t>
-            </a:r>
-            <a:r>
-              <a:rPr lang="cs-CZ" sz="1500" dirty="0"/>
-              <a:t> 0. </a:t>
-            </a:r>
-            <a:r>
-              <a:rPr lang="cs-CZ" sz="1500" dirty="0" err="1"/>
-              <a:t>The</a:t>
-            </a:r>
-            <a:r>
-              <a:rPr lang="cs-CZ" sz="1500" dirty="0"/>
-              <a:t> </a:t>
-            </a:r>
-            <a:r>
-              <a:rPr lang="cs-CZ" sz="1500" dirty="0" err="1"/>
-              <a:t>thieves</a:t>
-            </a:r>
-            <a:r>
-              <a:rPr lang="cs-CZ" sz="1500" dirty="0"/>
-              <a:t> </a:t>
-            </a:r>
-            <a:r>
-              <a:rPr lang="cs-CZ" sz="1500" dirty="0" err="1"/>
-              <a:t>probably</a:t>
-            </a:r>
-            <a:r>
-              <a:rPr lang="cs-CZ" sz="1500" dirty="0"/>
-              <a:t> </a:t>
-            </a:r>
-            <a:r>
-              <a:rPr lang="cs-CZ" sz="1500" dirty="0" err="1"/>
-              <a:t>picked</a:t>
-            </a:r>
-            <a:r>
-              <a:rPr lang="cs-CZ" sz="1500" dirty="0"/>
-              <a:t> </a:t>
-            </a:r>
-            <a:r>
-              <a:rPr lang="cs-CZ" sz="1500" dirty="0" err="1"/>
-              <a:t>the</a:t>
-            </a:r>
-            <a:r>
-              <a:rPr lang="cs-CZ" sz="1500" dirty="0"/>
-              <a:t> stolen </a:t>
-            </a:r>
-            <a:r>
-              <a:rPr lang="cs-CZ" sz="1500" dirty="0" err="1"/>
-              <a:t>account</a:t>
-            </a:r>
-            <a:r>
-              <a:rPr lang="cs-CZ" sz="1500" dirty="0"/>
-              <a:t> </a:t>
-            </a:r>
-            <a:r>
-              <a:rPr lang="cs-CZ" sz="1500" dirty="0" err="1"/>
-              <a:t>clean</a:t>
-            </a:r>
-            <a:r>
-              <a:rPr lang="cs-CZ" sz="1500" dirty="0"/>
-              <a:t>.</a:t>
-            </a:r>
-          </a:p>
-        </p:txBody>
-      </p:sp>
-      <p:pic>
-        <p:nvPicPr>
-          <p:cNvPr id="4" name="Picture 3" descr="Financial graphs on a dark display">
-            <a:extLst>
-              <a:ext uri="{FF2B5EF4-FFF2-40B4-BE49-F238E27FC236}">
-                <a16:creationId xmlns:a16="http://schemas.microsoft.com/office/drawing/2014/main" id="{1CFC2F49-2697-5F88-E651-0490FB2EDFA3}"/>
+                <a16:creationId xmlns:a16="http://schemas.microsoft.com/office/drawing/2014/main" id="{BBA2E2CA-C282-0D6F-0908-6ABD7204F805}"/>
               </a:ext>
             </a:extLst>
           </p:cNvPr>
@@ -11821,485 +11670,10 @@
           </a:custGeom>
         </p:spPr>
       </p:pic>
-      <p:pic>
-        <p:nvPicPr>
-          <p:cNvPr id="5" name="Picture 4">
-            <a:extLst>
-              <a:ext uri="{FF2B5EF4-FFF2-40B4-BE49-F238E27FC236}">
-                <a16:creationId xmlns:a16="http://schemas.microsoft.com/office/drawing/2014/main" id="{F813C9D5-6B54-EF2C-A8C3-5565A2E24BE8}"/>
-              </a:ext>
-            </a:extLst>
-          </p:cNvPr>
-          <p:cNvPicPr>
-            <a:picLocks noChangeAspect="1"/>
-          </p:cNvPicPr>
-          <p:nvPr/>
-        </p:nvPicPr>
-        <p:blipFill>
-          <a:blip r:embed="rId3"/>
-          <a:stretch>
-            <a:fillRect/>
-          </a:stretch>
-        </p:blipFill>
-        <p:spPr>
-          <a:xfrm>
-            <a:off x="518160" y="3719606"/>
-            <a:ext cx="5930265" cy="2833135"/>
-          </a:xfrm>
-          <a:prstGeom prst="rect">
-            <a:avLst/>
-          </a:prstGeom>
-        </p:spPr>
-      </p:pic>
-      <p:pic>
-        <p:nvPicPr>
-          <p:cNvPr id="7" name="Picture 6">
-            <a:extLst>
-              <a:ext uri="{FF2B5EF4-FFF2-40B4-BE49-F238E27FC236}">
-                <a16:creationId xmlns:a16="http://schemas.microsoft.com/office/drawing/2014/main" id="{D7689EB8-548F-80B0-158C-A4EA1E7E8F4B}"/>
-              </a:ext>
-            </a:extLst>
-          </p:cNvPr>
-          <p:cNvPicPr>
-            <a:picLocks noChangeAspect="1"/>
-          </p:cNvPicPr>
-          <p:nvPr/>
-        </p:nvPicPr>
-        <p:blipFill>
-          <a:blip r:embed="rId4"/>
-          <a:stretch>
-            <a:fillRect/>
-          </a:stretch>
-        </p:blipFill>
-        <p:spPr>
-          <a:xfrm>
-            <a:off x="518161" y="2069641"/>
-            <a:ext cx="5006600" cy="247685"/>
-          </a:xfrm>
-          <a:prstGeom prst="rect">
-            <a:avLst/>
-          </a:prstGeom>
-        </p:spPr>
-      </p:pic>
     </p:spTree>
     <p:extLst>
       <p:ext uri="{BB962C8B-B14F-4D97-AF65-F5344CB8AC3E}">
-        <p14:creationId xmlns:p14="http://schemas.microsoft.com/office/powerpoint/2010/main" val="2211201604"/>
-      </p:ext>
-    </p:extLst>
-  </p:cSld>
-  <p:clrMapOvr>
-    <a:masterClrMapping/>
-  </p:clrMapOvr>
-</p:sld>
-</file>
-
-<file path=ppt/slides/slide9.xml><?xml version="1.0" encoding="utf-8"?>
-<p:sld xmlns:a="http://schemas.openxmlformats.org/drawingml/2006/main" xmlns:r="http://schemas.openxmlformats.org/officeDocument/2006/relationships" xmlns:p="http://schemas.openxmlformats.org/presentationml/2006/main">
-  <p:cSld>
-    <p:spTree>
-      <p:nvGrpSpPr>
-        <p:cNvPr id="1" name=""/>
-        <p:cNvGrpSpPr/>
-        <p:nvPr/>
-      </p:nvGrpSpPr>
-      <p:grpSpPr>
-        <a:xfrm>
-          <a:off x="0" y="0"/>
-          <a:ext cx="0" cy="0"/>
-          <a:chOff x="0" y="0"/>
-          <a:chExt cx="0" cy="0"/>
-        </a:xfrm>
-      </p:grpSpPr>
-      <p:sp>
-        <p:nvSpPr>
-          <p:cNvPr id="2" name="Title 1">
-            <a:extLst>
-              <a:ext uri="{FF2B5EF4-FFF2-40B4-BE49-F238E27FC236}">
-                <a16:creationId xmlns:a16="http://schemas.microsoft.com/office/drawing/2014/main" id="{D47B4853-9488-A0D3-A41E-36205F474BCE}"/>
-              </a:ext>
-            </a:extLst>
-          </p:cNvPr>
-          <p:cNvSpPr>
-            <a:spLocks noGrp="1"/>
-          </p:cNvSpPr>
-          <p:nvPr>
-            <p:ph type="title"/>
-          </p:nvPr>
-        </p:nvSpPr>
-        <p:spPr>
-          <a:xfrm>
-            <a:off x="6861367" y="230187"/>
-            <a:ext cx="5130607" cy="1325563"/>
-          </a:xfrm>
-        </p:spPr>
-        <p:txBody>
-          <a:bodyPr>
-            <a:noAutofit/>
-          </a:bodyPr>
-          <a:lstStyle/>
-          <a:p>
-            <a:r>
-              <a:rPr lang="cs-CZ" sz="5400" b="1" dirty="0" err="1"/>
-              <a:t>Exploratory</a:t>
-            </a:r>
-            <a:r>
-              <a:rPr lang="cs-CZ" sz="5400" b="1" dirty="0"/>
-              <a:t> Data </a:t>
-            </a:r>
-            <a:r>
-              <a:rPr lang="cs-CZ" sz="5400" b="1" dirty="0" err="1"/>
-              <a:t>Analysis</a:t>
-            </a:r>
-            <a:r>
-              <a:rPr lang="cs-CZ" sz="5400" b="1" dirty="0"/>
-              <a:t> - </a:t>
-            </a:r>
-            <a:r>
-              <a:rPr lang="cs-CZ" sz="5400" b="1" dirty="0" err="1"/>
-              <a:t>Insights</a:t>
-            </a:r>
-            <a:endParaRPr lang="cs-CZ" sz="5400" dirty="0"/>
-          </a:p>
-        </p:txBody>
-      </p:sp>
-      <p:sp>
-        <p:nvSpPr>
-          <p:cNvPr id="3" name="Content Placeholder 2">
-            <a:extLst>
-              <a:ext uri="{FF2B5EF4-FFF2-40B4-BE49-F238E27FC236}">
-                <a16:creationId xmlns:a16="http://schemas.microsoft.com/office/drawing/2014/main" id="{178AE3D9-E658-44EC-78F8-3BC001CD47AA}"/>
-              </a:ext>
-            </a:extLst>
-          </p:cNvPr>
-          <p:cNvSpPr>
-            <a:spLocks noGrp="1"/>
-          </p:cNvSpPr>
-          <p:nvPr>
-            <p:ph idx="1"/>
-          </p:nvPr>
-        </p:nvSpPr>
-        <p:spPr>
-          <a:xfrm>
-            <a:off x="6988270" y="2263809"/>
-            <a:ext cx="4876800" cy="564941"/>
-          </a:xfrm>
-        </p:spPr>
-        <p:txBody>
-          <a:bodyPr>
-            <a:normAutofit/>
-          </a:bodyPr>
-          <a:lstStyle/>
-          <a:p>
-            <a:r>
-              <a:rPr lang="cs-CZ" sz="1500" dirty="0" err="1"/>
-              <a:t>There</a:t>
-            </a:r>
-            <a:r>
-              <a:rPr lang="cs-CZ" sz="1500" dirty="0"/>
-              <a:t> </a:t>
-            </a:r>
-            <a:r>
-              <a:rPr lang="cs-CZ" sz="1500" dirty="0" err="1"/>
-              <a:t>was</a:t>
-            </a:r>
-            <a:r>
-              <a:rPr lang="cs-CZ" sz="1500" dirty="0"/>
-              <a:t> a </a:t>
-            </a:r>
-            <a:r>
-              <a:rPr lang="cs-CZ" sz="1500" dirty="0" err="1"/>
-              <a:t>significant</a:t>
-            </a:r>
-            <a:r>
-              <a:rPr lang="cs-CZ" sz="1500" dirty="0"/>
-              <a:t> </a:t>
-            </a:r>
-            <a:r>
-              <a:rPr lang="cs-CZ" sz="1500" dirty="0" err="1"/>
-              <a:t>pattern</a:t>
-            </a:r>
-            <a:r>
-              <a:rPr lang="cs-CZ" sz="1500" dirty="0"/>
-              <a:t> in </a:t>
-            </a:r>
-            <a:r>
-              <a:rPr lang="cs-CZ" sz="1500" dirty="0" err="1"/>
-              <a:t>fraudulent</a:t>
-            </a:r>
-            <a:r>
-              <a:rPr lang="cs-CZ" sz="1500" dirty="0"/>
-              <a:t> </a:t>
-            </a:r>
-            <a:r>
-              <a:rPr lang="cs-CZ" sz="1500" dirty="0" err="1"/>
-              <a:t>transactions</a:t>
-            </a:r>
-            <a:r>
-              <a:rPr lang="cs-CZ" sz="1500" dirty="0"/>
-              <a:t> in </a:t>
-            </a:r>
-            <a:r>
-              <a:rPr lang="cs-CZ" sz="1500" dirty="0" err="1"/>
-              <a:t>the</a:t>
-            </a:r>
-            <a:r>
-              <a:rPr lang="cs-CZ" sz="1500" dirty="0"/>
-              <a:t> </a:t>
-            </a:r>
-            <a:r>
-              <a:rPr lang="cs-CZ" sz="1500" dirty="0" err="1"/>
-              <a:t>amount</a:t>
-            </a:r>
-            <a:r>
-              <a:rPr lang="cs-CZ" sz="1500" dirty="0"/>
-              <a:t> </a:t>
-            </a:r>
-            <a:r>
-              <a:rPr lang="cs-CZ" sz="1500" dirty="0" err="1"/>
-              <a:t>of</a:t>
-            </a:r>
-            <a:r>
-              <a:rPr lang="cs-CZ" sz="1500" dirty="0"/>
-              <a:t> 10 </a:t>
-            </a:r>
-            <a:r>
-              <a:rPr lang="cs-CZ" sz="1500" dirty="0" err="1"/>
-              <a:t>million</a:t>
-            </a:r>
-            <a:r>
-              <a:rPr lang="cs-CZ" sz="1500" dirty="0"/>
-              <a:t>, </a:t>
-            </a:r>
-            <a:r>
-              <a:rPr lang="cs-CZ" sz="1500" dirty="0" err="1"/>
-              <a:t>transfered</a:t>
-            </a:r>
-            <a:r>
-              <a:rPr lang="cs-CZ" sz="1500" dirty="0"/>
-              <a:t> in </a:t>
-            </a:r>
-            <a:r>
-              <a:rPr lang="cs-CZ" sz="1500" dirty="0" err="1"/>
-              <a:t>several</a:t>
-            </a:r>
-            <a:r>
-              <a:rPr lang="cs-CZ" sz="1500" dirty="0"/>
-              <a:t> </a:t>
-            </a:r>
-            <a:r>
-              <a:rPr lang="cs-CZ" sz="1500" dirty="0" err="1"/>
-              <a:t>steps</a:t>
-            </a:r>
-            <a:endParaRPr lang="cs-CZ" sz="1500" dirty="0"/>
-          </a:p>
-        </p:txBody>
-      </p:sp>
-      <p:pic>
-        <p:nvPicPr>
-          <p:cNvPr id="6" name="Picture 5">
-            <a:extLst>
-              <a:ext uri="{FF2B5EF4-FFF2-40B4-BE49-F238E27FC236}">
-                <a16:creationId xmlns:a16="http://schemas.microsoft.com/office/drawing/2014/main" id="{A8552FD1-90BE-4F4A-D6D9-2B06E8891AB8}"/>
-              </a:ext>
-            </a:extLst>
-          </p:cNvPr>
-          <p:cNvPicPr>
-            <a:picLocks noChangeAspect="1"/>
-          </p:cNvPicPr>
-          <p:nvPr/>
-        </p:nvPicPr>
-        <p:blipFill>
-          <a:blip r:embed="rId2"/>
-          <a:stretch>
-            <a:fillRect/>
-          </a:stretch>
-        </p:blipFill>
-        <p:spPr>
-          <a:xfrm>
-            <a:off x="9153525" y="3058937"/>
-            <a:ext cx="2171700" cy="3568878"/>
-          </a:xfrm>
-          <a:prstGeom prst="rect">
-            <a:avLst/>
-          </a:prstGeom>
-        </p:spPr>
-      </p:pic>
-      <p:pic>
-        <p:nvPicPr>
-          <p:cNvPr id="4" name="Picture 3" descr="Financial graphs on a dark display">
-            <a:extLst>
-              <a:ext uri="{FF2B5EF4-FFF2-40B4-BE49-F238E27FC236}">
-                <a16:creationId xmlns:a16="http://schemas.microsoft.com/office/drawing/2014/main" id="{5CF004AB-26DC-7CCE-3D44-322BDB809610}"/>
-              </a:ext>
-            </a:extLst>
-          </p:cNvPr>
-          <p:cNvPicPr>
-            <a:picLocks noChangeAspect="1"/>
-          </p:cNvPicPr>
-          <p:nvPr/>
-        </p:nvPicPr>
-        <p:blipFill rotWithShape="1">
-          <a:blip r:embed="rId3"/>
-          <a:srcRect l="15752" r="21559"/>
-          <a:stretch/>
-        </p:blipFill>
-        <p:spPr>
-          <a:xfrm rot="10800000">
-            <a:off x="0" y="0"/>
-            <a:ext cx="6861368" cy="6840636"/>
-          </a:xfrm>
-          <a:custGeom>
-            <a:avLst/>
-            <a:gdLst/>
-            <a:ahLst/>
-            <a:cxnLst/>
-            <a:rect l="l" t="t" r="r" b="b"/>
-            <a:pathLst>
-              <a:path w="6878775" h="6858000">
-                <a:moveTo>
-                  <a:pt x="1102973" y="0"/>
-                </a:moveTo>
-                <a:lnTo>
-                  <a:pt x="1160688" y="0"/>
-                </a:lnTo>
-                <a:lnTo>
-                  <a:pt x="983189" y="331786"/>
-                </a:lnTo>
-                <a:cubicBezTo>
-                  <a:pt x="914866" y="469145"/>
-                  <a:pt x="850355" y="608712"/>
-                  <a:pt x="789261" y="750263"/>
-                </a:cubicBezTo>
-                <a:cubicBezTo>
-                  <a:pt x="774307" y="784928"/>
-                  <a:pt x="759992" y="819849"/>
-                  <a:pt x="745295" y="854514"/>
-                </a:cubicBezTo>
-                <a:cubicBezTo>
-                  <a:pt x="756682" y="845393"/>
-                  <a:pt x="765489" y="833492"/>
-                  <a:pt x="770857" y="819975"/>
-                </a:cubicBezTo>
-                <a:cubicBezTo>
-                  <a:pt x="879943" y="589569"/>
-                  <a:pt x="999605" y="365513"/>
-                  <a:pt x="1131329" y="148742"/>
-                </a:cubicBezTo>
-                <a:lnTo>
-                  <a:pt x="1227589" y="0"/>
-                </a:lnTo>
-                <a:lnTo>
-                  <a:pt x="6878775" y="0"/>
-                </a:lnTo>
-                <a:lnTo>
-                  <a:pt x="6878775" y="6858000"/>
-                </a:lnTo>
-                <a:lnTo>
-                  <a:pt x="713521" y="6858000"/>
-                </a:lnTo>
-                <a:lnTo>
-                  <a:pt x="625642" y="6670527"/>
-                </a:lnTo>
-                <a:cubicBezTo>
-                  <a:pt x="507232" y="6398531"/>
-                  <a:pt x="403083" y="6118381"/>
-                  <a:pt x="312785" y="5830359"/>
-                </a:cubicBezTo>
-                <a:cubicBezTo>
-                  <a:pt x="278149" y="5719759"/>
-                  <a:pt x="248879" y="5607635"/>
-                  <a:pt x="212198" y="5480401"/>
-                </a:cubicBezTo>
-                <a:cubicBezTo>
-                  <a:pt x="212208" y="5491601"/>
-                  <a:pt x="212803" y="5502788"/>
-                  <a:pt x="213988" y="5513923"/>
-                </a:cubicBezTo>
-                <a:cubicBezTo>
-                  <a:pt x="264089" y="5723695"/>
-                  <a:pt x="307290" y="5935370"/>
-                  <a:pt x="365826" y="6142729"/>
-                </a:cubicBezTo>
-                <a:cubicBezTo>
-                  <a:pt x="433152" y="6380817"/>
-                  <a:pt x="510068" y="6614016"/>
-                  <a:pt x="597975" y="6841549"/>
-                </a:cubicBezTo>
-                <a:lnTo>
-                  <a:pt x="604824" y="6858000"/>
-                </a:lnTo>
-                <a:lnTo>
-                  <a:pt x="552056" y="6858000"/>
-                </a:lnTo>
-                <a:lnTo>
-                  <a:pt x="539576" y="6828295"/>
-                </a:lnTo>
-                <a:cubicBezTo>
-                  <a:pt x="380597" y="6414594"/>
-                  <a:pt x="260223" y="5988893"/>
-                  <a:pt x="171555" y="5552906"/>
-                </a:cubicBezTo>
-                <a:cubicBezTo>
-                  <a:pt x="91163" y="5157998"/>
-                  <a:pt x="43746" y="4758899"/>
-                  <a:pt x="12305" y="4357388"/>
-                </a:cubicBezTo>
-                <a:cubicBezTo>
-                  <a:pt x="-14281" y="4013908"/>
-                  <a:pt x="4507" y="3672965"/>
-                  <a:pt x="46684" y="3331516"/>
-                </a:cubicBezTo>
-                <a:cubicBezTo>
-                  <a:pt x="127203" y="2664286"/>
-                  <a:pt x="277819" y="2007265"/>
-                  <a:pt x="496065" y="1371196"/>
-                </a:cubicBezTo>
-                <a:cubicBezTo>
-                  <a:pt x="636273" y="966066"/>
-                  <a:pt x="800445" y="573253"/>
-                  <a:pt x="995723" y="196614"/>
-                </a:cubicBezTo>
-                <a:close/>
-              </a:path>
-            </a:pathLst>
-          </a:custGeom>
-        </p:spPr>
-      </p:pic>
-      <p:pic>
-        <p:nvPicPr>
-          <p:cNvPr id="7" name="Picture 6">
-            <a:extLst>
-              <a:ext uri="{FF2B5EF4-FFF2-40B4-BE49-F238E27FC236}">
-                <a16:creationId xmlns:a16="http://schemas.microsoft.com/office/drawing/2014/main" id="{2969F598-4115-5606-2543-68BDCF84351D}"/>
-              </a:ext>
-            </a:extLst>
-          </p:cNvPr>
-          <p:cNvPicPr>
-            <a:picLocks noChangeAspect="1"/>
-          </p:cNvPicPr>
-          <p:nvPr/>
-        </p:nvPicPr>
-        <p:blipFill>
-          <a:blip r:embed="rId4"/>
-          <a:stretch>
-            <a:fillRect/>
-          </a:stretch>
-        </p:blipFill>
-        <p:spPr>
-          <a:xfrm>
-            <a:off x="6861367" y="1785937"/>
-            <a:ext cx="4876800" cy="247685"/>
-          </a:xfrm>
-          <a:prstGeom prst="rect">
-            <a:avLst/>
-          </a:prstGeom>
-        </p:spPr>
-      </p:pic>
-    </p:spTree>
-    <p:extLst>
-      <p:ext uri="{BB962C8B-B14F-4D97-AF65-F5344CB8AC3E}">
-        <p14:creationId xmlns:p14="http://schemas.microsoft.com/office/powerpoint/2010/main" val="3890405760"/>
+        <p14:creationId xmlns:p14="http://schemas.microsoft.com/office/powerpoint/2010/main" val="2147085771"/>
       </p:ext>
     </p:extLst>
   </p:cSld>
